--- a/Documents/Final_Presentation.pptx
+++ b/Documents/Final_Presentation.pptx
@@ -5,7 +5,7 @@
     <p:sldMasterId id="2147483648" r:id="rId1"/>
   </p:sldMasterIdLst>
   <p:notesMasterIdLst>
-    <p:notesMasterId r:id="rId14"/>
+    <p:notesMasterId r:id="rId16"/>
   </p:notesMasterIdLst>
   <p:sldIdLst>
     <p:sldId id="256" r:id="rId2"/>
@@ -17,9 +17,11 @@
     <p:sldId id="262" r:id="rId8"/>
     <p:sldId id="263" r:id="rId9"/>
     <p:sldId id="264" r:id="rId10"/>
-    <p:sldId id="267" r:id="rId11"/>
-    <p:sldId id="265" r:id="rId12"/>
-    <p:sldId id="266" r:id="rId13"/>
+    <p:sldId id="268" r:id="rId11"/>
+    <p:sldId id="269" r:id="rId12"/>
+    <p:sldId id="267" r:id="rId13"/>
+    <p:sldId id="265" r:id="rId14"/>
+    <p:sldId id="266" r:id="rId15"/>
   </p:sldIdLst>
   <p:sldSz cx="9144000" cy="6858000" type="screen4x3"/>
   <p:notesSz cx="6858000" cy="9144000"/>
@@ -3658,7 +3660,7 @@
           <a:p>
             <a:r>
               <a:rPr lang="en-US" dirty="0" smtClean="0"/>
-              <a:t>Personal and team learning</a:t>
+              <a:t>Where is our company going to do</a:t>
             </a:r>
             <a:endParaRPr lang="en-US" dirty="0"/>
           </a:p>
@@ -3679,14 +3681,14 @@
           <a:bodyPr/>
           <a:lstStyle/>
           <a:p>
-            <a:endParaRPr lang="en-US" dirty="0"/>
+            <a:endParaRPr lang="en-US"/>
           </a:p>
         </p:txBody>
       </p:sp>
     </p:spTree>
     <p:extLst>
       <p:ext uri="{BB962C8B-B14F-4D97-AF65-F5344CB8AC3E}">
-        <p14:creationId xmlns:p14="http://schemas.microsoft.com/office/powerpoint/2010/main" val="174890009"/>
+        <p14:creationId xmlns:p14="http://schemas.microsoft.com/office/powerpoint/2010/main" val="3813620355"/>
       </p:ext>
     </p:extLst>
   </p:cSld>
@@ -3729,6 +3731,165 @@
           <a:lstStyle/>
           <a:p>
             <a:r>
+              <a:rPr lang="en-US" dirty="0"/>
+              <a:t>Where is our company going to do</a:t>
+            </a:r>
+          </a:p>
+        </p:txBody>
+      </p:sp>
+      <p:sp>
+        <p:nvSpPr>
+          <p:cNvPr id="3" name="Content Placeholder 2"/>
+          <p:cNvSpPr>
+            <a:spLocks noGrp="1"/>
+          </p:cNvSpPr>
+          <p:nvPr>
+            <p:ph idx="1"/>
+          </p:nvPr>
+        </p:nvSpPr>
+        <p:spPr/>
+        <p:txBody>
+          <a:bodyPr/>
+          <a:lstStyle/>
+          <a:p>
+            <a:r>
+              <a:rPr lang="en-US" dirty="0" smtClean="0"/>
+              <a:t>Long-term contracts with Co. 8</a:t>
+            </a:r>
+          </a:p>
+          <a:p>
+            <a:r>
+              <a:rPr lang="en-US" dirty="0" smtClean="0"/>
+              <a:t>…</a:t>
+            </a:r>
+          </a:p>
+          <a:p>
+            <a:r>
+              <a:rPr lang="en-US" smtClean="0"/>
+              <a:t>…</a:t>
+            </a:r>
+            <a:endParaRPr lang="en-US" dirty="0"/>
+          </a:p>
+        </p:txBody>
+      </p:sp>
+    </p:spTree>
+    <p:extLst>
+      <p:ext uri="{BB962C8B-B14F-4D97-AF65-F5344CB8AC3E}">
+        <p14:creationId xmlns:p14="http://schemas.microsoft.com/office/powerpoint/2010/main" val="246109485"/>
+      </p:ext>
+    </p:extLst>
+  </p:cSld>
+  <p:clrMapOvr>
+    <a:masterClrMapping/>
+  </p:clrMapOvr>
+</p:sld>
+</file>
+
+<file path=ppt/slides/slide12.xml><?xml version="1.0" encoding="utf-8"?>
+<p:sld xmlns:a="http://schemas.openxmlformats.org/drawingml/2006/main" xmlns:r="http://schemas.openxmlformats.org/officeDocument/2006/relationships" xmlns:p="http://schemas.openxmlformats.org/presentationml/2006/main">
+  <p:cSld>
+    <p:spTree>
+      <p:nvGrpSpPr>
+        <p:cNvPr id="1" name=""/>
+        <p:cNvGrpSpPr/>
+        <p:nvPr/>
+      </p:nvGrpSpPr>
+      <p:grpSpPr>
+        <a:xfrm>
+          <a:off x="0" y="0"/>
+          <a:ext cx="0" cy="0"/>
+          <a:chOff x="0" y="0"/>
+          <a:chExt cx="0" cy="0"/>
+        </a:xfrm>
+      </p:grpSpPr>
+      <p:sp>
+        <p:nvSpPr>
+          <p:cNvPr id="2" name="Title 1"/>
+          <p:cNvSpPr>
+            <a:spLocks noGrp="1"/>
+          </p:cNvSpPr>
+          <p:nvPr>
+            <p:ph type="title"/>
+          </p:nvPr>
+        </p:nvSpPr>
+        <p:spPr/>
+        <p:txBody>
+          <a:bodyPr/>
+          <a:lstStyle/>
+          <a:p>
+            <a:r>
+              <a:rPr lang="en-US" dirty="0" smtClean="0"/>
+              <a:t>Personal and team learning</a:t>
+            </a:r>
+            <a:endParaRPr lang="en-US" dirty="0"/>
+          </a:p>
+        </p:txBody>
+      </p:sp>
+      <p:sp>
+        <p:nvSpPr>
+          <p:cNvPr id="3" name="Content Placeholder 2"/>
+          <p:cNvSpPr>
+            <a:spLocks noGrp="1"/>
+          </p:cNvSpPr>
+          <p:nvPr>
+            <p:ph idx="1"/>
+          </p:nvPr>
+        </p:nvSpPr>
+        <p:spPr/>
+        <p:txBody>
+          <a:bodyPr/>
+          <a:lstStyle/>
+          <a:p>
+            <a:endParaRPr lang="en-US" dirty="0"/>
+          </a:p>
+        </p:txBody>
+      </p:sp>
+    </p:spTree>
+    <p:extLst>
+      <p:ext uri="{BB962C8B-B14F-4D97-AF65-F5344CB8AC3E}">
+        <p14:creationId xmlns:p14="http://schemas.microsoft.com/office/powerpoint/2010/main" val="174890009"/>
+      </p:ext>
+    </p:extLst>
+  </p:cSld>
+  <p:clrMapOvr>
+    <a:masterClrMapping/>
+  </p:clrMapOvr>
+</p:sld>
+</file>
+
+<file path=ppt/slides/slide13.xml><?xml version="1.0" encoding="utf-8"?>
+<p:sld xmlns:a="http://schemas.openxmlformats.org/drawingml/2006/main" xmlns:r="http://schemas.openxmlformats.org/officeDocument/2006/relationships" xmlns:p="http://schemas.openxmlformats.org/presentationml/2006/main">
+  <p:cSld>
+    <p:spTree>
+      <p:nvGrpSpPr>
+        <p:cNvPr id="1" name=""/>
+        <p:cNvGrpSpPr/>
+        <p:nvPr/>
+      </p:nvGrpSpPr>
+      <p:grpSpPr>
+        <a:xfrm>
+          <a:off x="0" y="0"/>
+          <a:ext cx="0" cy="0"/>
+          <a:chOff x="0" y="0"/>
+          <a:chExt cx="0" cy="0"/>
+        </a:xfrm>
+      </p:grpSpPr>
+      <p:sp>
+        <p:nvSpPr>
+          <p:cNvPr id="2" name="Title 1"/>
+          <p:cNvSpPr>
+            <a:spLocks noGrp="1"/>
+          </p:cNvSpPr>
+          <p:nvPr>
+            <p:ph type="title"/>
+          </p:nvPr>
+        </p:nvSpPr>
+        <p:spPr/>
+        <p:txBody>
+          <a:bodyPr/>
+          <a:lstStyle/>
+          <a:p>
+            <a:r>
               <a:rPr lang="en-US" dirty="0" err="1" smtClean="0"/>
               <a:t>Anh</a:t>
             </a:r>
@@ -3782,7 +3943,7 @@
 </p:sld>
 </file>
 
-<file path=ppt/slides/slide12.xml><?xml version="1.0" encoding="utf-8"?>
+<file path=ppt/slides/slide14.xml><?xml version="1.0" encoding="utf-8"?>
 <p:sld xmlns:a="http://schemas.openxmlformats.org/drawingml/2006/main" xmlns:r="http://schemas.openxmlformats.org/officeDocument/2006/relationships" xmlns:p="http://schemas.openxmlformats.org/presentationml/2006/main">
   <p:cSld>
     <p:spTree>

--- a/Documents/Final_Presentation.pptx
+++ b/Documents/Final_Presentation.pptx
@@ -205,7 +205,7 @@
           <a:p>
             <a:fld id="{BD8359DF-E153-0548-9C60-543CDCE44A2A}" type="datetimeFigureOut">
               <a:rPr lang="en-US" smtClean="0"/>
-              <a:t>5/28/13</a:t>
+              <a:t>03/06/2013</a:t>
             </a:fld>
             <a:endParaRPr lang="en-US"/>
           </a:p>
@@ -764,7 +764,7 @@
           <a:p>
             <a:fld id="{06EC5996-89EF-CC48-B1A1-5D344D221715}" type="datetimeFigureOut">
               <a:rPr lang="en-US" smtClean="0"/>
-              <a:t>5/28/13</a:t>
+              <a:t>03/06/2013</a:t>
             </a:fld>
             <a:endParaRPr lang="en-US"/>
           </a:p>
@@ -934,7 +934,7 @@
           <a:p>
             <a:fld id="{06EC5996-89EF-CC48-B1A1-5D344D221715}" type="datetimeFigureOut">
               <a:rPr lang="en-US" smtClean="0"/>
-              <a:t>5/28/13</a:t>
+              <a:t>03/06/2013</a:t>
             </a:fld>
             <a:endParaRPr lang="en-US"/>
           </a:p>
@@ -1114,7 +1114,7 @@
           <a:p>
             <a:fld id="{06EC5996-89EF-CC48-B1A1-5D344D221715}" type="datetimeFigureOut">
               <a:rPr lang="en-US" smtClean="0"/>
-              <a:t>5/28/13</a:t>
+              <a:t>03/06/2013</a:t>
             </a:fld>
             <a:endParaRPr lang="en-US"/>
           </a:p>
@@ -1284,7 +1284,7 @@
           <a:p>
             <a:fld id="{06EC5996-89EF-CC48-B1A1-5D344D221715}" type="datetimeFigureOut">
               <a:rPr lang="en-US" smtClean="0"/>
-              <a:t>5/28/13</a:t>
+              <a:t>03/06/2013</a:t>
             </a:fld>
             <a:endParaRPr lang="en-US"/>
           </a:p>
@@ -1530,7 +1530,7 @@
           <a:p>
             <a:fld id="{06EC5996-89EF-CC48-B1A1-5D344D221715}" type="datetimeFigureOut">
               <a:rPr lang="en-US" smtClean="0"/>
-              <a:t>5/28/13</a:t>
+              <a:t>03/06/2013</a:t>
             </a:fld>
             <a:endParaRPr lang="en-US"/>
           </a:p>
@@ -1818,7 +1818,7 @@
           <a:p>
             <a:fld id="{06EC5996-89EF-CC48-B1A1-5D344D221715}" type="datetimeFigureOut">
               <a:rPr lang="en-US" smtClean="0"/>
-              <a:t>5/28/13</a:t>
+              <a:t>03/06/2013</a:t>
             </a:fld>
             <a:endParaRPr lang="en-US"/>
           </a:p>
@@ -2240,7 +2240,7 @@
           <a:p>
             <a:fld id="{06EC5996-89EF-CC48-B1A1-5D344D221715}" type="datetimeFigureOut">
               <a:rPr lang="en-US" smtClean="0"/>
-              <a:t>5/28/13</a:t>
+              <a:t>03/06/2013</a:t>
             </a:fld>
             <a:endParaRPr lang="en-US"/>
           </a:p>
@@ -2358,7 +2358,7 @@
           <a:p>
             <a:fld id="{06EC5996-89EF-CC48-B1A1-5D344D221715}" type="datetimeFigureOut">
               <a:rPr lang="en-US" smtClean="0"/>
-              <a:t>5/28/13</a:t>
+              <a:t>03/06/2013</a:t>
             </a:fld>
             <a:endParaRPr lang="en-US"/>
           </a:p>
@@ -2453,7 +2453,7 @@
           <a:p>
             <a:fld id="{06EC5996-89EF-CC48-B1A1-5D344D221715}" type="datetimeFigureOut">
               <a:rPr lang="en-US" smtClean="0"/>
-              <a:t>5/28/13</a:t>
+              <a:t>03/06/2013</a:t>
             </a:fld>
             <a:endParaRPr lang="en-US"/>
           </a:p>
@@ -2730,7 +2730,7 @@
           <a:p>
             <a:fld id="{06EC5996-89EF-CC48-B1A1-5D344D221715}" type="datetimeFigureOut">
               <a:rPr lang="en-US" smtClean="0"/>
-              <a:t>5/28/13</a:t>
+              <a:t>03/06/2013</a:t>
             </a:fld>
             <a:endParaRPr lang="en-US"/>
           </a:p>
@@ -2983,7 +2983,7 @@
           <a:p>
             <a:fld id="{06EC5996-89EF-CC48-B1A1-5D344D221715}" type="datetimeFigureOut">
               <a:rPr lang="en-US" smtClean="0"/>
-              <a:t>5/28/13</a:t>
+              <a:t>03/06/2013</a:t>
             </a:fld>
             <a:endParaRPr lang="en-US"/>
           </a:p>
@@ -3196,7 +3196,7 @@
           <a:p>
             <a:fld id="{06EC5996-89EF-CC48-B1A1-5D344D221715}" type="datetimeFigureOut">
               <a:rPr lang="en-US" smtClean="0"/>
-              <a:t>5/28/13</a:t>
+              <a:t>03/06/2013</a:t>
             </a:fld>
             <a:endParaRPr lang="en-US"/>
           </a:p>
@@ -4633,7 +4633,11 @@
           <a:bodyPr/>
           <a:lstStyle/>
           <a:p>
-            <a:endParaRPr lang="en-US"/>
+            <a:r>
+              <a:rPr lang="en-US" dirty="0" smtClean="0"/>
+              <a:t>Gap Analysis</a:t>
+            </a:r>
+            <a:endParaRPr lang="en-US" dirty="0"/>
           </a:p>
         </p:txBody>
       </p:sp>
@@ -4649,10 +4653,107 @@
         </p:nvSpPr>
         <p:spPr/>
         <p:txBody>
-          <a:bodyPr/>
-          <a:lstStyle/>
-          <a:p>
-            <a:endParaRPr lang="en-US"/>
+          <a:bodyPr>
+            <a:normAutofit fontScale="85000" lnSpcReduction="10000"/>
+          </a:bodyPr>
+          <a:lstStyle/>
+          <a:p>
+            <a:r>
+              <a:rPr lang="en-US" dirty="0" smtClean="0"/>
+              <a:t>Our flaws</a:t>
+            </a:r>
+          </a:p>
+          <a:p>
+            <a:pPr>
+              <a:buFontTx/>
+              <a:buChar char="-"/>
+            </a:pPr>
+            <a:r>
+              <a:rPr lang="en-US" dirty="0" smtClean="0"/>
+              <a:t>Lack of attractive agreement with other companies</a:t>
+            </a:r>
+          </a:p>
+          <a:p>
+            <a:pPr>
+              <a:buFontTx/>
+              <a:buChar char="-"/>
+            </a:pPr>
+            <a:r>
+              <a:rPr lang="en-US" dirty="0" smtClean="0"/>
+              <a:t>Team strategy to be reconsidered</a:t>
+            </a:r>
+          </a:p>
+          <a:p>
+            <a:pPr>
+              <a:buFontTx/>
+              <a:buChar char="-"/>
+            </a:pPr>
+            <a:r>
+              <a:rPr lang="en-US" dirty="0" smtClean="0"/>
+              <a:t>Decision making process </a:t>
+            </a:r>
+            <a:endParaRPr lang="en-US" dirty="0"/>
+          </a:p>
+          <a:p>
+            <a:r>
+              <a:rPr lang="en-US" dirty="0"/>
+              <a:t>What </a:t>
+            </a:r>
+            <a:r>
+              <a:rPr lang="en-US" dirty="0" smtClean="0"/>
+              <a:t>we succeeded</a:t>
+            </a:r>
+          </a:p>
+          <a:p>
+            <a:pPr>
+              <a:buFontTx/>
+              <a:buChar char="-"/>
+            </a:pPr>
+            <a:r>
+              <a:rPr lang="en-US" dirty="0" smtClean="0"/>
+              <a:t>Great involvement on every market</a:t>
+            </a:r>
+          </a:p>
+          <a:p>
+            <a:pPr>
+              <a:buFontTx/>
+              <a:buChar char="-"/>
+            </a:pPr>
+            <a:r>
+              <a:rPr lang="en-US" dirty="0" smtClean="0"/>
+              <a:t>Final mastering of financial tools: we now know, and will do great in the future ! </a:t>
+            </a:r>
+          </a:p>
+          <a:p>
+            <a:pPr>
+              <a:buFontTx/>
+              <a:buChar char="-"/>
+            </a:pPr>
+            <a:r>
+              <a:rPr lang="en-US" dirty="0" smtClean="0"/>
+              <a:t>Biggest achievement: ability to revamp the company. We’re back on tracks ! </a:t>
+            </a:r>
+          </a:p>
+          <a:p>
+            <a:pPr>
+              <a:buFontTx/>
+              <a:buChar char="-"/>
+            </a:pPr>
+            <a:endParaRPr lang="en-US" dirty="0"/>
+          </a:p>
+          <a:p>
+            <a:pPr>
+              <a:buFontTx/>
+              <a:buChar char="-"/>
+            </a:pPr>
+            <a:endParaRPr lang="en-US" dirty="0" smtClean="0"/>
+          </a:p>
+          <a:p>
+            <a:pPr>
+              <a:buFontTx/>
+              <a:buChar char="-"/>
+            </a:pPr>
+            <a:endParaRPr lang="en-US" dirty="0"/>
           </a:p>
         </p:txBody>
       </p:sp>

--- a/Documents/Final_Presentation.pptx
+++ b/Documents/Final_Presentation.pptx
@@ -5,7 +5,7 @@
     <p:sldMasterId id="2147483648" r:id="rId1"/>
   </p:sldMasterIdLst>
   <p:notesMasterIdLst>
-    <p:notesMasterId r:id="rId16"/>
+    <p:notesMasterId r:id="rId18"/>
   </p:notesMasterIdLst>
   <p:sldIdLst>
     <p:sldId id="256" r:id="rId2"/>
@@ -17,11 +17,13 @@
     <p:sldId id="262" r:id="rId8"/>
     <p:sldId id="263" r:id="rId9"/>
     <p:sldId id="264" r:id="rId10"/>
-    <p:sldId id="268" r:id="rId11"/>
-    <p:sldId id="269" r:id="rId12"/>
-    <p:sldId id="267" r:id="rId13"/>
-    <p:sldId id="265" r:id="rId14"/>
-    <p:sldId id="266" r:id="rId15"/>
+    <p:sldId id="271" r:id="rId11"/>
+    <p:sldId id="272" r:id="rId12"/>
+    <p:sldId id="268" r:id="rId13"/>
+    <p:sldId id="269" r:id="rId14"/>
+    <p:sldId id="267" r:id="rId15"/>
+    <p:sldId id="265" r:id="rId16"/>
+    <p:sldId id="266" r:id="rId17"/>
   </p:sldIdLst>
   <p:sldSz cx="9144000" cy="6858000" type="screen4x3"/>
   <p:notesSz cx="6858000" cy="9144000"/>
@@ -121,6 +123,504 @@
     </a:lvl9pPr>
   </p:defaultTextStyle>
 </p:presentation>
+</file>
+
+<file path=ppt/charts/chart1.xml><?xml version="1.0" encoding="utf-8"?>
+<c:chartSpace xmlns:c="http://schemas.openxmlformats.org/drawingml/2006/chart" xmlns:a="http://schemas.openxmlformats.org/drawingml/2006/main" xmlns:r="http://schemas.openxmlformats.org/officeDocument/2006/relationships">
+  <c:date1904 val="0"/>
+  <c:lang val="en-US"/>
+  <c:roundedCorners val="0"/>
+  <mc:AlternateContent xmlns:mc="http://schemas.openxmlformats.org/markup-compatibility/2006">
+    <mc:Choice xmlns:c14="http://schemas.microsoft.com/office/drawing/2007/8/2/chart" Requires="c14">
+      <c14:style val="102"/>
+    </mc:Choice>
+    <mc:Fallback>
+      <c:style val="2"/>
+    </mc:Fallback>
+  </mc:AlternateContent>
+  <c:chart>
+    <c:autoTitleDeleted val="0"/>
+    <c:plotArea>
+      <c:layout/>
+      <c:scatterChart>
+        <c:scatterStyle val="lineMarker"/>
+        <c:varyColors val="0"/>
+        <c:ser>
+          <c:idx val="0"/>
+          <c:order val="0"/>
+          <c:tx>
+            <c:strRef>
+              <c:f>Sheet1!$B$1</c:f>
+              <c:strCache>
+                <c:ptCount val="1"/>
+                <c:pt idx="0">
+                  <c:v>Quarter 9</c:v>
+                </c:pt>
+              </c:strCache>
+            </c:strRef>
+          </c:tx>
+          <c:spPr>
+            <a:ln w="28575">
+              <a:noFill/>
+            </a:ln>
+          </c:spPr>
+          <c:xVal>
+            <c:numRef>
+              <c:f>Sheet1!$A$2:$A$6</c:f>
+              <c:numCache>
+                <c:formatCode>General</c:formatCode>
+                <c:ptCount val="5"/>
+                <c:pt idx="0">
+                  <c:v>10240</c:v>
+                </c:pt>
+                <c:pt idx="1">
+                  <c:v>4720</c:v>
+                </c:pt>
+                <c:pt idx="2">
+                  <c:v>12770</c:v>
+                </c:pt>
+                <c:pt idx="3">
+                  <c:v>4420</c:v>
+                </c:pt>
+                <c:pt idx="4">
+                  <c:v>9020</c:v>
+                </c:pt>
+              </c:numCache>
+            </c:numRef>
+          </c:xVal>
+          <c:yVal>
+            <c:numRef>
+              <c:f>Sheet1!$B$2:$B$6</c:f>
+              <c:numCache>
+                <c:formatCode>General</c:formatCode>
+                <c:ptCount val="5"/>
+                <c:pt idx="0">
+                  <c:v>70</c:v>
+                </c:pt>
+                <c:pt idx="1">
+                  <c:v>96</c:v>
+                </c:pt>
+              </c:numCache>
+            </c:numRef>
+          </c:yVal>
+          <c:smooth val="0"/>
+        </c:ser>
+        <c:ser>
+          <c:idx val="1"/>
+          <c:order val="1"/>
+          <c:tx>
+            <c:strRef>
+              <c:f>Sheet1!$C$1</c:f>
+              <c:strCache>
+                <c:ptCount val="1"/>
+                <c:pt idx="0">
+                  <c:v>Quarter 10 </c:v>
+                </c:pt>
+              </c:strCache>
+            </c:strRef>
+          </c:tx>
+          <c:spPr>
+            <a:ln w="28575">
+              <a:noFill/>
+            </a:ln>
+          </c:spPr>
+          <c:xVal>
+            <c:numRef>
+              <c:f>Sheet1!$A$2:$A$6</c:f>
+              <c:numCache>
+                <c:formatCode>General</c:formatCode>
+                <c:ptCount val="5"/>
+                <c:pt idx="0">
+                  <c:v>10240</c:v>
+                </c:pt>
+                <c:pt idx="1">
+                  <c:v>4720</c:v>
+                </c:pt>
+                <c:pt idx="2">
+                  <c:v>12770</c:v>
+                </c:pt>
+                <c:pt idx="3">
+                  <c:v>4420</c:v>
+                </c:pt>
+                <c:pt idx="4">
+                  <c:v>9020</c:v>
+                </c:pt>
+              </c:numCache>
+            </c:numRef>
+          </c:xVal>
+          <c:yVal>
+            <c:numRef>
+              <c:f>Sheet1!$C$2:$C$6</c:f>
+              <c:numCache>
+                <c:formatCode>General</c:formatCode>
+                <c:ptCount val="5"/>
+                <c:pt idx="2">
+                  <c:v>50</c:v>
+                </c:pt>
+                <c:pt idx="3">
+                  <c:v>94</c:v>
+                </c:pt>
+                <c:pt idx="4">
+                  <c:v>63</c:v>
+                </c:pt>
+              </c:numCache>
+            </c:numRef>
+          </c:yVal>
+          <c:smooth val="0"/>
+        </c:ser>
+        <c:dLbls>
+          <c:showLegendKey val="0"/>
+          <c:showVal val="0"/>
+          <c:showCatName val="0"/>
+          <c:showSerName val="0"/>
+          <c:showPercent val="0"/>
+          <c:showBubbleSize val="0"/>
+        </c:dLbls>
+        <c:axId val="41732736"/>
+        <c:axId val="41730432"/>
+      </c:scatterChart>
+      <c:valAx>
+        <c:axId val="41732736"/>
+        <c:scaling>
+          <c:orientation val="minMax"/>
+        </c:scaling>
+        <c:delete val="0"/>
+        <c:axPos val="b"/>
+        <c:title>
+          <c:tx>
+            <c:rich>
+              <a:bodyPr/>
+              <a:lstStyle/>
+              <a:p>
+                <a:pPr>
+                  <a:defRPr/>
+                </a:pPr>
+                <a:r>
+                  <a:rPr lang="en-US"/>
+                  <a:t>Quantities</a:t>
+                </a:r>
+              </a:p>
+            </c:rich>
+          </c:tx>
+          <c:layout/>
+          <c:overlay val="0"/>
+        </c:title>
+        <c:numFmt formatCode="General" sourceLinked="1"/>
+        <c:majorTickMark val="none"/>
+        <c:minorTickMark val="none"/>
+        <c:tickLblPos val="nextTo"/>
+        <c:crossAx val="41730432"/>
+        <c:crosses val="autoZero"/>
+        <c:crossBetween val="midCat"/>
+      </c:valAx>
+      <c:valAx>
+        <c:axId val="41730432"/>
+        <c:scaling>
+          <c:orientation val="minMax"/>
+        </c:scaling>
+        <c:delete val="0"/>
+        <c:axPos val="l"/>
+        <c:majorGridlines/>
+        <c:title>
+          <c:tx>
+            <c:rich>
+              <a:bodyPr/>
+              <a:lstStyle/>
+              <a:p>
+                <a:pPr>
+                  <a:defRPr/>
+                </a:pPr>
+                <a:r>
+                  <a:rPr lang="en-US"/>
+                  <a:t>Prices</a:t>
+                </a:r>
+              </a:p>
+            </c:rich>
+          </c:tx>
+          <c:layout/>
+          <c:overlay val="0"/>
+        </c:title>
+        <c:numFmt formatCode="General" sourceLinked="1"/>
+        <c:majorTickMark val="none"/>
+        <c:minorTickMark val="none"/>
+        <c:tickLblPos val="nextTo"/>
+        <c:crossAx val="41732736"/>
+        <c:crosses val="autoZero"/>
+        <c:crossBetween val="midCat"/>
+      </c:valAx>
+    </c:plotArea>
+    <c:legend>
+      <c:legendPos val="r"/>
+      <c:layout/>
+      <c:overlay val="0"/>
+    </c:legend>
+    <c:plotVisOnly val="1"/>
+    <c:dispBlanksAs val="gap"/>
+    <c:showDLblsOverMax val="0"/>
+  </c:chart>
+  <c:txPr>
+    <a:bodyPr/>
+    <a:lstStyle/>
+    <a:p>
+      <a:pPr>
+        <a:defRPr sz="1800"/>
+      </a:pPr>
+      <a:endParaRPr lang="en-US"/>
+    </a:p>
+  </c:txPr>
+  <c:externalData r:id="rId1">
+    <c:autoUpdate val="0"/>
+  </c:externalData>
+</c:chartSpace>
+</file>
+
+<file path=ppt/charts/chart2.xml><?xml version="1.0" encoding="utf-8"?>
+<c:chartSpace xmlns:c="http://schemas.openxmlformats.org/drawingml/2006/chart" xmlns:a="http://schemas.openxmlformats.org/drawingml/2006/main" xmlns:r="http://schemas.openxmlformats.org/officeDocument/2006/relationships">
+  <c:date1904 val="0"/>
+  <c:lang val="en-US"/>
+  <c:roundedCorners val="0"/>
+  <mc:AlternateContent xmlns:mc="http://schemas.openxmlformats.org/markup-compatibility/2006">
+    <mc:Choice xmlns:c14="http://schemas.microsoft.com/office/drawing/2007/8/2/chart" Requires="c14">
+      <c14:style val="102"/>
+    </mc:Choice>
+    <mc:Fallback>
+      <c:style val="2"/>
+    </mc:Fallback>
+  </mc:AlternateContent>
+  <c:chart>
+    <c:autoTitleDeleted val="0"/>
+    <c:plotArea>
+      <c:layout/>
+      <c:scatterChart>
+        <c:scatterStyle val="lineMarker"/>
+        <c:varyColors val="0"/>
+        <c:ser>
+          <c:idx val="0"/>
+          <c:order val="0"/>
+          <c:tx>
+            <c:strRef>
+              <c:f>Sheet1!$B$1</c:f>
+              <c:strCache>
+                <c:ptCount val="1"/>
+                <c:pt idx="0">
+                  <c:v>Quarter 9</c:v>
+                </c:pt>
+              </c:strCache>
+            </c:strRef>
+          </c:tx>
+          <c:spPr>
+            <a:ln w="28575">
+              <a:noFill/>
+            </a:ln>
+          </c:spPr>
+          <c:xVal>
+            <c:numRef>
+              <c:f>Sheet1!$A$2:$A$6</c:f>
+              <c:numCache>
+                <c:formatCode>General</c:formatCode>
+                <c:ptCount val="5"/>
+                <c:pt idx="0">
+                  <c:v>10240</c:v>
+                </c:pt>
+                <c:pt idx="1">
+                  <c:v>4720</c:v>
+                </c:pt>
+                <c:pt idx="2">
+                  <c:v>12770</c:v>
+                </c:pt>
+                <c:pt idx="3">
+                  <c:v>4420</c:v>
+                </c:pt>
+                <c:pt idx="4">
+                  <c:v>9020</c:v>
+                </c:pt>
+              </c:numCache>
+            </c:numRef>
+          </c:xVal>
+          <c:yVal>
+            <c:numRef>
+              <c:f>Sheet1!$B$2:$B$6</c:f>
+              <c:numCache>
+                <c:formatCode>General</c:formatCode>
+                <c:ptCount val="5"/>
+                <c:pt idx="0">
+                  <c:v>70</c:v>
+                </c:pt>
+                <c:pt idx="1">
+                  <c:v>96</c:v>
+                </c:pt>
+              </c:numCache>
+            </c:numRef>
+          </c:yVal>
+          <c:smooth val="0"/>
+        </c:ser>
+        <c:ser>
+          <c:idx val="1"/>
+          <c:order val="1"/>
+          <c:tx>
+            <c:strRef>
+              <c:f>Sheet1!$C$1</c:f>
+              <c:strCache>
+                <c:ptCount val="1"/>
+                <c:pt idx="0">
+                  <c:v>Quarter 10 </c:v>
+                </c:pt>
+              </c:strCache>
+            </c:strRef>
+          </c:tx>
+          <c:spPr>
+            <a:ln w="28575">
+              <a:noFill/>
+            </a:ln>
+          </c:spPr>
+          <c:xVal>
+            <c:numRef>
+              <c:f>Sheet1!$A$2:$A$6</c:f>
+              <c:numCache>
+                <c:formatCode>General</c:formatCode>
+                <c:ptCount val="5"/>
+                <c:pt idx="0">
+                  <c:v>10240</c:v>
+                </c:pt>
+                <c:pt idx="1">
+                  <c:v>4720</c:v>
+                </c:pt>
+                <c:pt idx="2">
+                  <c:v>12770</c:v>
+                </c:pt>
+                <c:pt idx="3">
+                  <c:v>4420</c:v>
+                </c:pt>
+                <c:pt idx="4">
+                  <c:v>9020</c:v>
+                </c:pt>
+              </c:numCache>
+            </c:numRef>
+          </c:xVal>
+          <c:yVal>
+            <c:numRef>
+              <c:f>Sheet1!$C$2:$C$6</c:f>
+              <c:numCache>
+                <c:formatCode>General</c:formatCode>
+                <c:ptCount val="5"/>
+                <c:pt idx="2">
+                  <c:v>50</c:v>
+                </c:pt>
+                <c:pt idx="3">
+                  <c:v>94</c:v>
+                </c:pt>
+                <c:pt idx="4">
+                  <c:v>63</c:v>
+                </c:pt>
+              </c:numCache>
+            </c:numRef>
+          </c:yVal>
+          <c:smooth val="0"/>
+        </c:ser>
+        <c:dLbls>
+          <c:showLegendKey val="0"/>
+          <c:showVal val="0"/>
+          <c:showCatName val="0"/>
+          <c:showSerName val="0"/>
+          <c:showPercent val="0"/>
+          <c:showBubbleSize val="0"/>
+        </c:dLbls>
+        <c:axId val="38311424"/>
+        <c:axId val="39743872"/>
+      </c:scatterChart>
+      <c:valAx>
+        <c:axId val="38311424"/>
+        <c:scaling>
+          <c:orientation val="minMax"/>
+        </c:scaling>
+        <c:delete val="0"/>
+        <c:axPos val="b"/>
+        <c:title>
+          <c:tx>
+            <c:rich>
+              <a:bodyPr/>
+              <a:lstStyle/>
+              <a:p>
+                <a:pPr>
+                  <a:defRPr/>
+                </a:pPr>
+                <a:r>
+                  <a:rPr lang="en-US"/>
+                  <a:t>Quantities</a:t>
+                </a:r>
+              </a:p>
+            </c:rich>
+          </c:tx>
+          <c:layout/>
+          <c:overlay val="0"/>
+        </c:title>
+        <c:numFmt formatCode="General" sourceLinked="1"/>
+        <c:majorTickMark val="none"/>
+        <c:minorTickMark val="none"/>
+        <c:tickLblPos val="nextTo"/>
+        <c:crossAx val="39743872"/>
+        <c:crosses val="autoZero"/>
+        <c:crossBetween val="midCat"/>
+      </c:valAx>
+      <c:valAx>
+        <c:axId val="39743872"/>
+        <c:scaling>
+          <c:orientation val="minMax"/>
+        </c:scaling>
+        <c:delete val="0"/>
+        <c:axPos val="l"/>
+        <c:majorGridlines/>
+        <c:title>
+          <c:tx>
+            <c:rich>
+              <a:bodyPr/>
+              <a:lstStyle/>
+              <a:p>
+                <a:pPr>
+                  <a:defRPr/>
+                </a:pPr>
+                <a:r>
+                  <a:rPr lang="en-US"/>
+                  <a:t>Prices</a:t>
+                </a:r>
+              </a:p>
+            </c:rich>
+          </c:tx>
+          <c:layout/>
+          <c:overlay val="0"/>
+        </c:title>
+        <c:numFmt formatCode="General" sourceLinked="1"/>
+        <c:majorTickMark val="none"/>
+        <c:minorTickMark val="none"/>
+        <c:tickLblPos val="nextTo"/>
+        <c:crossAx val="38311424"/>
+        <c:crosses val="autoZero"/>
+        <c:crossBetween val="midCat"/>
+      </c:valAx>
+    </c:plotArea>
+    <c:legend>
+      <c:legendPos val="r"/>
+      <c:layout/>
+      <c:overlay val="0"/>
+    </c:legend>
+    <c:plotVisOnly val="1"/>
+    <c:dispBlanksAs val="gap"/>
+    <c:showDLblsOverMax val="0"/>
+  </c:chart>
+  <c:txPr>
+    <a:bodyPr/>
+    <a:lstStyle/>
+    <a:p>
+      <a:pPr>
+        <a:defRPr sz="1800"/>
+      </a:pPr>
+      <a:endParaRPr lang="en-US"/>
+    </a:p>
+  </c:txPr>
+  <c:externalData r:id="rId1">
+    <c:autoUpdate val="0"/>
+  </c:externalData>
+</c:chartSpace>
 </file>
 
 <file path=ppt/notesMasters/notesMaster1.xml><?xml version="1.0" encoding="utf-8"?>
@@ -574,6 +1074,113 @@
     <p:extLst>
       <p:ext uri="{BB962C8B-B14F-4D97-AF65-F5344CB8AC3E}">
         <p14:creationId xmlns:p14="http://schemas.microsoft.com/office/powerpoint/2010/main" val="2618317129"/>
+      </p:ext>
+    </p:extLst>
+  </p:cSld>
+  <p:clrMapOvr>
+    <a:masterClrMapping/>
+  </p:clrMapOvr>
+</p:notes>
+</file>
+
+<file path=ppt/notesSlides/notesSlide2.xml><?xml version="1.0" encoding="utf-8"?>
+<p:notes xmlns:a="http://schemas.openxmlformats.org/drawingml/2006/main" xmlns:r="http://schemas.openxmlformats.org/officeDocument/2006/relationships" xmlns:p="http://schemas.openxmlformats.org/presentationml/2006/main">
+  <p:cSld>
+    <p:spTree>
+      <p:nvGrpSpPr>
+        <p:cNvPr id="1" name=""/>
+        <p:cNvGrpSpPr/>
+        <p:nvPr/>
+      </p:nvGrpSpPr>
+      <p:grpSpPr>
+        <a:xfrm>
+          <a:off x="0" y="0"/>
+          <a:ext cx="0" cy="0"/>
+          <a:chOff x="0" y="0"/>
+          <a:chExt cx="0" cy="0"/>
+        </a:xfrm>
+      </p:grpSpPr>
+      <p:sp>
+        <p:nvSpPr>
+          <p:cNvPr id="2" name="Slide Image Placeholder 1"/>
+          <p:cNvSpPr>
+            <a:spLocks noGrp="1" noRot="1" noChangeAspect="1"/>
+          </p:cNvSpPr>
+          <p:nvPr>
+            <p:ph type="sldImg"/>
+          </p:nvPr>
+        </p:nvSpPr>
+        <p:spPr/>
+      </p:sp>
+      <p:sp>
+        <p:nvSpPr>
+          <p:cNvPr id="3" name="Notes Placeholder 2"/>
+          <p:cNvSpPr>
+            <a:spLocks noGrp="1"/>
+          </p:cNvSpPr>
+          <p:nvPr>
+            <p:ph type="body" idx="1"/>
+          </p:nvPr>
+        </p:nvSpPr>
+        <p:spPr/>
+        <p:txBody>
+          <a:bodyPr/>
+          <a:lstStyle/>
+          <a:p>
+            <a:pPr marL="0" marR="0" indent="0" algn="l" defTabSz="457200" rtl="0" eaLnBrk="1" fontAlgn="auto" latinLnBrk="0" hangingPunct="1">
+              <a:lnSpc>
+                <a:spcPct val="100000"/>
+              </a:lnSpc>
+              <a:spcBef>
+                <a:spcPts val="0"/>
+              </a:spcBef>
+              <a:spcAft>
+                <a:spcPts val="0"/>
+              </a:spcAft>
+              <a:buClrTx/>
+              <a:buSzTx/>
+              <a:buFontTx/>
+              <a:buNone/>
+              <a:tabLst/>
+              <a:defRPr/>
+            </a:pPr>
+            <a:r>
+              <a:rPr lang="en-US" dirty="0" smtClean="0"/>
+              <a:t>chips in inventory, ready to sell + more to come (purchase and ship by air) </a:t>
+            </a:r>
+          </a:p>
+          <a:p>
+            <a:endParaRPr lang="en-GB" dirty="0"/>
+          </a:p>
+        </p:txBody>
+      </p:sp>
+      <p:sp>
+        <p:nvSpPr>
+          <p:cNvPr id="4" name="Slide Number Placeholder 3"/>
+          <p:cNvSpPr>
+            <a:spLocks noGrp="1"/>
+          </p:cNvSpPr>
+          <p:nvPr>
+            <p:ph type="sldNum" sz="quarter" idx="10"/>
+          </p:nvPr>
+        </p:nvSpPr>
+        <p:spPr/>
+        <p:txBody>
+          <a:bodyPr/>
+          <a:lstStyle/>
+          <a:p>
+            <a:fld id="{BEBA3332-C643-294F-9815-F3945DDB4593}" type="slidenum">
+              <a:rPr lang="en-US" smtClean="0"/>
+              <a:t>9</a:t>
+            </a:fld>
+            <a:endParaRPr lang="en-US"/>
+          </a:p>
+        </p:txBody>
+      </p:sp>
+    </p:spTree>
+    <p:extLst>
+      <p:ext uri="{BB962C8B-B14F-4D97-AF65-F5344CB8AC3E}">
+        <p14:creationId xmlns:p14="http://schemas.microsoft.com/office/powerpoint/2010/main" val="2275348840"/>
       </p:ext>
     </p:extLst>
   </p:cSld>
@@ -3653,16 +4260,23 @@
             <p:ph type="title"/>
           </p:nvPr>
         </p:nvSpPr>
-        <p:spPr/>
-        <p:txBody>
-          <a:bodyPr/>
-          <a:lstStyle/>
-          <a:p>
-            <a:r>
-              <a:rPr lang="en-US" dirty="0" smtClean="0"/>
-              <a:t>Where is our company going to do</a:t>
-            </a:r>
-            <a:endParaRPr lang="en-US" dirty="0"/>
+        <p:spPr>
+          <a:xfrm>
+            <a:off x="457200" y="274638"/>
+            <a:ext cx="8229600" cy="654752"/>
+          </a:xfrm>
+        </p:spPr>
+        <p:txBody>
+          <a:bodyPr>
+            <a:normAutofit fontScale="90000"/>
+          </a:bodyPr>
+          <a:lstStyle/>
+          <a:p>
+            <a:r>
+              <a:rPr lang="en-GB" dirty="0" smtClean="0"/>
+              <a:t>Chips trends and forecasts</a:t>
+            </a:r>
+            <a:endParaRPr lang="en-GB" dirty="0"/>
           </a:p>
         </p:txBody>
       </p:sp>
@@ -3676,19 +4290,495 @@
             <p:ph idx="1"/>
           </p:nvPr>
         </p:nvSpPr>
-        <p:spPr/>
-        <p:txBody>
-          <a:bodyPr/>
-          <a:lstStyle/>
-          <a:p>
-            <a:endParaRPr lang="en-US"/>
-          </a:p>
-        </p:txBody>
-      </p:sp>
+        <p:spPr>
+          <a:xfrm>
+            <a:off x="457200" y="1034322"/>
+            <a:ext cx="8229600" cy="5091842"/>
+          </a:xfrm>
+        </p:spPr>
+        <p:txBody>
+          <a:bodyPr/>
+          <a:lstStyle/>
+          <a:p>
+            <a:r>
+              <a:rPr lang="en-GB" dirty="0" smtClean="0"/>
+              <a:t>X1 is selling but lighting loosing strength</a:t>
+            </a:r>
+          </a:p>
+          <a:p>
+            <a:pPr marL="0" indent="0">
+              <a:buNone/>
+            </a:pPr>
+            <a:r>
+              <a:rPr lang="en-GB" dirty="0" smtClean="0"/>
+              <a:t>Ex: in the US</a:t>
+            </a:r>
+          </a:p>
+          <a:p>
+            <a:endParaRPr lang="en-GB" dirty="0" smtClean="0"/>
+          </a:p>
+          <a:p>
+            <a:r>
+              <a:rPr lang="en-GB" dirty="0" smtClean="0"/>
+              <a:t>X3 are keeping up high</a:t>
+            </a:r>
+            <a:endParaRPr lang="en-GB" dirty="0"/>
+          </a:p>
+        </p:txBody>
+      </p:sp>
+      <p:graphicFrame>
+        <p:nvGraphicFramePr>
+          <p:cNvPr id="6" name="Table 5"/>
+          <p:cNvGraphicFramePr>
+            <a:graphicFrameLocks noGrp="1"/>
+          </p:cNvGraphicFramePr>
+          <p:nvPr>
+            <p:extLst>
+              <p:ext uri="{D42A27DB-BD31-4B8C-83A1-F6EECF244321}">
+                <p14:modId xmlns:p14="http://schemas.microsoft.com/office/powerpoint/2010/main" val="3293838040"/>
+              </p:ext>
+            </p:extLst>
+          </p:nvPr>
+        </p:nvGraphicFramePr>
+        <p:xfrm>
+          <a:off x="2925515" y="1715847"/>
+          <a:ext cx="2893102" cy="1112520"/>
+        </p:xfrm>
+        <a:graphic>
+          <a:graphicData uri="http://schemas.openxmlformats.org/drawingml/2006/table">
+            <a:tbl>
+              <a:tblPr firstRow="1" bandRow="1">
+                <a:tableStyleId>{5C22544A-7EE6-4342-B048-85BDC9FD1C3A}</a:tableStyleId>
+              </a:tblPr>
+              <a:tblGrid>
+                <a:gridCol w="949677"/>
+                <a:gridCol w="1134600"/>
+                <a:gridCol w="808825"/>
+              </a:tblGrid>
+              <a:tr h="370840">
+                <a:tc>
+                  <a:txBody>
+                    <a:bodyPr/>
+                    <a:lstStyle/>
+                    <a:p>
+                      <a:r>
+                        <a:rPr lang="en-GB" dirty="0" smtClean="0"/>
+                        <a:t>Quarter</a:t>
+                      </a:r>
+                    </a:p>
+                  </a:txBody>
+                  <a:tcPr/>
+                </a:tc>
+                <a:tc>
+                  <a:txBody>
+                    <a:bodyPr/>
+                    <a:lstStyle/>
+                    <a:p>
+                      <a:r>
+                        <a:rPr lang="en-GB" dirty="0" smtClean="0"/>
+                        <a:t>Quantity</a:t>
+                      </a:r>
+                      <a:endParaRPr lang="en-GB" dirty="0"/>
+                    </a:p>
+                  </a:txBody>
+                  <a:tcPr/>
+                </a:tc>
+                <a:tc>
+                  <a:txBody>
+                    <a:bodyPr/>
+                    <a:lstStyle/>
+                    <a:p>
+                      <a:r>
+                        <a:rPr lang="en-GB" dirty="0" smtClean="0"/>
+                        <a:t>Price</a:t>
+                      </a:r>
+                      <a:endParaRPr lang="en-GB" dirty="0"/>
+                    </a:p>
+                  </a:txBody>
+                  <a:tcPr/>
+                </a:tc>
+              </a:tr>
+              <a:tr h="370840">
+                <a:tc>
+                  <a:txBody>
+                    <a:bodyPr/>
+                    <a:lstStyle/>
+                    <a:p>
+                      <a:r>
+                        <a:rPr lang="en-GB" dirty="0" smtClean="0"/>
+                        <a:t>9</a:t>
+                      </a:r>
+                    </a:p>
+                  </a:txBody>
+                  <a:tcPr/>
+                </a:tc>
+                <a:tc>
+                  <a:txBody>
+                    <a:bodyPr/>
+                    <a:lstStyle/>
+                    <a:p>
+                      <a:r>
+                        <a:rPr lang="en-GB" dirty="0" smtClean="0"/>
+                        <a:t>15450</a:t>
+                      </a:r>
+                      <a:endParaRPr lang="en-GB" dirty="0"/>
+                    </a:p>
+                  </a:txBody>
+                  <a:tcPr/>
+                </a:tc>
+                <a:tc>
+                  <a:txBody>
+                    <a:bodyPr/>
+                    <a:lstStyle/>
+                    <a:p>
+                      <a:r>
+                        <a:rPr lang="en-GB" dirty="0" smtClean="0"/>
+                        <a:t>85</a:t>
+                      </a:r>
+                      <a:endParaRPr lang="en-GB" dirty="0"/>
+                    </a:p>
+                  </a:txBody>
+                  <a:tcPr/>
+                </a:tc>
+              </a:tr>
+              <a:tr h="370840">
+                <a:tc>
+                  <a:txBody>
+                    <a:bodyPr/>
+                    <a:lstStyle/>
+                    <a:p>
+                      <a:r>
+                        <a:rPr lang="en-GB" dirty="0" smtClean="0"/>
+                        <a:t>10</a:t>
+                      </a:r>
+                      <a:endParaRPr lang="en-GB" dirty="0"/>
+                    </a:p>
+                  </a:txBody>
+                  <a:tcPr/>
+                </a:tc>
+                <a:tc>
+                  <a:txBody>
+                    <a:bodyPr/>
+                    <a:lstStyle/>
+                    <a:p>
+                      <a:r>
+                        <a:rPr lang="en-GB" dirty="0" smtClean="0"/>
+                        <a:t>10300</a:t>
+                      </a:r>
+                      <a:endParaRPr lang="en-GB" dirty="0"/>
+                    </a:p>
+                  </a:txBody>
+                  <a:tcPr/>
+                </a:tc>
+                <a:tc>
+                  <a:txBody>
+                    <a:bodyPr/>
+                    <a:lstStyle/>
+                    <a:p>
+                      <a:r>
+                        <a:rPr lang="en-GB" dirty="0" smtClean="0"/>
+                        <a:t>85</a:t>
+                      </a:r>
+                      <a:endParaRPr lang="en-GB" dirty="0"/>
+                    </a:p>
+                  </a:txBody>
+                  <a:tcPr/>
+                </a:tc>
+              </a:tr>
+            </a:tbl>
+          </a:graphicData>
+        </a:graphic>
+      </p:graphicFrame>
+      <p:graphicFrame>
+        <p:nvGraphicFramePr>
+          <p:cNvPr id="9" name="Chart 8"/>
+          <p:cNvGraphicFramePr/>
+          <p:nvPr>
+            <p:extLst>
+              <p:ext uri="{D42A27DB-BD31-4B8C-83A1-F6EECF244321}">
+                <p14:modId xmlns:p14="http://schemas.microsoft.com/office/powerpoint/2010/main" val="752514566"/>
+              </p:ext>
+            </p:extLst>
+          </p:nvPr>
+        </p:nvGraphicFramePr>
+        <p:xfrm>
+          <a:off x="187377" y="3300751"/>
+          <a:ext cx="6696000" cy="3276000"/>
+        </p:xfrm>
+        <a:graphic>
+          <a:graphicData uri="http://schemas.openxmlformats.org/drawingml/2006/chart">
+            <c:chart xmlns:c="http://schemas.openxmlformats.org/drawingml/2006/chart" xmlns:r="http://schemas.openxmlformats.org/officeDocument/2006/relationships" r:id="rId2"/>
+          </a:graphicData>
+        </a:graphic>
+      </p:graphicFrame>
+      <p:graphicFrame>
+        <p:nvGraphicFramePr>
+          <p:cNvPr id="10" name="Table 9"/>
+          <p:cNvGraphicFramePr>
+            <a:graphicFrameLocks noGrp="1"/>
+          </p:cNvGraphicFramePr>
+          <p:nvPr>
+            <p:extLst>
+              <p:ext uri="{D42A27DB-BD31-4B8C-83A1-F6EECF244321}">
+                <p14:modId xmlns:p14="http://schemas.microsoft.com/office/powerpoint/2010/main" val="3838293925"/>
+              </p:ext>
+            </p:extLst>
+          </p:nvPr>
+        </p:nvGraphicFramePr>
+        <p:xfrm>
+          <a:off x="6883377" y="3901124"/>
+          <a:ext cx="2149412" cy="2225040"/>
+        </p:xfrm>
+        <a:graphic>
+          <a:graphicData uri="http://schemas.openxmlformats.org/drawingml/2006/table">
+            <a:tbl>
+              <a:tblPr firstRow="1" bandRow="1">
+                <a:tableStyleId>{5C22544A-7EE6-4342-B048-85BDC9FD1C3A}</a:tableStyleId>
+              </a:tblPr>
+              <a:tblGrid>
+                <a:gridCol w="960132"/>
+                <a:gridCol w="1189280"/>
+              </a:tblGrid>
+              <a:tr h="370840">
+                <a:tc>
+                  <a:txBody>
+                    <a:bodyPr/>
+                    <a:lstStyle/>
+                    <a:p>
+                      <a:r>
+                        <a:rPr lang="en-GB" dirty="0" smtClean="0"/>
+                        <a:t>Prices</a:t>
+                      </a:r>
+                      <a:endParaRPr lang="en-GB" dirty="0"/>
+                    </a:p>
+                  </a:txBody>
+                  <a:tcPr/>
+                </a:tc>
+                <a:tc>
+                  <a:txBody>
+                    <a:bodyPr/>
+                    <a:lstStyle/>
+                    <a:p>
+                      <a:r>
+                        <a:rPr lang="en-GB" dirty="0" smtClean="0"/>
+                        <a:t>Quantities </a:t>
+                      </a:r>
+                      <a:endParaRPr lang="en-GB" dirty="0"/>
+                    </a:p>
+                  </a:txBody>
+                  <a:tcPr/>
+                </a:tc>
+              </a:tr>
+              <a:tr h="370840">
+                <a:tc>
+                  <a:txBody>
+                    <a:bodyPr/>
+                    <a:lstStyle/>
+                    <a:p>
+                      <a:r>
+                        <a:rPr lang="en-GB" dirty="0" smtClean="0"/>
+                        <a:t>10240</a:t>
+                      </a:r>
+                      <a:endParaRPr lang="en-GB" dirty="0"/>
+                    </a:p>
+                  </a:txBody>
+                  <a:tcPr>
+                    <a:solidFill>
+                      <a:schemeClr val="accent1">
+                        <a:lumMod val="60000"/>
+                        <a:lumOff val="40000"/>
+                      </a:schemeClr>
+                    </a:solidFill>
+                  </a:tcPr>
+                </a:tc>
+                <a:tc>
+                  <a:txBody>
+                    <a:bodyPr/>
+                    <a:lstStyle/>
+                    <a:p>
+                      <a:r>
+                        <a:rPr lang="en-GB" dirty="0" smtClean="0"/>
+                        <a:t>70</a:t>
+                      </a:r>
+                      <a:endParaRPr lang="en-GB" dirty="0"/>
+                    </a:p>
+                  </a:txBody>
+                  <a:tcPr>
+                    <a:solidFill>
+                      <a:schemeClr val="accent1">
+                        <a:lumMod val="60000"/>
+                        <a:lumOff val="40000"/>
+                      </a:schemeClr>
+                    </a:solidFill>
+                  </a:tcPr>
+                </a:tc>
+              </a:tr>
+              <a:tr h="370840">
+                <a:tc>
+                  <a:txBody>
+                    <a:bodyPr/>
+                    <a:lstStyle/>
+                    <a:p>
+                      <a:r>
+                        <a:rPr lang="en-GB" dirty="0" smtClean="0"/>
+                        <a:t>4720</a:t>
+                      </a:r>
+                      <a:endParaRPr lang="en-GB" dirty="0"/>
+                    </a:p>
+                  </a:txBody>
+                  <a:tcPr>
+                    <a:solidFill>
+                      <a:schemeClr val="accent1">
+                        <a:lumMod val="60000"/>
+                        <a:lumOff val="40000"/>
+                      </a:schemeClr>
+                    </a:solidFill>
+                  </a:tcPr>
+                </a:tc>
+                <a:tc>
+                  <a:txBody>
+                    <a:bodyPr/>
+                    <a:lstStyle/>
+                    <a:p>
+                      <a:r>
+                        <a:rPr lang="en-GB" dirty="0" smtClean="0"/>
+                        <a:t>96</a:t>
+                      </a:r>
+                      <a:endParaRPr lang="en-GB" dirty="0"/>
+                    </a:p>
+                  </a:txBody>
+                  <a:tcPr>
+                    <a:solidFill>
+                      <a:schemeClr val="accent1">
+                        <a:lumMod val="60000"/>
+                        <a:lumOff val="40000"/>
+                      </a:schemeClr>
+                    </a:solidFill>
+                  </a:tcPr>
+                </a:tc>
+              </a:tr>
+              <a:tr h="370840">
+                <a:tc>
+                  <a:txBody>
+                    <a:bodyPr/>
+                    <a:lstStyle/>
+                    <a:p>
+                      <a:r>
+                        <a:rPr lang="en-GB" dirty="0" smtClean="0"/>
+                        <a:t>12770</a:t>
+                      </a:r>
+                      <a:endParaRPr lang="en-GB" dirty="0"/>
+                    </a:p>
+                  </a:txBody>
+                  <a:tcPr>
+                    <a:solidFill>
+                      <a:schemeClr val="accent2"/>
+                    </a:solidFill>
+                  </a:tcPr>
+                </a:tc>
+                <a:tc>
+                  <a:txBody>
+                    <a:bodyPr/>
+                    <a:lstStyle/>
+                    <a:p>
+                      <a:r>
+                        <a:rPr lang="en-GB" dirty="0" smtClean="0"/>
+                        <a:t>50</a:t>
+                      </a:r>
+                      <a:endParaRPr lang="en-GB" dirty="0"/>
+                    </a:p>
+                  </a:txBody>
+                  <a:tcPr>
+                    <a:solidFill>
+                      <a:schemeClr val="accent2"/>
+                    </a:solidFill>
+                  </a:tcPr>
+                </a:tc>
+              </a:tr>
+              <a:tr h="370840">
+                <a:tc>
+                  <a:txBody>
+                    <a:bodyPr/>
+                    <a:lstStyle/>
+                    <a:p>
+                      <a:r>
+                        <a:rPr lang="en-GB" dirty="0" smtClean="0"/>
+                        <a:t>4420</a:t>
+                      </a:r>
+                      <a:endParaRPr lang="en-GB" dirty="0"/>
+                    </a:p>
+                  </a:txBody>
+                  <a:tcPr>
+                    <a:solidFill>
+                      <a:schemeClr val="accent2"/>
+                    </a:solidFill>
+                  </a:tcPr>
+                </a:tc>
+                <a:tc>
+                  <a:txBody>
+                    <a:bodyPr/>
+                    <a:lstStyle/>
+                    <a:p>
+                      <a:r>
+                        <a:rPr lang="en-GB" dirty="0" smtClean="0"/>
+                        <a:t>94</a:t>
+                      </a:r>
+                      <a:endParaRPr lang="en-GB" dirty="0"/>
+                    </a:p>
+                  </a:txBody>
+                  <a:tcPr>
+                    <a:solidFill>
+                      <a:schemeClr val="accent2"/>
+                    </a:solidFill>
+                  </a:tcPr>
+                </a:tc>
+              </a:tr>
+              <a:tr h="370840">
+                <a:tc>
+                  <a:txBody>
+                    <a:bodyPr/>
+                    <a:lstStyle/>
+                    <a:p>
+                      <a:r>
+                        <a:rPr lang="en-GB" dirty="0" smtClean="0"/>
+                        <a:t>9020</a:t>
+                      </a:r>
+                      <a:endParaRPr lang="en-GB" dirty="0"/>
+                    </a:p>
+                  </a:txBody>
+                  <a:tcPr>
+                    <a:solidFill>
+                      <a:schemeClr val="accent2"/>
+                    </a:solidFill>
+                  </a:tcPr>
+                </a:tc>
+                <a:tc>
+                  <a:txBody>
+                    <a:bodyPr/>
+                    <a:lstStyle/>
+                    <a:p>
+                      <a:r>
+                        <a:rPr lang="en-GB" dirty="0" smtClean="0"/>
+                        <a:t>63</a:t>
+                      </a:r>
+                      <a:endParaRPr lang="en-GB" dirty="0"/>
+                    </a:p>
+                  </a:txBody>
+                  <a:tcPr>
+                    <a:solidFill>
+                      <a:schemeClr val="accent2"/>
+                    </a:solidFill>
+                  </a:tcPr>
+                </a:tc>
+              </a:tr>
+            </a:tbl>
+          </a:graphicData>
+        </a:graphic>
+      </p:graphicFrame>
     </p:spTree>
     <p:extLst>
       <p:ext uri="{BB962C8B-B14F-4D97-AF65-F5344CB8AC3E}">
-        <p14:creationId xmlns:p14="http://schemas.microsoft.com/office/powerpoint/2010/main" val="3813620355"/>
+        <p14:creationId xmlns:p14="http://schemas.microsoft.com/office/powerpoint/2010/main" val="3273555677"/>
       </p:ext>
     </p:extLst>
   </p:cSld>
@@ -3731,51 +4821,358 @@
           <a:lstStyle/>
           <a:p>
             <a:r>
-              <a:rPr lang="en-US" dirty="0"/>
-              <a:t>Where is our company going to do</a:t>
-            </a:r>
-          </a:p>
-        </p:txBody>
-      </p:sp>
-      <p:sp>
-        <p:nvSpPr>
-          <p:cNvPr id="3" name="Content Placeholder 2"/>
-          <p:cNvSpPr>
-            <a:spLocks noGrp="1"/>
-          </p:cNvSpPr>
+              <a:rPr lang="en-GB" dirty="0" smtClean="0"/>
+              <a:t>Chips market in the US</a:t>
+            </a:r>
+            <a:endParaRPr lang="en-GB" dirty="0"/>
+          </a:p>
+        </p:txBody>
+      </p:sp>
+      <p:graphicFrame>
+        <p:nvGraphicFramePr>
+          <p:cNvPr id="4" name="Content Placeholder 3" title="Price elasticity curve in the US (quarter 9 and 10)"/>
+          <p:cNvGraphicFramePr>
+            <a:graphicFrameLocks noGrp="1"/>
+          </p:cNvGraphicFramePr>
           <p:nvPr>
             <p:ph idx="1"/>
-          </p:nvPr>
-        </p:nvSpPr>
-        <p:spPr/>
-        <p:txBody>
-          <a:bodyPr/>
-          <a:lstStyle/>
-          <a:p>
-            <a:r>
-              <a:rPr lang="en-US" dirty="0" smtClean="0"/>
-              <a:t>Long-term contracts with Co. 8</a:t>
-            </a:r>
-          </a:p>
-          <a:p>
-            <a:r>
-              <a:rPr lang="en-US" dirty="0" smtClean="0"/>
-              <a:t>…</a:t>
-            </a:r>
-          </a:p>
-          <a:p>
-            <a:r>
-              <a:rPr lang="en-US" smtClean="0"/>
-              <a:t>…</a:t>
-            </a:r>
-            <a:endParaRPr lang="en-US" dirty="0"/>
+            <p:extLst>
+              <p:ext uri="{D42A27DB-BD31-4B8C-83A1-F6EECF244321}">
+                <p14:modId xmlns:p14="http://schemas.microsoft.com/office/powerpoint/2010/main" val="1181817724"/>
+              </p:ext>
+            </p:extLst>
+          </p:nvPr>
+        </p:nvGraphicFramePr>
+        <p:xfrm>
+          <a:off x="172993" y="1248033"/>
+          <a:ext cx="5436975" cy="2953264"/>
+        </p:xfrm>
+        <a:graphic>
+          <a:graphicData uri="http://schemas.openxmlformats.org/drawingml/2006/chart">
+            <c:chart xmlns:c="http://schemas.openxmlformats.org/drawingml/2006/chart" xmlns:r="http://schemas.openxmlformats.org/officeDocument/2006/relationships" r:id="rId2"/>
+          </a:graphicData>
+        </a:graphic>
+      </p:graphicFrame>
+      <p:graphicFrame>
+        <p:nvGraphicFramePr>
+          <p:cNvPr id="5" name="Table 4"/>
+          <p:cNvGraphicFramePr>
+            <a:graphicFrameLocks noGrp="1"/>
+          </p:cNvGraphicFramePr>
+          <p:nvPr>
+            <p:extLst>
+              <p:ext uri="{D42A27DB-BD31-4B8C-83A1-F6EECF244321}">
+                <p14:modId xmlns:p14="http://schemas.microsoft.com/office/powerpoint/2010/main" val="2319336955"/>
+              </p:ext>
+            </p:extLst>
+          </p:nvPr>
+        </p:nvGraphicFramePr>
+        <p:xfrm>
+          <a:off x="6364394" y="1463454"/>
+          <a:ext cx="2149412" cy="2225040"/>
+        </p:xfrm>
+        <a:graphic>
+          <a:graphicData uri="http://schemas.openxmlformats.org/drawingml/2006/table">
+            <a:tbl>
+              <a:tblPr firstRow="1" bandRow="1">
+                <a:tableStyleId>{5C22544A-7EE6-4342-B048-85BDC9FD1C3A}</a:tableStyleId>
+              </a:tblPr>
+              <a:tblGrid>
+                <a:gridCol w="960132"/>
+                <a:gridCol w="1189280"/>
+              </a:tblGrid>
+              <a:tr h="370840">
+                <a:tc>
+                  <a:txBody>
+                    <a:bodyPr/>
+                    <a:lstStyle/>
+                    <a:p>
+                      <a:r>
+                        <a:rPr lang="en-GB" dirty="0" smtClean="0"/>
+                        <a:t>Prices</a:t>
+                      </a:r>
+                      <a:endParaRPr lang="en-GB" dirty="0"/>
+                    </a:p>
+                  </a:txBody>
+                  <a:tcPr/>
+                </a:tc>
+                <a:tc>
+                  <a:txBody>
+                    <a:bodyPr/>
+                    <a:lstStyle/>
+                    <a:p>
+                      <a:r>
+                        <a:rPr lang="en-GB" dirty="0" smtClean="0"/>
+                        <a:t>Quantities </a:t>
+                      </a:r>
+                      <a:endParaRPr lang="en-GB" dirty="0"/>
+                    </a:p>
+                  </a:txBody>
+                  <a:tcPr/>
+                </a:tc>
+              </a:tr>
+              <a:tr h="370840">
+                <a:tc>
+                  <a:txBody>
+                    <a:bodyPr/>
+                    <a:lstStyle/>
+                    <a:p>
+                      <a:r>
+                        <a:rPr lang="en-GB" dirty="0" smtClean="0"/>
+                        <a:t>10240</a:t>
+                      </a:r>
+                      <a:endParaRPr lang="en-GB" dirty="0"/>
+                    </a:p>
+                  </a:txBody>
+                  <a:tcPr>
+                    <a:solidFill>
+                      <a:schemeClr val="accent1">
+                        <a:lumMod val="60000"/>
+                        <a:lumOff val="40000"/>
+                      </a:schemeClr>
+                    </a:solidFill>
+                  </a:tcPr>
+                </a:tc>
+                <a:tc>
+                  <a:txBody>
+                    <a:bodyPr/>
+                    <a:lstStyle/>
+                    <a:p>
+                      <a:r>
+                        <a:rPr lang="en-GB" dirty="0" smtClean="0"/>
+                        <a:t>70</a:t>
+                      </a:r>
+                      <a:endParaRPr lang="en-GB" dirty="0"/>
+                    </a:p>
+                  </a:txBody>
+                  <a:tcPr>
+                    <a:solidFill>
+                      <a:schemeClr val="accent1">
+                        <a:lumMod val="60000"/>
+                        <a:lumOff val="40000"/>
+                      </a:schemeClr>
+                    </a:solidFill>
+                  </a:tcPr>
+                </a:tc>
+              </a:tr>
+              <a:tr h="370840">
+                <a:tc>
+                  <a:txBody>
+                    <a:bodyPr/>
+                    <a:lstStyle/>
+                    <a:p>
+                      <a:r>
+                        <a:rPr lang="en-GB" dirty="0" smtClean="0"/>
+                        <a:t>4720</a:t>
+                      </a:r>
+                      <a:endParaRPr lang="en-GB" dirty="0"/>
+                    </a:p>
+                  </a:txBody>
+                  <a:tcPr>
+                    <a:solidFill>
+                      <a:schemeClr val="accent1">
+                        <a:lumMod val="60000"/>
+                        <a:lumOff val="40000"/>
+                      </a:schemeClr>
+                    </a:solidFill>
+                  </a:tcPr>
+                </a:tc>
+                <a:tc>
+                  <a:txBody>
+                    <a:bodyPr/>
+                    <a:lstStyle/>
+                    <a:p>
+                      <a:r>
+                        <a:rPr lang="en-GB" dirty="0" smtClean="0"/>
+                        <a:t>96</a:t>
+                      </a:r>
+                      <a:endParaRPr lang="en-GB" dirty="0"/>
+                    </a:p>
+                  </a:txBody>
+                  <a:tcPr>
+                    <a:solidFill>
+                      <a:schemeClr val="accent1">
+                        <a:lumMod val="60000"/>
+                        <a:lumOff val="40000"/>
+                      </a:schemeClr>
+                    </a:solidFill>
+                  </a:tcPr>
+                </a:tc>
+              </a:tr>
+              <a:tr h="370840">
+                <a:tc>
+                  <a:txBody>
+                    <a:bodyPr/>
+                    <a:lstStyle/>
+                    <a:p>
+                      <a:r>
+                        <a:rPr lang="en-GB" dirty="0" smtClean="0"/>
+                        <a:t>12770</a:t>
+                      </a:r>
+                      <a:endParaRPr lang="en-GB" dirty="0"/>
+                    </a:p>
+                  </a:txBody>
+                  <a:tcPr>
+                    <a:solidFill>
+                      <a:schemeClr val="accent2"/>
+                    </a:solidFill>
+                  </a:tcPr>
+                </a:tc>
+                <a:tc>
+                  <a:txBody>
+                    <a:bodyPr/>
+                    <a:lstStyle/>
+                    <a:p>
+                      <a:r>
+                        <a:rPr lang="en-GB" dirty="0" smtClean="0"/>
+                        <a:t>50</a:t>
+                      </a:r>
+                      <a:endParaRPr lang="en-GB" dirty="0"/>
+                    </a:p>
+                  </a:txBody>
+                  <a:tcPr>
+                    <a:solidFill>
+                      <a:schemeClr val="accent2"/>
+                    </a:solidFill>
+                  </a:tcPr>
+                </a:tc>
+              </a:tr>
+              <a:tr h="370840">
+                <a:tc>
+                  <a:txBody>
+                    <a:bodyPr/>
+                    <a:lstStyle/>
+                    <a:p>
+                      <a:r>
+                        <a:rPr lang="en-GB" dirty="0" smtClean="0"/>
+                        <a:t>4420</a:t>
+                      </a:r>
+                      <a:endParaRPr lang="en-GB" dirty="0"/>
+                    </a:p>
+                  </a:txBody>
+                  <a:tcPr>
+                    <a:solidFill>
+                      <a:schemeClr val="accent2"/>
+                    </a:solidFill>
+                  </a:tcPr>
+                </a:tc>
+                <a:tc>
+                  <a:txBody>
+                    <a:bodyPr/>
+                    <a:lstStyle/>
+                    <a:p>
+                      <a:r>
+                        <a:rPr lang="en-GB" dirty="0" smtClean="0"/>
+                        <a:t>94</a:t>
+                      </a:r>
+                      <a:endParaRPr lang="en-GB" dirty="0"/>
+                    </a:p>
+                  </a:txBody>
+                  <a:tcPr>
+                    <a:solidFill>
+                      <a:schemeClr val="accent2"/>
+                    </a:solidFill>
+                  </a:tcPr>
+                </a:tc>
+              </a:tr>
+              <a:tr h="370840">
+                <a:tc>
+                  <a:txBody>
+                    <a:bodyPr/>
+                    <a:lstStyle/>
+                    <a:p>
+                      <a:r>
+                        <a:rPr lang="en-GB" dirty="0" smtClean="0"/>
+                        <a:t>9020</a:t>
+                      </a:r>
+                      <a:endParaRPr lang="en-GB" dirty="0"/>
+                    </a:p>
+                  </a:txBody>
+                  <a:tcPr>
+                    <a:solidFill>
+                      <a:schemeClr val="accent2"/>
+                    </a:solidFill>
+                  </a:tcPr>
+                </a:tc>
+                <a:tc>
+                  <a:txBody>
+                    <a:bodyPr/>
+                    <a:lstStyle/>
+                    <a:p>
+                      <a:r>
+                        <a:rPr lang="en-GB" dirty="0" smtClean="0"/>
+                        <a:t>63</a:t>
+                      </a:r>
+                      <a:endParaRPr lang="en-GB" dirty="0"/>
+                    </a:p>
+                  </a:txBody>
+                  <a:tcPr>
+                    <a:solidFill>
+                      <a:schemeClr val="accent2"/>
+                    </a:solidFill>
+                  </a:tcPr>
+                </a:tc>
+              </a:tr>
+            </a:tbl>
+          </a:graphicData>
+        </a:graphic>
+      </p:graphicFrame>
+      <p:sp>
+        <p:nvSpPr>
+          <p:cNvPr id="6" name="TextBox 5"/>
+          <p:cNvSpPr txBox="1"/>
+          <p:nvPr/>
+        </p:nvSpPr>
+        <p:spPr>
+          <a:xfrm>
+            <a:off x="815546" y="4757351"/>
+            <a:ext cx="6462584" cy="1200329"/>
+          </a:xfrm>
+          <a:prstGeom prst="rect">
+            <a:avLst/>
+          </a:prstGeom>
+          <a:noFill/>
+        </p:spPr>
+        <p:txBody>
+          <a:bodyPr wrap="square" rtlCol="0">
+            <a:spAutoFit/>
+          </a:bodyPr>
+          <a:lstStyle/>
+          <a:p>
+            <a:r>
+              <a:rPr lang="en-GB" dirty="0" smtClean="0"/>
+              <a:t>Market research: </a:t>
+            </a:r>
+          </a:p>
+          <a:p>
+            <a:r>
+              <a:rPr lang="en-GB" dirty="0" smtClean="0"/>
+              <a:t>Estimated price change from 67 to 73 </a:t>
+            </a:r>
+            <a:r>
+              <a:rPr lang="en-GB" dirty="0" err="1" smtClean="0"/>
+              <a:t>percent</a:t>
+            </a:r>
+            <a:r>
+              <a:rPr lang="en-GB" dirty="0" smtClean="0"/>
+              <a:t> in the US</a:t>
+            </a:r>
+          </a:p>
+          <a:p>
+            <a:r>
+              <a:rPr lang="en-GB" dirty="0" smtClean="0"/>
+              <a:t>Similar growth in Europe and Brazil</a:t>
+            </a:r>
+          </a:p>
+          <a:p>
+            <a:endParaRPr lang="en-GB" dirty="0"/>
           </a:p>
         </p:txBody>
       </p:sp>
     </p:spTree>
     <p:extLst>
       <p:ext uri="{BB962C8B-B14F-4D97-AF65-F5344CB8AC3E}">
-        <p14:creationId xmlns:p14="http://schemas.microsoft.com/office/powerpoint/2010/main" val="246109485"/>
+        <p14:creationId xmlns:p14="http://schemas.microsoft.com/office/powerpoint/2010/main" val="3473611149"/>
       </p:ext>
     </p:extLst>
   </p:cSld>
@@ -3819,7 +5216,7 @@
           <a:p>
             <a:r>
               <a:rPr lang="en-US" dirty="0" smtClean="0"/>
-              <a:t>Personal and team learning</a:t>
+              <a:t>Where is our company going to do</a:t>
             </a:r>
             <a:endParaRPr lang="en-US" dirty="0"/>
           </a:p>
@@ -3840,14 +5237,14 @@
           <a:bodyPr/>
           <a:lstStyle/>
           <a:p>
-            <a:endParaRPr lang="en-US" dirty="0"/>
+            <a:endParaRPr lang="en-US"/>
           </a:p>
         </p:txBody>
       </p:sp>
     </p:spTree>
     <p:extLst>
       <p:ext uri="{BB962C8B-B14F-4D97-AF65-F5344CB8AC3E}">
-        <p14:creationId xmlns:p14="http://schemas.microsoft.com/office/powerpoint/2010/main" val="174890009"/>
+        <p14:creationId xmlns:p14="http://schemas.microsoft.com/office/powerpoint/2010/main" val="3813620355"/>
       </p:ext>
     </p:extLst>
   </p:cSld>
@@ -3890,6 +5287,165 @@
           <a:lstStyle/>
           <a:p>
             <a:r>
+              <a:rPr lang="en-US" dirty="0"/>
+              <a:t>Where is our company going to do</a:t>
+            </a:r>
+          </a:p>
+        </p:txBody>
+      </p:sp>
+      <p:sp>
+        <p:nvSpPr>
+          <p:cNvPr id="3" name="Content Placeholder 2"/>
+          <p:cNvSpPr>
+            <a:spLocks noGrp="1"/>
+          </p:cNvSpPr>
+          <p:nvPr>
+            <p:ph idx="1"/>
+          </p:nvPr>
+        </p:nvSpPr>
+        <p:spPr/>
+        <p:txBody>
+          <a:bodyPr/>
+          <a:lstStyle/>
+          <a:p>
+            <a:r>
+              <a:rPr lang="en-US" dirty="0" smtClean="0"/>
+              <a:t>Long-term contracts with Co. 8</a:t>
+            </a:r>
+          </a:p>
+          <a:p>
+            <a:r>
+              <a:rPr lang="en-US" dirty="0" smtClean="0"/>
+              <a:t>…</a:t>
+            </a:r>
+          </a:p>
+          <a:p>
+            <a:r>
+              <a:rPr lang="en-US" smtClean="0"/>
+              <a:t>…</a:t>
+            </a:r>
+            <a:endParaRPr lang="en-US" dirty="0"/>
+          </a:p>
+        </p:txBody>
+      </p:sp>
+    </p:spTree>
+    <p:extLst>
+      <p:ext uri="{BB962C8B-B14F-4D97-AF65-F5344CB8AC3E}">
+        <p14:creationId xmlns:p14="http://schemas.microsoft.com/office/powerpoint/2010/main" val="246109485"/>
+      </p:ext>
+    </p:extLst>
+  </p:cSld>
+  <p:clrMapOvr>
+    <a:masterClrMapping/>
+  </p:clrMapOvr>
+</p:sld>
+</file>
+
+<file path=ppt/slides/slide14.xml><?xml version="1.0" encoding="utf-8"?>
+<p:sld xmlns:a="http://schemas.openxmlformats.org/drawingml/2006/main" xmlns:r="http://schemas.openxmlformats.org/officeDocument/2006/relationships" xmlns:p="http://schemas.openxmlformats.org/presentationml/2006/main">
+  <p:cSld>
+    <p:spTree>
+      <p:nvGrpSpPr>
+        <p:cNvPr id="1" name=""/>
+        <p:cNvGrpSpPr/>
+        <p:nvPr/>
+      </p:nvGrpSpPr>
+      <p:grpSpPr>
+        <a:xfrm>
+          <a:off x="0" y="0"/>
+          <a:ext cx="0" cy="0"/>
+          <a:chOff x="0" y="0"/>
+          <a:chExt cx="0" cy="0"/>
+        </a:xfrm>
+      </p:grpSpPr>
+      <p:sp>
+        <p:nvSpPr>
+          <p:cNvPr id="2" name="Title 1"/>
+          <p:cNvSpPr>
+            <a:spLocks noGrp="1"/>
+          </p:cNvSpPr>
+          <p:nvPr>
+            <p:ph type="title"/>
+          </p:nvPr>
+        </p:nvSpPr>
+        <p:spPr/>
+        <p:txBody>
+          <a:bodyPr/>
+          <a:lstStyle/>
+          <a:p>
+            <a:r>
+              <a:rPr lang="en-US" dirty="0" smtClean="0"/>
+              <a:t>Personal and team learning</a:t>
+            </a:r>
+            <a:endParaRPr lang="en-US" dirty="0"/>
+          </a:p>
+        </p:txBody>
+      </p:sp>
+      <p:sp>
+        <p:nvSpPr>
+          <p:cNvPr id="3" name="Content Placeholder 2"/>
+          <p:cNvSpPr>
+            <a:spLocks noGrp="1"/>
+          </p:cNvSpPr>
+          <p:nvPr>
+            <p:ph idx="1"/>
+          </p:nvPr>
+        </p:nvSpPr>
+        <p:spPr/>
+        <p:txBody>
+          <a:bodyPr/>
+          <a:lstStyle/>
+          <a:p>
+            <a:endParaRPr lang="en-US" dirty="0"/>
+          </a:p>
+        </p:txBody>
+      </p:sp>
+    </p:spTree>
+    <p:extLst>
+      <p:ext uri="{BB962C8B-B14F-4D97-AF65-F5344CB8AC3E}">
+        <p14:creationId xmlns:p14="http://schemas.microsoft.com/office/powerpoint/2010/main" val="174890009"/>
+      </p:ext>
+    </p:extLst>
+  </p:cSld>
+  <p:clrMapOvr>
+    <a:masterClrMapping/>
+  </p:clrMapOvr>
+</p:sld>
+</file>
+
+<file path=ppt/slides/slide15.xml><?xml version="1.0" encoding="utf-8"?>
+<p:sld xmlns:a="http://schemas.openxmlformats.org/drawingml/2006/main" xmlns:r="http://schemas.openxmlformats.org/officeDocument/2006/relationships" xmlns:p="http://schemas.openxmlformats.org/presentationml/2006/main">
+  <p:cSld>
+    <p:spTree>
+      <p:nvGrpSpPr>
+        <p:cNvPr id="1" name=""/>
+        <p:cNvGrpSpPr/>
+        <p:nvPr/>
+      </p:nvGrpSpPr>
+      <p:grpSpPr>
+        <a:xfrm>
+          <a:off x="0" y="0"/>
+          <a:ext cx="0" cy="0"/>
+          <a:chOff x="0" y="0"/>
+          <a:chExt cx="0" cy="0"/>
+        </a:xfrm>
+      </p:grpSpPr>
+      <p:sp>
+        <p:nvSpPr>
+          <p:cNvPr id="2" name="Title 1"/>
+          <p:cNvSpPr>
+            <a:spLocks noGrp="1"/>
+          </p:cNvSpPr>
+          <p:nvPr>
+            <p:ph type="title"/>
+          </p:nvPr>
+        </p:nvSpPr>
+        <p:spPr/>
+        <p:txBody>
+          <a:bodyPr/>
+          <a:lstStyle/>
+          <a:p>
+            <a:r>
               <a:rPr lang="en-US" dirty="0" err="1" smtClean="0"/>
               <a:t>Anh</a:t>
             </a:r>
@@ -3943,7 +5499,7 @@
 </p:sld>
 </file>
 
-<file path=ppt/slides/slide14.xml><?xml version="1.0" encoding="utf-8"?>
+<file path=ppt/slides/slide16.xml><?xml version="1.0" encoding="utf-8"?>
 <p:sld xmlns:a="http://schemas.openxmlformats.org/drawingml/2006/main" xmlns:r="http://schemas.openxmlformats.org/officeDocument/2006/relationships" xmlns:p="http://schemas.openxmlformats.org/presentationml/2006/main">
   <p:cSld>
     <p:spTree>
@@ -4802,7 +6358,11 @@
           <a:bodyPr/>
           <a:lstStyle/>
           <a:p>
-            <a:endParaRPr lang="en-US"/>
+            <a:r>
+              <a:rPr lang="en-US" dirty="0" smtClean="0"/>
+              <a:t>State of the company</a:t>
+            </a:r>
+            <a:endParaRPr lang="en-US" dirty="0"/>
           </a:p>
         </p:txBody>
       </p:sp>
@@ -4818,13 +6378,278 @@
         </p:nvSpPr>
         <p:spPr/>
         <p:txBody>
-          <a:bodyPr/>
-          <a:lstStyle/>
-          <a:p>
-            <a:endParaRPr lang="en-US"/>
-          </a:p>
-        </p:txBody>
-      </p:sp>
+          <a:bodyPr>
+            <a:normAutofit fontScale="92500" lnSpcReduction="10000"/>
+          </a:bodyPr>
+          <a:lstStyle/>
+          <a:p>
+            <a:r>
+              <a:rPr lang="en-US" dirty="0" smtClean="0"/>
+              <a:t>Financial</a:t>
+            </a:r>
+            <a:r>
+              <a:rPr lang="en-US" dirty="0" smtClean="0"/>
+              <a:t>: ?? (</a:t>
+            </a:r>
+            <a:r>
+              <a:rPr lang="en-US" dirty="0"/>
+              <a:t>G</a:t>
+            </a:r>
+            <a:r>
+              <a:rPr lang="en-US" dirty="0" smtClean="0"/>
+              <a:t>ustavo, 1 or 2 lines to say we are on working order)</a:t>
+            </a:r>
+            <a:endParaRPr lang="en-US" dirty="0" smtClean="0"/>
+          </a:p>
+          <a:p>
+            <a:r>
+              <a:rPr lang="en-US" dirty="0" smtClean="0">
+                <a:solidFill>
+                  <a:srgbClr val="FF0000"/>
+                </a:solidFill>
+              </a:rPr>
+              <a:t>Our power = chips sales : </a:t>
+            </a:r>
+          </a:p>
+          <a:p>
+            <a:pPr marL="0" indent="0">
+              <a:buNone/>
+            </a:pPr>
+            <a:r>
+              <a:rPr lang="en-US" dirty="0" smtClean="0"/>
+              <a:t>- </a:t>
+            </a:r>
+            <a:r>
+              <a:rPr lang="en-US" dirty="0"/>
+              <a:t>59,7% of chip market in Europe ! </a:t>
+            </a:r>
+          </a:p>
+          <a:p>
+            <a:pPr marL="0" indent="0">
+              <a:buNone/>
+            </a:pPr>
+            <a:r>
+              <a:rPr lang="en-US" dirty="0" smtClean="0"/>
+              <a:t>- nice inventory </a:t>
+            </a:r>
+          </a:p>
+          <a:p>
+            <a:endParaRPr lang="en-US" dirty="0"/>
+          </a:p>
+          <a:p>
+            <a:endParaRPr lang="en-US" dirty="0" smtClean="0"/>
+          </a:p>
+          <a:p>
+            <a:r>
+              <a:rPr lang="en-US" dirty="0" smtClean="0"/>
+              <a:t>3 sales offices in every area + wholesaler status in EU and USA</a:t>
+            </a:r>
+            <a:endParaRPr lang="en-US" dirty="0"/>
+          </a:p>
+        </p:txBody>
+      </p:sp>
+      <p:graphicFrame>
+        <p:nvGraphicFramePr>
+          <p:cNvPr id="4" name="Table 3"/>
+          <p:cNvGraphicFramePr>
+            <a:graphicFrameLocks noGrp="1"/>
+          </p:cNvGraphicFramePr>
+          <p:nvPr>
+            <p:extLst>
+              <p:ext uri="{D42A27DB-BD31-4B8C-83A1-F6EECF244321}">
+                <p14:modId xmlns:p14="http://schemas.microsoft.com/office/powerpoint/2010/main" val="3808810230"/>
+              </p:ext>
+            </p:extLst>
+          </p:nvPr>
+        </p:nvGraphicFramePr>
+        <p:xfrm>
+          <a:off x="3506157" y="3695806"/>
+          <a:ext cx="4556018" cy="1112520"/>
+        </p:xfrm>
+        <a:graphic>
+          <a:graphicData uri="http://schemas.openxmlformats.org/drawingml/2006/table">
+            <a:tbl>
+              <a:tblPr firstRow="1" bandRow="1">
+                <a:tableStyleId>{5C22544A-7EE6-4342-B048-85BDC9FD1C3A}</a:tableStyleId>
+              </a:tblPr>
+              <a:tblGrid>
+                <a:gridCol w="1840127"/>
+                <a:gridCol w="925728"/>
+                <a:gridCol w="1017431"/>
+                <a:gridCol w="772732"/>
+              </a:tblGrid>
+              <a:tr h="370840">
+                <a:tc>
+                  <a:txBody>
+                    <a:bodyPr/>
+                    <a:lstStyle/>
+                    <a:p>
+                      <a:endParaRPr lang="en-GB" dirty="0"/>
+                    </a:p>
+                  </a:txBody>
+                  <a:tcPr/>
+                </a:tc>
+                <a:tc>
+                  <a:txBody>
+                    <a:bodyPr/>
+                    <a:lstStyle/>
+                    <a:p>
+                      <a:r>
+                        <a:rPr lang="en-GB" dirty="0" smtClean="0"/>
+                        <a:t>US </a:t>
+                      </a:r>
+                      <a:endParaRPr lang="en-GB" dirty="0"/>
+                    </a:p>
+                  </a:txBody>
+                  <a:tcPr/>
+                </a:tc>
+                <a:tc>
+                  <a:txBody>
+                    <a:bodyPr/>
+                    <a:lstStyle/>
+                    <a:p>
+                      <a:r>
+                        <a:rPr lang="en-GB" dirty="0" smtClean="0"/>
+                        <a:t>Europe</a:t>
+                      </a:r>
+                      <a:endParaRPr lang="en-GB" dirty="0"/>
+                    </a:p>
+                  </a:txBody>
+                  <a:tcPr/>
+                </a:tc>
+                <a:tc>
+                  <a:txBody>
+                    <a:bodyPr/>
+                    <a:lstStyle/>
+                    <a:p>
+                      <a:r>
+                        <a:rPr lang="en-GB" dirty="0" smtClean="0"/>
+                        <a:t>Brazil</a:t>
+                      </a:r>
+                      <a:endParaRPr lang="en-GB" dirty="0"/>
+                    </a:p>
+                  </a:txBody>
+                  <a:tcPr/>
+                </a:tc>
+              </a:tr>
+              <a:tr h="370840">
+                <a:tc>
+                  <a:txBody>
+                    <a:bodyPr/>
+                    <a:lstStyle/>
+                    <a:p>
+                      <a:r>
+                        <a:rPr lang="en-GB" dirty="0" smtClean="0"/>
+                        <a:t>Standard chips</a:t>
+                      </a:r>
+                      <a:endParaRPr lang="en-GB" dirty="0"/>
+                    </a:p>
+                  </a:txBody>
+                  <a:tcPr/>
+                </a:tc>
+                <a:tc>
+                  <a:txBody>
+                    <a:bodyPr/>
+                    <a:lstStyle/>
+                    <a:p>
+                      <a:r>
+                        <a:rPr lang="en-GB" dirty="0" smtClean="0"/>
+                        <a:t>5075</a:t>
+                      </a:r>
+                    </a:p>
+                  </a:txBody>
+                  <a:tcPr/>
+                </a:tc>
+                <a:tc>
+                  <a:txBody>
+                    <a:bodyPr/>
+                    <a:lstStyle/>
+                    <a:p>
+                      <a:r>
+                        <a:rPr lang="en-GB" dirty="0" smtClean="0"/>
+                        <a:t>6594</a:t>
+                      </a:r>
+                      <a:endParaRPr lang="en-GB" dirty="0"/>
+                    </a:p>
+                  </a:txBody>
+                  <a:tcPr/>
+                </a:tc>
+                <a:tc>
+                  <a:txBody>
+                    <a:bodyPr/>
+                    <a:lstStyle/>
+                    <a:p>
+                      <a:r>
+                        <a:rPr lang="en-GB" dirty="0" smtClean="0"/>
+                        <a:t>5232</a:t>
+                      </a:r>
+                      <a:endParaRPr lang="en-GB" dirty="0"/>
+                    </a:p>
+                  </a:txBody>
+                  <a:tcPr/>
+                </a:tc>
+              </a:tr>
+              <a:tr h="370840">
+                <a:tc>
+                  <a:txBody>
+                    <a:bodyPr/>
+                    <a:lstStyle/>
+                    <a:p>
+                      <a:r>
+                        <a:rPr lang="en-GB" dirty="0" smtClean="0"/>
+                        <a:t>Deluxe chips</a:t>
+                      </a:r>
+                    </a:p>
+                  </a:txBody>
+                  <a:tcPr/>
+                </a:tc>
+                <a:tc>
+                  <a:txBody>
+                    <a:bodyPr/>
+                    <a:lstStyle/>
+                    <a:p>
+                      <a:r>
+                        <a:rPr lang="en-GB" dirty="0" smtClean="0"/>
+                        <a:t>10859</a:t>
+                      </a:r>
+                      <a:endParaRPr lang="en-GB" dirty="0"/>
+                    </a:p>
+                  </a:txBody>
+                  <a:tcPr/>
+                </a:tc>
+                <a:tc>
+                  <a:txBody>
+                    <a:bodyPr/>
+                    <a:lstStyle/>
+                    <a:p>
+                      <a:r>
+                        <a:rPr lang="en-GB" dirty="0" smtClean="0"/>
+                        <a:t>10381</a:t>
+                      </a:r>
+                      <a:endParaRPr lang="en-GB" dirty="0"/>
+                    </a:p>
+                  </a:txBody>
+                  <a:tcPr/>
+                </a:tc>
+                <a:tc>
+                  <a:txBody>
+                    <a:bodyPr/>
+                    <a:lstStyle/>
+                    <a:p>
+                      <a:r>
+                        <a:rPr lang="en-GB" dirty="0" smtClean="0"/>
+                        <a:t>0</a:t>
+                      </a:r>
+                      <a:endParaRPr lang="en-GB" dirty="0"/>
+                    </a:p>
+                  </a:txBody>
+                  <a:tcPr/>
+                </a:tc>
+              </a:tr>
+            </a:tbl>
+          </a:graphicData>
+        </a:graphic>
+      </p:graphicFrame>
     </p:spTree>
     <p:extLst>
       <p:ext uri="{BB962C8B-B14F-4D97-AF65-F5344CB8AC3E}">

--- a/Documents/Final_Presentation.pptx
+++ b/Documents/Final_Presentation.pptx
@@ -5,7 +5,7 @@
     <p:sldMasterId id="2147483648" r:id="rId1"/>
   </p:sldMasterIdLst>
   <p:notesMasterIdLst>
-    <p:notesMasterId r:id="rId18"/>
+    <p:notesMasterId r:id="rId19"/>
   </p:notesMasterIdLst>
   <p:sldIdLst>
     <p:sldId id="256" r:id="rId2"/>
@@ -19,11 +19,12 @@
     <p:sldId id="264" r:id="rId10"/>
     <p:sldId id="271" r:id="rId11"/>
     <p:sldId id="272" r:id="rId12"/>
-    <p:sldId id="268" r:id="rId13"/>
-    <p:sldId id="269" r:id="rId14"/>
-    <p:sldId id="267" r:id="rId15"/>
-    <p:sldId id="265" r:id="rId16"/>
-    <p:sldId id="266" r:id="rId17"/>
+    <p:sldId id="273" r:id="rId13"/>
+    <p:sldId id="268" r:id="rId14"/>
+    <p:sldId id="269" r:id="rId15"/>
+    <p:sldId id="267" r:id="rId16"/>
+    <p:sldId id="265" r:id="rId17"/>
+    <p:sldId id="266" r:id="rId18"/>
   </p:sldIdLst>
   <p:sldSz cx="9144000" cy="6858000" type="screen4x3"/>
   <p:notesSz cx="6858000" cy="9144000"/>
@@ -126,255 +127,6 @@
 </file>
 
 <file path=ppt/charts/chart1.xml><?xml version="1.0" encoding="utf-8"?>
-<c:chartSpace xmlns:c="http://schemas.openxmlformats.org/drawingml/2006/chart" xmlns:a="http://schemas.openxmlformats.org/drawingml/2006/main" xmlns:r="http://schemas.openxmlformats.org/officeDocument/2006/relationships">
-  <c:date1904 val="0"/>
-  <c:lang val="en-US"/>
-  <c:roundedCorners val="0"/>
-  <mc:AlternateContent xmlns:mc="http://schemas.openxmlformats.org/markup-compatibility/2006">
-    <mc:Choice xmlns:c14="http://schemas.microsoft.com/office/drawing/2007/8/2/chart" Requires="c14">
-      <c14:style val="102"/>
-    </mc:Choice>
-    <mc:Fallback>
-      <c:style val="2"/>
-    </mc:Fallback>
-  </mc:AlternateContent>
-  <c:chart>
-    <c:autoTitleDeleted val="0"/>
-    <c:plotArea>
-      <c:layout/>
-      <c:scatterChart>
-        <c:scatterStyle val="lineMarker"/>
-        <c:varyColors val="0"/>
-        <c:ser>
-          <c:idx val="0"/>
-          <c:order val="0"/>
-          <c:tx>
-            <c:strRef>
-              <c:f>Sheet1!$B$1</c:f>
-              <c:strCache>
-                <c:ptCount val="1"/>
-                <c:pt idx="0">
-                  <c:v>Quarter 9</c:v>
-                </c:pt>
-              </c:strCache>
-            </c:strRef>
-          </c:tx>
-          <c:spPr>
-            <a:ln w="28575">
-              <a:noFill/>
-            </a:ln>
-          </c:spPr>
-          <c:xVal>
-            <c:numRef>
-              <c:f>Sheet1!$A$2:$A$6</c:f>
-              <c:numCache>
-                <c:formatCode>General</c:formatCode>
-                <c:ptCount val="5"/>
-                <c:pt idx="0">
-                  <c:v>10240</c:v>
-                </c:pt>
-                <c:pt idx="1">
-                  <c:v>4720</c:v>
-                </c:pt>
-                <c:pt idx="2">
-                  <c:v>12770</c:v>
-                </c:pt>
-                <c:pt idx="3">
-                  <c:v>4420</c:v>
-                </c:pt>
-                <c:pt idx="4">
-                  <c:v>9020</c:v>
-                </c:pt>
-              </c:numCache>
-            </c:numRef>
-          </c:xVal>
-          <c:yVal>
-            <c:numRef>
-              <c:f>Sheet1!$B$2:$B$6</c:f>
-              <c:numCache>
-                <c:formatCode>General</c:formatCode>
-                <c:ptCount val="5"/>
-                <c:pt idx="0">
-                  <c:v>70</c:v>
-                </c:pt>
-                <c:pt idx="1">
-                  <c:v>96</c:v>
-                </c:pt>
-              </c:numCache>
-            </c:numRef>
-          </c:yVal>
-          <c:smooth val="0"/>
-        </c:ser>
-        <c:ser>
-          <c:idx val="1"/>
-          <c:order val="1"/>
-          <c:tx>
-            <c:strRef>
-              <c:f>Sheet1!$C$1</c:f>
-              <c:strCache>
-                <c:ptCount val="1"/>
-                <c:pt idx="0">
-                  <c:v>Quarter 10 </c:v>
-                </c:pt>
-              </c:strCache>
-            </c:strRef>
-          </c:tx>
-          <c:spPr>
-            <a:ln w="28575">
-              <a:noFill/>
-            </a:ln>
-          </c:spPr>
-          <c:xVal>
-            <c:numRef>
-              <c:f>Sheet1!$A$2:$A$6</c:f>
-              <c:numCache>
-                <c:formatCode>General</c:formatCode>
-                <c:ptCount val="5"/>
-                <c:pt idx="0">
-                  <c:v>10240</c:v>
-                </c:pt>
-                <c:pt idx="1">
-                  <c:v>4720</c:v>
-                </c:pt>
-                <c:pt idx="2">
-                  <c:v>12770</c:v>
-                </c:pt>
-                <c:pt idx="3">
-                  <c:v>4420</c:v>
-                </c:pt>
-                <c:pt idx="4">
-                  <c:v>9020</c:v>
-                </c:pt>
-              </c:numCache>
-            </c:numRef>
-          </c:xVal>
-          <c:yVal>
-            <c:numRef>
-              <c:f>Sheet1!$C$2:$C$6</c:f>
-              <c:numCache>
-                <c:formatCode>General</c:formatCode>
-                <c:ptCount val="5"/>
-                <c:pt idx="2">
-                  <c:v>50</c:v>
-                </c:pt>
-                <c:pt idx="3">
-                  <c:v>94</c:v>
-                </c:pt>
-                <c:pt idx="4">
-                  <c:v>63</c:v>
-                </c:pt>
-              </c:numCache>
-            </c:numRef>
-          </c:yVal>
-          <c:smooth val="0"/>
-        </c:ser>
-        <c:dLbls>
-          <c:showLegendKey val="0"/>
-          <c:showVal val="0"/>
-          <c:showCatName val="0"/>
-          <c:showSerName val="0"/>
-          <c:showPercent val="0"/>
-          <c:showBubbleSize val="0"/>
-        </c:dLbls>
-        <c:axId val="41732736"/>
-        <c:axId val="41730432"/>
-      </c:scatterChart>
-      <c:valAx>
-        <c:axId val="41732736"/>
-        <c:scaling>
-          <c:orientation val="minMax"/>
-        </c:scaling>
-        <c:delete val="0"/>
-        <c:axPos val="b"/>
-        <c:title>
-          <c:tx>
-            <c:rich>
-              <a:bodyPr/>
-              <a:lstStyle/>
-              <a:p>
-                <a:pPr>
-                  <a:defRPr/>
-                </a:pPr>
-                <a:r>
-                  <a:rPr lang="en-US"/>
-                  <a:t>Quantities</a:t>
-                </a:r>
-              </a:p>
-            </c:rich>
-          </c:tx>
-          <c:layout/>
-          <c:overlay val="0"/>
-        </c:title>
-        <c:numFmt formatCode="General" sourceLinked="1"/>
-        <c:majorTickMark val="none"/>
-        <c:minorTickMark val="none"/>
-        <c:tickLblPos val="nextTo"/>
-        <c:crossAx val="41730432"/>
-        <c:crosses val="autoZero"/>
-        <c:crossBetween val="midCat"/>
-      </c:valAx>
-      <c:valAx>
-        <c:axId val="41730432"/>
-        <c:scaling>
-          <c:orientation val="minMax"/>
-        </c:scaling>
-        <c:delete val="0"/>
-        <c:axPos val="l"/>
-        <c:majorGridlines/>
-        <c:title>
-          <c:tx>
-            <c:rich>
-              <a:bodyPr/>
-              <a:lstStyle/>
-              <a:p>
-                <a:pPr>
-                  <a:defRPr/>
-                </a:pPr>
-                <a:r>
-                  <a:rPr lang="en-US"/>
-                  <a:t>Prices</a:t>
-                </a:r>
-              </a:p>
-            </c:rich>
-          </c:tx>
-          <c:layout/>
-          <c:overlay val="0"/>
-        </c:title>
-        <c:numFmt formatCode="General" sourceLinked="1"/>
-        <c:majorTickMark val="none"/>
-        <c:minorTickMark val="none"/>
-        <c:tickLblPos val="nextTo"/>
-        <c:crossAx val="41732736"/>
-        <c:crosses val="autoZero"/>
-        <c:crossBetween val="midCat"/>
-      </c:valAx>
-    </c:plotArea>
-    <c:legend>
-      <c:legendPos val="r"/>
-      <c:layout/>
-      <c:overlay val="0"/>
-    </c:legend>
-    <c:plotVisOnly val="1"/>
-    <c:dispBlanksAs val="gap"/>
-    <c:showDLblsOverMax val="0"/>
-  </c:chart>
-  <c:txPr>
-    <a:bodyPr/>
-    <a:lstStyle/>
-    <a:p>
-      <a:pPr>
-        <a:defRPr sz="1800"/>
-      </a:pPr>
-      <a:endParaRPr lang="en-US"/>
-    </a:p>
-  </c:txPr>
-  <c:externalData r:id="rId1">
-    <c:autoUpdate val="0"/>
-  </c:externalData>
-</c:chartSpace>
-</file>
-
-<file path=ppt/charts/chart2.xml><?xml version="1.0" encoding="utf-8"?>
 <c:chartSpace xmlns:c="http://schemas.openxmlformats.org/drawingml/2006/chart" xmlns:a="http://schemas.openxmlformats.org/drawingml/2006/main" xmlns:r="http://schemas.openxmlformats.org/officeDocument/2006/relationships">
   <c:date1904 val="0"/>
   <c:lang val="en-US"/>
@@ -4318,9 +4070,12 @@
             <a:endParaRPr lang="en-GB" dirty="0" smtClean="0"/>
           </a:p>
           <a:p>
+            <a:endParaRPr lang="en-GB" dirty="0" smtClean="0"/>
+          </a:p>
+          <a:p>
             <a:r>
               <a:rPr lang="en-GB" dirty="0" smtClean="0"/>
-              <a:t>X3 are keeping up high</a:t>
+              <a:t>X3 are keeping up high (see next slide, example of X3 in the US)</a:t>
             </a:r>
             <a:endParaRPr lang="en-GB" dirty="0"/>
           </a:p>
@@ -4489,292 +4244,6 @@
           </a:graphicData>
         </a:graphic>
       </p:graphicFrame>
-      <p:graphicFrame>
-        <p:nvGraphicFramePr>
-          <p:cNvPr id="9" name="Chart 8"/>
-          <p:cNvGraphicFramePr/>
-          <p:nvPr>
-            <p:extLst>
-              <p:ext uri="{D42A27DB-BD31-4B8C-83A1-F6EECF244321}">
-                <p14:modId xmlns:p14="http://schemas.microsoft.com/office/powerpoint/2010/main" val="752514566"/>
-              </p:ext>
-            </p:extLst>
-          </p:nvPr>
-        </p:nvGraphicFramePr>
-        <p:xfrm>
-          <a:off x="187377" y="3300751"/>
-          <a:ext cx="6696000" cy="3276000"/>
-        </p:xfrm>
-        <a:graphic>
-          <a:graphicData uri="http://schemas.openxmlformats.org/drawingml/2006/chart">
-            <c:chart xmlns:c="http://schemas.openxmlformats.org/drawingml/2006/chart" xmlns:r="http://schemas.openxmlformats.org/officeDocument/2006/relationships" r:id="rId2"/>
-          </a:graphicData>
-        </a:graphic>
-      </p:graphicFrame>
-      <p:graphicFrame>
-        <p:nvGraphicFramePr>
-          <p:cNvPr id="10" name="Table 9"/>
-          <p:cNvGraphicFramePr>
-            <a:graphicFrameLocks noGrp="1"/>
-          </p:cNvGraphicFramePr>
-          <p:nvPr>
-            <p:extLst>
-              <p:ext uri="{D42A27DB-BD31-4B8C-83A1-F6EECF244321}">
-                <p14:modId xmlns:p14="http://schemas.microsoft.com/office/powerpoint/2010/main" val="3838293925"/>
-              </p:ext>
-            </p:extLst>
-          </p:nvPr>
-        </p:nvGraphicFramePr>
-        <p:xfrm>
-          <a:off x="6883377" y="3901124"/>
-          <a:ext cx="2149412" cy="2225040"/>
-        </p:xfrm>
-        <a:graphic>
-          <a:graphicData uri="http://schemas.openxmlformats.org/drawingml/2006/table">
-            <a:tbl>
-              <a:tblPr firstRow="1" bandRow="1">
-                <a:tableStyleId>{5C22544A-7EE6-4342-B048-85BDC9FD1C3A}</a:tableStyleId>
-              </a:tblPr>
-              <a:tblGrid>
-                <a:gridCol w="960132"/>
-                <a:gridCol w="1189280"/>
-              </a:tblGrid>
-              <a:tr h="370840">
-                <a:tc>
-                  <a:txBody>
-                    <a:bodyPr/>
-                    <a:lstStyle/>
-                    <a:p>
-                      <a:r>
-                        <a:rPr lang="en-GB" dirty="0" smtClean="0"/>
-                        <a:t>Prices</a:t>
-                      </a:r>
-                      <a:endParaRPr lang="en-GB" dirty="0"/>
-                    </a:p>
-                  </a:txBody>
-                  <a:tcPr/>
-                </a:tc>
-                <a:tc>
-                  <a:txBody>
-                    <a:bodyPr/>
-                    <a:lstStyle/>
-                    <a:p>
-                      <a:r>
-                        <a:rPr lang="en-GB" dirty="0" smtClean="0"/>
-                        <a:t>Quantities </a:t>
-                      </a:r>
-                      <a:endParaRPr lang="en-GB" dirty="0"/>
-                    </a:p>
-                  </a:txBody>
-                  <a:tcPr/>
-                </a:tc>
-              </a:tr>
-              <a:tr h="370840">
-                <a:tc>
-                  <a:txBody>
-                    <a:bodyPr/>
-                    <a:lstStyle/>
-                    <a:p>
-                      <a:r>
-                        <a:rPr lang="en-GB" dirty="0" smtClean="0"/>
-                        <a:t>10240</a:t>
-                      </a:r>
-                      <a:endParaRPr lang="en-GB" dirty="0"/>
-                    </a:p>
-                  </a:txBody>
-                  <a:tcPr>
-                    <a:solidFill>
-                      <a:schemeClr val="accent1">
-                        <a:lumMod val="60000"/>
-                        <a:lumOff val="40000"/>
-                      </a:schemeClr>
-                    </a:solidFill>
-                  </a:tcPr>
-                </a:tc>
-                <a:tc>
-                  <a:txBody>
-                    <a:bodyPr/>
-                    <a:lstStyle/>
-                    <a:p>
-                      <a:r>
-                        <a:rPr lang="en-GB" dirty="0" smtClean="0"/>
-                        <a:t>70</a:t>
-                      </a:r>
-                      <a:endParaRPr lang="en-GB" dirty="0"/>
-                    </a:p>
-                  </a:txBody>
-                  <a:tcPr>
-                    <a:solidFill>
-                      <a:schemeClr val="accent1">
-                        <a:lumMod val="60000"/>
-                        <a:lumOff val="40000"/>
-                      </a:schemeClr>
-                    </a:solidFill>
-                  </a:tcPr>
-                </a:tc>
-              </a:tr>
-              <a:tr h="370840">
-                <a:tc>
-                  <a:txBody>
-                    <a:bodyPr/>
-                    <a:lstStyle/>
-                    <a:p>
-                      <a:r>
-                        <a:rPr lang="en-GB" dirty="0" smtClean="0"/>
-                        <a:t>4720</a:t>
-                      </a:r>
-                      <a:endParaRPr lang="en-GB" dirty="0"/>
-                    </a:p>
-                  </a:txBody>
-                  <a:tcPr>
-                    <a:solidFill>
-                      <a:schemeClr val="accent1">
-                        <a:lumMod val="60000"/>
-                        <a:lumOff val="40000"/>
-                      </a:schemeClr>
-                    </a:solidFill>
-                  </a:tcPr>
-                </a:tc>
-                <a:tc>
-                  <a:txBody>
-                    <a:bodyPr/>
-                    <a:lstStyle/>
-                    <a:p>
-                      <a:r>
-                        <a:rPr lang="en-GB" dirty="0" smtClean="0"/>
-                        <a:t>96</a:t>
-                      </a:r>
-                      <a:endParaRPr lang="en-GB" dirty="0"/>
-                    </a:p>
-                  </a:txBody>
-                  <a:tcPr>
-                    <a:solidFill>
-                      <a:schemeClr val="accent1">
-                        <a:lumMod val="60000"/>
-                        <a:lumOff val="40000"/>
-                      </a:schemeClr>
-                    </a:solidFill>
-                  </a:tcPr>
-                </a:tc>
-              </a:tr>
-              <a:tr h="370840">
-                <a:tc>
-                  <a:txBody>
-                    <a:bodyPr/>
-                    <a:lstStyle/>
-                    <a:p>
-                      <a:r>
-                        <a:rPr lang="en-GB" dirty="0" smtClean="0"/>
-                        <a:t>12770</a:t>
-                      </a:r>
-                      <a:endParaRPr lang="en-GB" dirty="0"/>
-                    </a:p>
-                  </a:txBody>
-                  <a:tcPr>
-                    <a:solidFill>
-                      <a:schemeClr val="accent2"/>
-                    </a:solidFill>
-                  </a:tcPr>
-                </a:tc>
-                <a:tc>
-                  <a:txBody>
-                    <a:bodyPr/>
-                    <a:lstStyle/>
-                    <a:p>
-                      <a:r>
-                        <a:rPr lang="en-GB" dirty="0" smtClean="0"/>
-                        <a:t>50</a:t>
-                      </a:r>
-                      <a:endParaRPr lang="en-GB" dirty="0"/>
-                    </a:p>
-                  </a:txBody>
-                  <a:tcPr>
-                    <a:solidFill>
-                      <a:schemeClr val="accent2"/>
-                    </a:solidFill>
-                  </a:tcPr>
-                </a:tc>
-              </a:tr>
-              <a:tr h="370840">
-                <a:tc>
-                  <a:txBody>
-                    <a:bodyPr/>
-                    <a:lstStyle/>
-                    <a:p>
-                      <a:r>
-                        <a:rPr lang="en-GB" dirty="0" smtClean="0"/>
-                        <a:t>4420</a:t>
-                      </a:r>
-                      <a:endParaRPr lang="en-GB" dirty="0"/>
-                    </a:p>
-                  </a:txBody>
-                  <a:tcPr>
-                    <a:solidFill>
-                      <a:schemeClr val="accent2"/>
-                    </a:solidFill>
-                  </a:tcPr>
-                </a:tc>
-                <a:tc>
-                  <a:txBody>
-                    <a:bodyPr/>
-                    <a:lstStyle/>
-                    <a:p>
-                      <a:r>
-                        <a:rPr lang="en-GB" dirty="0" smtClean="0"/>
-                        <a:t>94</a:t>
-                      </a:r>
-                      <a:endParaRPr lang="en-GB" dirty="0"/>
-                    </a:p>
-                  </a:txBody>
-                  <a:tcPr>
-                    <a:solidFill>
-                      <a:schemeClr val="accent2"/>
-                    </a:solidFill>
-                  </a:tcPr>
-                </a:tc>
-              </a:tr>
-              <a:tr h="370840">
-                <a:tc>
-                  <a:txBody>
-                    <a:bodyPr/>
-                    <a:lstStyle/>
-                    <a:p>
-                      <a:r>
-                        <a:rPr lang="en-GB" dirty="0" smtClean="0"/>
-                        <a:t>9020</a:t>
-                      </a:r>
-                      <a:endParaRPr lang="en-GB" dirty="0"/>
-                    </a:p>
-                  </a:txBody>
-                  <a:tcPr>
-                    <a:solidFill>
-                      <a:schemeClr val="accent2"/>
-                    </a:solidFill>
-                  </a:tcPr>
-                </a:tc>
-                <a:tc>
-                  <a:txBody>
-                    <a:bodyPr/>
-                    <a:lstStyle/>
-                    <a:p>
-                      <a:r>
-                        <a:rPr lang="en-GB" dirty="0" smtClean="0"/>
-                        <a:t>63</a:t>
-                      </a:r>
-                      <a:endParaRPr lang="en-GB" dirty="0"/>
-                    </a:p>
-                  </a:txBody>
-                  <a:tcPr>
-                    <a:solidFill>
-                      <a:schemeClr val="accent2"/>
-                    </a:solidFill>
-                  </a:tcPr>
-                </a:tc>
-              </a:tr>
-            </a:tbl>
-          </a:graphicData>
-        </a:graphic>
-      </p:graphicFrame>
     </p:spTree>
     <p:extLst>
       <p:ext uri="{BB962C8B-B14F-4D97-AF65-F5344CB8AC3E}">
@@ -4817,12 +4286,14 @@
         </p:nvSpPr>
         <p:spPr/>
         <p:txBody>
-          <a:bodyPr/>
+          <a:bodyPr>
+            <a:normAutofit fontScale="90000"/>
+          </a:bodyPr>
           <a:lstStyle/>
           <a:p>
             <a:r>
               <a:rPr lang="en-GB" dirty="0" smtClean="0"/>
-              <a:t>Chips market in the US</a:t>
+              <a:t>Chips market in the US (X3 example)</a:t>
             </a:r>
             <a:endParaRPr lang="en-GB" dirty="0"/>
           </a:p>
@@ -5215,10 +4686,10 @@
           <a:lstStyle/>
           <a:p>
             <a:r>
-              <a:rPr lang="en-US" dirty="0" smtClean="0"/>
-              <a:t>Where is our company going to do</a:t>
-            </a:r>
-            <a:endParaRPr lang="en-US" dirty="0"/>
+              <a:rPr lang="en-GB" dirty="0" smtClean="0"/>
+              <a:t>Partnerships</a:t>
+            </a:r>
+            <a:endParaRPr lang="en-GB" dirty="0"/>
           </a:p>
         </p:txBody>
       </p:sp>
@@ -5237,14 +4708,48 @@
           <a:bodyPr/>
           <a:lstStyle/>
           <a:p>
-            <a:endParaRPr lang="en-US"/>
+            <a:r>
+              <a:rPr lang="en-GB" dirty="0" smtClean="0"/>
+              <a:t>Add any evidence of long term contracts (TODO </a:t>
+            </a:r>
+            <a:r>
+              <a:rPr lang="en-GB" dirty="0" err="1" smtClean="0"/>
+              <a:t>Anh</a:t>
+            </a:r>
+            <a:r>
+              <a:rPr lang="en-GB" dirty="0" smtClean="0"/>
+              <a:t>-Dung, in charge of </a:t>
+            </a:r>
+            <a:r>
+              <a:rPr lang="en-GB" dirty="0" err="1" smtClean="0"/>
+              <a:t>negociation</a:t>
+            </a:r>
+            <a:r>
+              <a:rPr lang="en-GB" dirty="0" smtClean="0"/>
+              <a:t> </a:t>
+            </a:r>
+            <a:r>
+              <a:rPr lang="en-GB" dirty="0" smtClean="0">
+                <a:sym typeface="Wingdings" pitchFamily="2" charset="2"/>
+              </a:rPr>
+              <a:t> ) </a:t>
+            </a:r>
+          </a:p>
+          <a:p>
+            <a:r>
+              <a:rPr lang="en-GB" dirty="0" smtClean="0">
+                <a:sym typeface="Wingdings" pitchFamily="2" charset="2"/>
+              </a:rPr>
+              <a:t>Just a few example of what we have and will get </a:t>
+            </a:r>
+            <a:endParaRPr lang="en-GB" dirty="0"/>
           </a:p>
         </p:txBody>
       </p:sp>
     </p:spTree>
     <p:extLst>
       <p:ext uri="{BB962C8B-B14F-4D97-AF65-F5344CB8AC3E}">
-        <p14:creationId xmlns:p14="http://schemas.microsoft.com/office/powerpoint/2010/main" val="3813620355"/>
+        <p14:creationId xmlns:p14="http://schemas.microsoft.com/office/powerpoint/2010/main" val="582739896"/>
       </p:ext>
     </p:extLst>
   </p:cSld>
@@ -5287,9 +4792,10 @@
           <a:lstStyle/>
           <a:p>
             <a:r>
-              <a:rPr lang="en-US" dirty="0"/>
+              <a:rPr lang="en-US" dirty="0" smtClean="0"/>
               <a:t>Where is our company going to do</a:t>
             </a:r>
+            <a:endParaRPr lang="en-US" dirty="0"/>
           </a:p>
         </p:txBody>
       </p:sp>
@@ -5308,30 +4814,14 @@
           <a:bodyPr/>
           <a:lstStyle/>
           <a:p>
-            <a:r>
-              <a:rPr lang="en-US" dirty="0" smtClean="0"/>
-              <a:t>Long-term contracts with Co. 8</a:t>
-            </a:r>
-          </a:p>
-          <a:p>
-            <a:r>
-              <a:rPr lang="en-US" dirty="0" smtClean="0"/>
-              <a:t>…</a:t>
-            </a:r>
-          </a:p>
-          <a:p>
-            <a:r>
-              <a:rPr lang="en-US" smtClean="0"/>
-              <a:t>…</a:t>
-            </a:r>
-            <a:endParaRPr lang="en-US" dirty="0"/>
+            <a:endParaRPr lang="en-US"/>
           </a:p>
         </p:txBody>
       </p:sp>
     </p:spTree>
     <p:extLst>
       <p:ext uri="{BB962C8B-B14F-4D97-AF65-F5344CB8AC3E}">
-        <p14:creationId xmlns:p14="http://schemas.microsoft.com/office/powerpoint/2010/main" val="246109485"/>
+        <p14:creationId xmlns:p14="http://schemas.microsoft.com/office/powerpoint/2010/main" val="3813620355"/>
       </p:ext>
     </p:extLst>
   </p:cSld>
@@ -5374,28 +4864,43 @@
           <a:lstStyle/>
           <a:p>
             <a:r>
+              <a:rPr lang="en-US" dirty="0"/>
+              <a:t>Where is our company going to do</a:t>
+            </a:r>
+          </a:p>
+        </p:txBody>
+      </p:sp>
+      <p:sp>
+        <p:nvSpPr>
+          <p:cNvPr id="3" name="Content Placeholder 2"/>
+          <p:cNvSpPr>
+            <a:spLocks noGrp="1"/>
+          </p:cNvSpPr>
+          <p:nvPr>
+            <p:ph idx="1"/>
+          </p:nvPr>
+        </p:nvSpPr>
+        <p:spPr/>
+        <p:txBody>
+          <a:bodyPr/>
+          <a:lstStyle/>
+          <a:p>
+            <a:r>
               <a:rPr lang="en-US" dirty="0" smtClean="0"/>
-              <a:t>Personal and team learning</a:t>
-            </a:r>
-            <a:endParaRPr lang="en-US" dirty="0"/>
-          </a:p>
-        </p:txBody>
-      </p:sp>
-      <p:sp>
-        <p:nvSpPr>
-          <p:cNvPr id="3" name="Content Placeholder 2"/>
-          <p:cNvSpPr>
-            <a:spLocks noGrp="1"/>
-          </p:cNvSpPr>
-          <p:nvPr>
-            <p:ph idx="1"/>
-          </p:nvPr>
-        </p:nvSpPr>
-        <p:spPr/>
-        <p:txBody>
-          <a:bodyPr/>
-          <a:lstStyle/>
-          <a:p>
+              <a:t>Long-term contracts with Co. 8</a:t>
+            </a:r>
+          </a:p>
+          <a:p>
+            <a:r>
+              <a:rPr lang="en-US" dirty="0" smtClean="0"/>
+              <a:t>…</a:t>
+            </a:r>
+          </a:p>
+          <a:p>
+            <a:r>
+              <a:rPr lang="en-US" smtClean="0"/>
+              <a:t>…</a:t>
+            </a:r>
             <a:endParaRPr lang="en-US" dirty="0"/>
           </a:p>
         </p:txBody>
@@ -5403,7 +4908,7 @@
     </p:spTree>
     <p:extLst>
       <p:ext uri="{BB962C8B-B14F-4D97-AF65-F5344CB8AC3E}">
-        <p14:creationId xmlns:p14="http://schemas.microsoft.com/office/powerpoint/2010/main" val="174890009"/>
+        <p14:creationId xmlns:p14="http://schemas.microsoft.com/office/powerpoint/2010/main" val="246109485"/>
       </p:ext>
     </p:extLst>
   </p:cSld>
@@ -5446,6 +4951,78 @@
           <a:lstStyle/>
           <a:p>
             <a:r>
+              <a:rPr lang="en-US" dirty="0" smtClean="0"/>
+              <a:t>Personal and team learning</a:t>
+            </a:r>
+            <a:endParaRPr lang="en-US" dirty="0"/>
+          </a:p>
+        </p:txBody>
+      </p:sp>
+      <p:sp>
+        <p:nvSpPr>
+          <p:cNvPr id="3" name="Content Placeholder 2"/>
+          <p:cNvSpPr>
+            <a:spLocks noGrp="1"/>
+          </p:cNvSpPr>
+          <p:nvPr>
+            <p:ph idx="1"/>
+          </p:nvPr>
+        </p:nvSpPr>
+        <p:spPr/>
+        <p:txBody>
+          <a:bodyPr/>
+          <a:lstStyle/>
+          <a:p>
+            <a:endParaRPr lang="en-US" dirty="0"/>
+          </a:p>
+        </p:txBody>
+      </p:sp>
+    </p:spTree>
+    <p:extLst>
+      <p:ext uri="{BB962C8B-B14F-4D97-AF65-F5344CB8AC3E}">
+        <p14:creationId xmlns:p14="http://schemas.microsoft.com/office/powerpoint/2010/main" val="174890009"/>
+      </p:ext>
+    </p:extLst>
+  </p:cSld>
+  <p:clrMapOvr>
+    <a:masterClrMapping/>
+  </p:clrMapOvr>
+</p:sld>
+</file>
+
+<file path=ppt/slides/slide16.xml><?xml version="1.0" encoding="utf-8"?>
+<p:sld xmlns:a="http://schemas.openxmlformats.org/drawingml/2006/main" xmlns:r="http://schemas.openxmlformats.org/officeDocument/2006/relationships" xmlns:p="http://schemas.openxmlformats.org/presentationml/2006/main">
+  <p:cSld>
+    <p:spTree>
+      <p:nvGrpSpPr>
+        <p:cNvPr id="1" name=""/>
+        <p:cNvGrpSpPr/>
+        <p:nvPr/>
+      </p:nvGrpSpPr>
+      <p:grpSpPr>
+        <a:xfrm>
+          <a:off x="0" y="0"/>
+          <a:ext cx="0" cy="0"/>
+          <a:chOff x="0" y="0"/>
+          <a:chExt cx="0" cy="0"/>
+        </a:xfrm>
+      </p:grpSpPr>
+      <p:sp>
+        <p:nvSpPr>
+          <p:cNvPr id="2" name="Title 1"/>
+          <p:cNvSpPr>
+            <a:spLocks noGrp="1"/>
+          </p:cNvSpPr>
+          <p:nvPr>
+            <p:ph type="title"/>
+          </p:nvPr>
+        </p:nvSpPr>
+        <p:spPr/>
+        <p:txBody>
+          <a:bodyPr/>
+          <a:lstStyle/>
+          <a:p>
+            <a:r>
               <a:rPr lang="en-US" dirty="0" err="1" smtClean="0"/>
               <a:t>Anh</a:t>
             </a:r>
@@ -5499,7 +5076,7 @@
 </p:sld>
 </file>
 
-<file path=ppt/slides/slide16.xml><?xml version="1.0" encoding="utf-8"?>
+<file path=ppt/slides/slide17.xml><?xml version="1.0" encoding="utf-8"?>
 <p:sld xmlns:a="http://schemas.openxmlformats.org/drawingml/2006/main" xmlns:r="http://schemas.openxmlformats.org/officeDocument/2006/relationships" xmlns:p="http://schemas.openxmlformats.org/presentationml/2006/main">
   <p:cSld>
     <p:spTree>

--- a/Documents/Final_Presentation.pptx
+++ b/Documents/Final_Presentation.pptx
@@ -1,12 +1,15 @@
 
 <file path=ppt/presentation.xml><?xml version="1.0" encoding="utf-8"?>
-<p:presentation xmlns:a="http://schemas.openxmlformats.org/drawingml/2006/main" xmlns:r="http://schemas.openxmlformats.org/officeDocument/2006/relationships" xmlns:p="http://schemas.openxmlformats.org/presentationml/2006/main" saveSubsetFonts="1" autoCompressPictures="0">
+<p:presentation xmlns:a="http://schemas.openxmlformats.org/drawingml/2006/main" xmlns:r="http://schemas.openxmlformats.org/officeDocument/2006/relationships" xmlns:p="http://schemas.openxmlformats.org/presentationml/2006/main" showSpecialPlsOnTitleSld="0" saveSubsetFonts="1" autoCompressPictures="0">
   <p:sldMasterIdLst>
-    <p:sldMasterId id="2147483693" r:id="rId1"/>
+    <p:sldMasterId id="2147483799" r:id="rId1"/>
   </p:sldMasterIdLst>
   <p:notesMasterIdLst>
     <p:notesMasterId r:id="rId29"/>
   </p:notesMasterIdLst>
+  <p:handoutMasterIdLst>
+    <p:handoutMasterId r:id="rId30"/>
+  </p:handoutMasterIdLst>
   <p:sldIdLst>
     <p:sldId id="256" r:id="rId2"/>
     <p:sldId id="257" r:id="rId3"/>
@@ -395,11 +398,11 @@
         </c:dLbls>
         <c:gapWidth val="75"/>
         <c:overlap val="-25"/>
-        <c:axId val="1982014952"/>
-        <c:axId val="1982454216"/>
+        <c:axId val="2139423272"/>
+        <c:axId val="2139420280"/>
       </c:barChart>
       <c:catAx>
-        <c:axId val="1982014952"/>
+        <c:axId val="2139423272"/>
         <c:scaling>
           <c:orientation val="minMax"/>
         </c:scaling>
@@ -408,7 +411,7 @@
         <c:majorTickMark val="none"/>
         <c:minorTickMark val="none"/>
         <c:tickLblPos val="nextTo"/>
-        <c:crossAx val="1982454216"/>
+        <c:crossAx val="2139420280"/>
         <c:crosses val="autoZero"/>
         <c:auto val="1"/>
         <c:lblAlgn val="ctr"/>
@@ -416,7 +419,7 @@
         <c:noMultiLvlLbl val="0"/>
       </c:catAx>
       <c:valAx>
-        <c:axId val="1982454216"/>
+        <c:axId val="2139420280"/>
         <c:scaling>
           <c:orientation val="minMax"/>
         </c:scaling>
@@ -432,7 +435,7 @@
             <a:noFill/>
           </a:ln>
         </c:spPr>
-        <c:crossAx val="1982014952"/>
+        <c:crossAx val="2139423272"/>
         <c:crosses val="autoZero"/>
         <c:crossBetween val="between"/>
       </c:valAx>
@@ -715,11 +718,11 @@
         </c:dLbls>
         <c:gapWidth val="75"/>
         <c:overlap val="-25"/>
-        <c:axId val="1940627448"/>
-        <c:axId val="1867155944"/>
+        <c:axId val="-2130073736"/>
+        <c:axId val="-2130070760"/>
       </c:barChart>
       <c:catAx>
-        <c:axId val="1940627448"/>
+        <c:axId val="-2130073736"/>
         <c:scaling>
           <c:orientation val="minMax"/>
         </c:scaling>
@@ -728,7 +731,7 @@
         <c:majorTickMark val="none"/>
         <c:minorTickMark val="none"/>
         <c:tickLblPos val="nextTo"/>
-        <c:crossAx val="1867155944"/>
+        <c:crossAx val="-2130070760"/>
         <c:crosses val="autoZero"/>
         <c:auto val="1"/>
         <c:lblAlgn val="ctr"/>
@@ -736,7 +739,7 @@
         <c:noMultiLvlLbl val="0"/>
       </c:catAx>
       <c:valAx>
-        <c:axId val="1867155944"/>
+        <c:axId val="-2130070760"/>
         <c:scaling>
           <c:orientation val="minMax"/>
         </c:scaling>
@@ -747,7 +750,7 @@
         <c:majorTickMark val="none"/>
         <c:minorTickMark val="none"/>
         <c:tickLblPos val="nextTo"/>
-        <c:crossAx val="1940627448"/>
+        <c:crossAx val="-2130073736"/>
         <c:crosses val="autoZero"/>
         <c:crossBetween val="between"/>
       </c:valAx>
@@ -1070,11 +1073,11 @@
         </c:dLbls>
         <c:marker val="1"/>
         <c:smooth val="0"/>
-        <c:axId val="1863898584"/>
-        <c:axId val="1863789480"/>
+        <c:axId val="-2130029944"/>
+        <c:axId val="-2130026968"/>
       </c:lineChart>
       <c:catAx>
-        <c:axId val="1863898584"/>
+        <c:axId val="-2130029944"/>
         <c:scaling>
           <c:orientation val="minMax"/>
         </c:scaling>
@@ -1083,7 +1086,7 @@
         <c:majorTickMark val="out"/>
         <c:minorTickMark val="none"/>
         <c:tickLblPos val="nextTo"/>
-        <c:crossAx val="1863789480"/>
+        <c:crossAx val="-2130026968"/>
         <c:crosses val="autoZero"/>
         <c:auto val="1"/>
         <c:lblAlgn val="ctr"/>
@@ -1091,7 +1094,7 @@
         <c:noMultiLvlLbl val="0"/>
       </c:catAx>
       <c:valAx>
-        <c:axId val="1863789480"/>
+        <c:axId val="-2130026968"/>
         <c:scaling>
           <c:orientation val="minMax"/>
         </c:scaling>
@@ -1102,7 +1105,7 @@
         <c:majorTickMark val="out"/>
         <c:minorTickMark val="none"/>
         <c:tickLblPos val="nextTo"/>
-        <c:crossAx val="1863898584"/>
+        <c:crossAx val="-2130029944"/>
         <c:crosses val="autoZero"/>
         <c:crossBetween val="between"/>
       </c:valAx>
@@ -1537,8 +1540,8 @@
           <c:showBubbleSize val="0"/>
         </c:dLbls>
         <c:gapWidth val="150"/>
-        <c:axId val="1943151224"/>
-        <c:axId val="1943925000"/>
+        <c:axId val="-2129885144"/>
+        <c:axId val="-2129882168"/>
       </c:barChart>
       <c:lineChart>
         <c:grouping val="standard"/>
@@ -1785,11 +1788,11 @@
         </c:dLbls>
         <c:marker val="1"/>
         <c:smooth val="0"/>
-        <c:axId val="1943151224"/>
-        <c:axId val="1943925000"/>
+        <c:axId val="-2129885144"/>
+        <c:axId val="-2129882168"/>
       </c:lineChart>
       <c:catAx>
-        <c:axId val="1943151224"/>
+        <c:axId val="-2129885144"/>
         <c:scaling>
           <c:orientation val="minMax"/>
         </c:scaling>
@@ -1798,7 +1801,7 @@
         <c:majorTickMark val="out"/>
         <c:minorTickMark val="none"/>
         <c:tickLblPos val="nextTo"/>
-        <c:crossAx val="1943925000"/>
+        <c:crossAx val="-2129882168"/>
         <c:crosses val="autoZero"/>
         <c:auto val="1"/>
         <c:lblAlgn val="ctr"/>
@@ -1806,7 +1809,7 @@
         <c:noMultiLvlLbl val="0"/>
       </c:catAx>
       <c:valAx>
-        <c:axId val="1943925000"/>
+        <c:axId val="-2129882168"/>
         <c:scaling>
           <c:orientation val="minMax"/>
         </c:scaling>
@@ -1817,7 +1820,7 @@
         <c:majorTickMark val="out"/>
         <c:minorTickMark val="none"/>
         <c:tickLblPos val="nextTo"/>
-        <c:crossAx val="1943151224"/>
+        <c:crossAx val="-2129885144"/>
         <c:crosses val="autoZero"/>
         <c:crossBetween val="between"/>
       </c:valAx>
@@ -1978,11 +1981,11 @@
           <c:showBubbleSize val="0"/>
         </c:dLbls>
         <c:gapWidth val="150"/>
-        <c:axId val="1966852984"/>
-        <c:axId val="1969728152"/>
+        <c:axId val="-2129857528"/>
+        <c:axId val="-2129854584"/>
       </c:barChart>
       <c:catAx>
-        <c:axId val="1966852984"/>
+        <c:axId val="-2129857528"/>
         <c:scaling>
           <c:orientation val="minMax"/>
         </c:scaling>
@@ -1991,7 +1994,7 @@
         <c:majorTickMark val="out"/>
         <c:minorTickMark val="none"/>
         <c:tickLblPos val="nextTo"/>
-        <c:crossAx val="1969728152"/>
+        <c:crossAx val="-2129854584"/>
         <c:crosses val="autoZero"/>
         <c:auto val="1"/>
         <c:lblAlgn val="ctr"/>
@@ -1999,7 +2002,7 @@
         <c:noMultiLvlLbl val="0"/>
       </c:catAx>
       <c:valAx>
-        <c:axId val="1969728152"/>
+        <c:axId val="-2129854584"/>
         <c:scaling>
           <c:orientation val="minMax"/>
         </c:scaling>
@@ -2010,7 +2013,7 @@
         <c:majorTickMark val="out"/>
         <c:minorTickMark val="none"/>
         <c:tickLblPos val="nextTo"/>
-        <c:crossAx val="1966852984"/>
+        <c:crossAx val="-2129857528"/>
         <c:crosses val="autoZero"/>
         <c:crossBetween val="between"/>
       </c:valAx>
@@ -2198,11 +2201,11 @@
           <c:showPercent val="0"/>
           <c:showBubbleSize val="0"/>
         </c:dLbls>
-        <c:axId val="1866214776"/>
-        <c:axId val="1866220264"/>
+        <c:axId val="-2130243016"/>
+        <c:axId val="-2130248504"/>
       </c:scatterChart>
       <c:valAx>
-        <c:axId val="1866214776"/>
+        <c:axId val="-2130243016"/>
         <c:scaling>
           <c:orientation val="minMax"/>
         </c:scaling>
@@ -2231,12 +2234,12 @@
         <c:majorTickMark val="none"/>
         <c:minorTickMark val="none"/>
         <c:tickLblPos val="nextTo"/>
-        <c:crossAx val="1866220264"/>
+        <c:crossAx val="-2130248504"/>
         <c:crosses val="autoZero"/>
         <c:crossBetween val="midCat"/>
       </c:valAx>
       <c:valAx>
-        <c:axId val="1866220264"/>
+        <c:axId val="-2130248504"/>
         <c:scaling>
           <c:orientation val="minMax"/>
         </c:scaling>
@@ -2266,7 +2269,7 @@
         <c:majorTickMark val="none"/>
         <c:minorTickMark val="none"/>
         <c:tickLblPos val="nextTo"/>
-        <c:crossAx val="1866214776"/>
+        <c:crossAx val="-2130243016"/>
         <c:crosses val="autoZero"/>
         <c:crossBetween val="midCat"/>
       </c:valAx>
@@ -2589,11 +2592,11 @@
         </c:dLbls>
         <c:marker val="1"/>
         <c:smooth val="0"/>
-        <c:axId val="1982704056"/>
-        <c:axId val="1939310712"/>
+        <c:axId val="2139352888"/>
+        <c:axId val="2139349896"/>
       </c:lineChart>
       <c:catAx>
-        <c:axId val="1982704056"/>
+        <c:axId val="2139352888"/>
         <c:scaling>
           <c:orientation val="minMax"/>
         </c:scaling>
@@ -2602,7 +2605,7 @@
         <c:majorTickMark val="out"/>
         <c:minorTickMark val="none"/>
         <c:tickLblPos val="nextTo"/>
-        <c:crossAx val="1939310712"/>
+        <c:crossAx val="2139349896"/>
         <c:crosses val="autoZero"/>
         <c:auto val="1"/>
         <c:lblAlgn val="ctr"/>
@@ -2610,7 +2613,7 @@
         <c:noMultiLvlLbl val="0"/>
       </c:catAx>
       <c:valAx>
-        <c:axId val="1939310712"/>
+        <c:axId val="2139349896"/>
         <c:scaling>
           <c:orientation val="minMax"/>
         </c:scaling>
@@ -2621,7 +2624,7 @@
         <c:majorTickMark val="out"/>
         <c:minorTickMark val="none"/>
         <c:tickLblPos val="nextTo"/>
-        <c:crossAx val="1982704056"/>
+        <c:crossAx val="2139352888"/>
         <c:crosses val="autoZero"/>
         <c:crossBetween val="between"/>
       </c:valAx>
@@ -3282,11 +3285,11 @@
         </c:dLbls>
         <c:gapWidth val="75"/>
         <c:overlap val="-25"/>
-        <c:axId val="1867216024"/>
-        <c:axId val="1964777336"/>
+        <c:axId val="2139206536"/>
+        <c:axId val="2139203608"/>
       </c:barChart>
       <c:catAx>
-        <c:axId val="1867216024"/>
+        <c:axId val="2139206536"/>
         <c:scaling>
           <c:orientation val="minMax"/>
         </c:scaling>
@@ -3295,7 +3298,7 @@
         <c:majorTickMark val="none"/>
         <c:minorTickMark val="none"/>
         <c:tickLblPos val="nextTo"/>
-        <c:crossAx val="1964777336"/>
+        <c:crossAx val="2139203608"/>
         <c:crosses val="autoZero"/>
         <c:auto val="1"/>
         <c:lblAlgn val="ctr"/>
@@ -3303,7 +3306,7 @@
         <c:noMultiLvlLbl val="0"/>
       </c:catAx>
       <c:valAx>
-        <c:axId val="1964777336"/>
+        <c:axId val="2139203608"/>
         <c:scaling>
           <c:orientation val="minMax"/>
         </c:scaling>
@@ -3324,7 +3327,7 @@
             <a:endParaRPr lang="en-US"/>
           </a:p>
         </c:txPr>
-        <c:crossAx val="1867216024"/>
+        <c:crossAx val="2139206536"/>
         <c:crosses val="autoZero"/>
         <c:crossBetween val="between"/>
       </c:valAx>
@@ -3654,11 +3657,11 @@
         </c:dLbls>
         <c:marker val="1"/>
         <c:smooth val="0"/>
-        <c:axId val="1980655464"/>
-        <c:axId val="1865529480"/>
+        <c:axId val="2139166968"/>
+        <c:axId val="2139163976"/>
       </c:lineChart>
       <c:catAx>
-        <c:axId val="1980655464"/>
+        <c:axId val="2139166968"/>
         <c:scaling>
           <c:orientation val="minMax"/>
         </c:scaling>
@@ -3667,7 +3670,7 @@
         <c:majorTickMark val="out"/>
         <c:minorTickMark val="none"/>
         <c:tickLblPos val="nextTo"/>
-        <c:crossAx val="1865529480"/>
+        <c:crossAx val="2139163976"/>
         <c:crosses val="autoZero"/>
         <c:auto val="1"/>
         <c:lblAlgn val="ctr"/>
@@ -3675,7 +3678,7 @@
         <c:noMultiLvlLbl val="0"/>
       </c:catAx>
       <c:valAx>
-        <c:axId val="1865529480"/>
+        <c:axId val="2139163976"/>
         <c:scaling>
           <c:orientation val="minMax"/>
         </c:scaling>
@@ -3686,7 +3689,7 @@
         <c:majorTickMark val="out"/>
         <c:minorTickMark val="none"/>
         <c:tickLblPos val="nextTo"/>
-        <c:crossAx val="1980655464"/>
+        <c:crossAx val="2139166968"/>
         <c:crosses val="autoZero"/>
         <c:crossBetween val="between"/>
       </c:valAx>
@@ -4310,6 +4313,172 @@
 </c:chartSpace>
 </file>
 
+<file path=ppt/handoutMasters/handoutMaster1.xml><?xml version="1.0" encoding="utf-8"?>
+<p:handoutMaster xmlns:a="http://schemas.openxmlformats.org/drawingml/2006/main" xmlns:r="http://schemas.openxmlformats.org/officeDocument/2006/relationships" xmlns:p="http://schemas.openxmlformats.org/presentationml/2006/main">
+  <p:cSld>
+    <p:bg>
+      <p:bgRef idx="1001">
+        <a:schemeClr val="bg1"/>
+      </p:bgRef>
+    </p:bg>
+    <p:spTree>
+      <p:nvGrpSpPr>
+        <p:cNvPr id="1" name=""/>
+        <p:cNvGrpSpPr/>
+        <p:nvPr/>
+      </p:nvGrpSpPr>
+      <p:grpSpPr>
+        <a:xfrm>
+          <a:off x="0" y="0"/>
+          <a:ext cx="0" cy="0"/>
+          <a:chOff x="0" y="0"/>
+          <a:chExt cx="0" cy="0"/>
+        </a:xfrm>
+      </p:grpSpPr>
+      <p:sp>
+        <p:nvSpPr>
+          <p:cNvPr id="2" name="Header Placeholder 1"/>
+          <p:cNvSpPr>
+            <a:spLocks noGrp="1"/>
+          </p:cNvSpPr>
+          <p:nvPr>
+            <p:ph type="hdr" sz="quarter"/>
+          </p:nvPr>
+        </p:nvSpPr>
+        <p:spPr>
+          <a:xfrm>
+            <a:off x="0" y="0"/>
+            <a:ext cx="2971800" cy="457200"/>
+          </a:xfrm>
+          <a:prstGeom prst="rect">
+            <a:avLst/>
+          </a:prstGeom>
+        </p:spPr>
+        <p:txBody>
+          <a:bodyPr vert="horz" lIns="91440" tIns="45720" rIns="91440" bIns="45720" rtlCol="0"/>
+          <a:lstStyle>
+            <a:lvl1pPr algn="l">
+              <a:defRPr sz="1200"/>
+            </a:lvl1pPr>
+          </a:lstStyle>
+          <a:p>
+            <a:endParaRPr lang="en-US"/>
+          </a:p>
+        </p:txBody>
+      </p:sp>
+      <p:sp>
+        <p:nvSpPr>
+          <p:cNvPr id="3" name="Date Placeholder 2"/>
+          <p:cNvSpPr>
+            <a:spLocks noGrp="1"/>
+          </p:cNvSpPr>
+          <p:nvPr>
+            <p:ph type="dt" sz="quarter" idx="1"/>
+          </p:nvPr>
+        </p:nvSpPr>
+        <p:spPr>
+          <a:xfrm>
+            <a:off x="3884613" y="0"/>
+            <a:ext cx="2971800" cy="457200"/>
+          </a:xfrm>
+          <a:prstGeom prst="rect">
+            <a:avLst/>
+          </a:prstGeom>
+        </p:spPr>
+        <p:txBody>
+          <a:bodyPr vert="horz" lIns="91440" tIns="45720" rIns="91440" bIns="45720" rtlCol="0"/>
+          <a:lstStyle>
+            <a:lvl1pPr algn="r">
+              <a:defRPr sz="1200"/>
+            </a:lvl1pPr>
+          </a:lstStyle>
+          <a:p>
+            <a:fld id="{8A9270B6-04E8-6D41-9382-ABD453EC71C3}" type="datetimeFigureOut">
+              <a:rPr lang="en-US" smtClean="0"/>
+              <a:t>6/4/13</a:t>
+            </a:fld>
+            <a:endParaRPr lang="en-US"/>
+          </a:p>
+        </p:txBody>
+      </p:sp>
+      <p:sp>
+        <p:nvSpPr>
+          <p:cNvPr id="4" name="Footer Placeholder 3"/>
+          <p:cNvSpPr>
+            <a:spLocks noGrp="1"/>
+          </p:cNvSpPr>
+          <p:nvPr>
+            <p:ph type="ftr" sz="quarter" idx="2"/>
+          </p:nvPr>
+        </p:nvSpPr>
+        <p:spPr>
+          <a:xfrm>
+            <a:off x="0" y="8685213"/>
+            <a:ext cx="2971800" cy="457200"/>
+          </a:xfrm>
+          <a:prstGeom prst="rect">
+            <a:avLst/>
+          </a:prstGeom>
+        </p:spPr>
+        <p:txBody>
+          <a:bodyPr vert="horz" lIns="91440" tIns="45720" rIns="91440" bIns="45720" rtlCol="0" anchor="b"/>
+          <a:lstStyle>
+            <a:lvl1pPr algn="l">
+              <a:defRPr sz="1200"/>
+            </a:lvl1pPr>
+          </a:lstStyle>
+          <a:p>
+            <a:endParaRPr lang="en-US"/>
+          </a:p>
+        </p:txBody>
+      </p:sp>
+      <p:sp>
+        <p:nvSpPr>
+          <p:cNvPr id="5" name="Slide Number Placeholder 4"/>
+          <p:cNvSpPr>
+            <a:spLocks noGrp="1"/>
+          </p:cNvSpPr>
+          <p:nvPr>
+            <p:ph type="sldNum" sz="quarter" idx="3"/>
+          </p:nvPr>
+        </p:nvSpPr>
+        <p:spPr>
+          <a:xfrm>
+            <a:off x="3884613" y="8685213"/>
+            <a:ext cx="2971800" cy="457200"/>
+          </a:xfrm>
+          <a:prstGeom prst="rect">
+            <a:avLst/>
+          </a:prstGeom>
+        </p:spPr>
+        <p:txBody>
+          <a:bodyPr vert="horz" lIns="91440" tIns="45720" rIns="91440" bIns="45720" rtlCol="0" anchor="b"/>
+          <a:lstStyle>
+            <a:lvl1pPr algn="r">
+              <a:defRPr sz="1200"/>
+            </a:lvl1pPr>
+          </a:lstStyle>
+          <a:p>
+            <a:fld id="{E7CA48B8-C911-9B48-A873-E71A4BF100FB}" type="slidenum">
+              <a:rPr lang="en-US" smtClean="0"/>
+              <a:t>‹#›</a:t>
+            </a:fld>
+            <a:endParaRPr lang="en-US"/>
+          </a:p>
+        </p:txBody>
+      </p:sp>
+    </p:spTree>
+    <p:extLst>
+      <p:ext uri="{BB962C8B-B14F-4D97-AF65-F5344CB8AC3E}">
+        <p14:creationId xmlns:p14="http://schemas.microsoft.com/office/powerpoint/2010/main" val="1090420616"/>
+      </p:ext>
+    </p:extLst>
+  </p:cSld>
+  <p:clrMap bg1="lt1" tx1="dk1" bg2="lt2" tx2="dk2" accent1="accent1" accent2="accent2" accent3="accent3" accent4="accent4" accent5="accent5" accent6="accent6" hlink="hlink" folHlink="folHlink"/>
+  <p:hf hdr="0" ftr="0" dt="0"/>
+</p:handoutMaster>
+</file>
+
 <file path=ppt/notesMasters/notesMaster1.xml><?xml version="1.0" encoding="utf-8"?>
 <p:notesMaster xmlns:a="http://schemas.openxmlformats.org/drawingml/2006/main" xmlns:r="http://schemas.openxmlformats.org/officeDocument/2006/relationships" xmlns:p="http://schemas.openxmlformats.org/presentationml/2006/main">
   <p:cSld>
@@ -4392,7 +4561,7 @@
           <a:p>
             <a:fld id="{BD8359DF-E153-0548-9C60-543CDCE44A2A}" type="datetimeFigureOut">
               <a:rPr lang="en-US" smtClean="0"/>
-              <a:t>6/3/13</a:t>
+              <a:t>6/4/13</a:t>
             </a:fld>
             <a:endParaRPr lang="en-US"/>
           </a:p>
@@ -4565,6 +4734,7 @@
     </p:extLst>
   </p:cSld>
   <p:clrMap bg1="lt1" tx1="dk1" bg2="lt2" tx2="dk2" accent1="accent1" accent2="accent2" accent3="accent3" accent4="accent4" accent5="accent5" accent6="accent6" hlink="hlink" folHlink="folHlink"/>
+  <p:hf hdr="0" ftr="0" dt="0"/>
   <p:notesStyle>
     <a:lvl1pPr marL="0" algn="l" defTabSz="457200" rtl="0" eaLnBrk="1" latinLnBrk="0" hangingPunct="1">
       <a:defRPr sz="1200" kern="1200">
@@ -5286,9 +5456,9 @@
           <a:bodyPr/>
           <a:lstStyle/>
           <a:p>
-            <a:fld id="{06EC5996-89EF-CC48-B1A1-5D344D221715}" type="datetimeFigureOut">
+            <a:fld id="{B16864CD-2458-DF47-9003-365F3E19DBC9}" type="datetime1">
               <a:rPr lang="en-US" smtClean="0"/>
-              <a:t>6/3/13</a:t>
+              <a:t>6/4/13</a:t>
             </a:fld>
             <a:endParaRPr lang="en-US"/>
           </a:p>
@@ -5309,6 +5479,10 @@
           <a:bodyPr/>
           <a:lstStyle/>
           <a:p>
+            <a:r>
+              <a:rPr lang="cs-CZ" smtClean="0"/>
+              <a:t>ModTech Company</a:t>
+            </a:r>
             <a:endParaRPr lang="en-US"/>
           </a:p>
         </p:txBody>
@@ -5479,9 +5653,9 @@
           <a:bodyPr/>
           <a:lstStyle/>
           <a:p>
-            <a:fld id="{06EC5996-89EF-CC48-B1A1-5D344D221715}" type="datetimeFigureOut">
+            <a:fld id="{63F3D76A-11CA-674B-AA7D-D3932D011306}" type="datetime1">
               <a:rPr lang="en-US" smtClean="0"/>
-              <a:t>6/3/13</a:t>
+              <a:t>6/4/13</a:t>
             </a:fld>
             <a:endParaRPr lang="en-US"/>
           </a:p>
@@ -5502,6 +5676,10 @@
           <a:bodyPr/>
           <a:lstStyle/>
           <a:p>
+            <a:r>
+              <a:rPr lang="cs-CZ" smtClean="0"/>
+              <a:t>ModTech Company</a:t>
+            </a:r>
             <a:endParaRPr lang="en-US"/>
           </a:p>
         </p:txBody>
@@ -5748,9 +5926,9 @@
           <a:bodyPr/>
           <a:lstStyle/>
           <a:p>
-            <a:fld id="{06EC5996-89EF-CC48-B1A1-5D344D221715}" type="datetimeFigureOut">
+            <a:fld id="{E20F1D54-B9B4-4444-8043-766053536B8E}" type="datetime1">
               <a:rPr lang="en-US" smtClean="0"/>
-              <a:t>6/3/13</a:t>
+              <a:t>6/4/13</a:t>
             </a:fld>
             <a:endParaRPr lang="en-US"/>
           </a:p>
@@ -5771,6 +5949,10 @@
           <a:bodyPr/>
           <a:lstStyle/>
           <a:p>
+            <a:r>
+              <a:rPr lang="cs-CZ" smtClean="0"/>
+              <a:t>ModTech Company</a:t>
+            </a:r>
             <a:endParaRPr lang="en-US"/>
           </a:p>
         </p:txBody>
@@ -5927,9 +6109,9 @@
           <a:bodyPr/>
           <a:lstStyle/>
           <a:p>
-            <a:fld id="{06EC5996-89EF-CC48-B1A1-5D344D221715}" type="datetimeFigureOut">
+            <a:fld id="{BBCD7C15-3305-2E43-8BAD-981D65408A90}" type="datetime1">
               <a:rPr lang="en-US" smtClean="0"/>
-              <a:t>6/3/13</a:t>
+              <a:t>6/4/13</a:t>
             </a:fld>
             <a:endParaRPr lang="en-US"/>
           </a:p>
@@ -5950,6 +6132,10 @@
           <a:bodyPr/>
           <a:lstStyle/>
           <a:p>
+            <a:r>
+              <a:rPr lang="cs-CZ" smtClean="0"/>
+              <a:t>ModTech Company</a:t>
+            </a:r>
             <a:endParaRPr lang="en-US"/>
           </a:p>
         </p:txBody>
@@ -6096,11 +6282,11 @@
           <a:bodyPr/>
           <a:lstStyle/>
           <a:p>
-            <a:fld id="{06EC5996-89EF-CC48-B1A1-5D344D221715}" type="datetimeFigureOut">
+            <a:fld id="{DDD3372F-B792-564C-B891-A39560F337D0}" type="datetime1">
               <a:rPr lang="en-US" smtClean="0"/>
-              <a:t>6/3/13</a:t>
+              <a:t>6/4/13</a:t>
             </a:fld>
-            <a:endParaRPr lang="en-US"/>
+            <a:endParaRPr lang="en-US" dirty="0"/>
           </a:p>
         </p:txBody>
       </p:sp>
@@ -6119,6 +6305,10 @@
           <a:bodyPr/>
           <a:lstStyle/>
           <a:p>
+            <a:r>
+              <a:rPr lang="cs-CZ" smtClean="0"/>
+              <a:t>ModTech Company</a:t>
+            </a:r>
             <a:endParaRPr lang="en-US"/>
           </a:p>
         </p:txBody>
@@ -6138,11 +6328,11 @@
           <a:bodyPr/>
           <a:lstStyle/>
           <a:p>
-            <a:fld id="{4A5EB930-CC10-E94C-AB9B-C683D29C7CE9}" type="slidenum">
+            <a:fld id="{FD16E9ED-9D0B-E240-8F52-DF7E99F07C61}" type="slidenum">
               <a:rPr lang="en-US" smtClean="0"/>
               <a:t>‹#›</a:t>
             </a:fld>
-            <a:endParaRPr lang="en-US"/>
+            <a:endParaRPr lang="en-US" dirty="0"/>
           </a:p>
         </p:txBody>
       </p:sp>
@@ -6338,9 +6528,9 @@
           <a:bodyPr/>
           <a:lstStyle/>
           <a:p>
-            <a:fld id="{06EC5996-89EF-CC48-B1A1-5D344D221715}" type="datetimeFigureOut">
+            <a:fld id="{F678707B-2621-2E41-9486-0651F7291A2B}" type="datetime1">
               <a:rPr lang="en-US" smtClean="0"/>
-              <a:t>6/3/13</a:t>
+              <a:t>6/4/13</a:t>
             </a:fld>
             <a:endParaRPr lang="en-US"/>
           </a:p>
@@ -6361,6 +6551,10 @@
           <a:bodyPr/>
           <a:lstStyle/>
           <a:p>
+            <a:r>
+              <a:rPr lang="cs-CZ" smtClean="0"/>
+              <a:t>ModTech Company</a:t>
+            </a:r>
             <a:endParaRPr lang="en-US"/>
           </a:p>
         </p:txBody>
@@ -6384,7 +6578,7 @@
               <a:rPr lang="en-US" smtClean="0"/>
               <a:t>‹#›</a:t>
             </a:fld>
-            <a:endParaRPr lang="en-US"/>
+            <a:endParaRPr lang="en-US" dirty="0"/>
           </a:p>
         </p:txBody>
       </p:sp>
@@ -6661,9 +6855,9 @@
           <a:bodyPr/>
           <a:lstStyle/>
           <a:p>
-            <a:fld id="{06EC5996-89EF-CC48-B1A1-5D344D221715}" type="datetimeFigureOut">
+            <a:fld id="{D9287917-DCC7-CD42-9875-9083384652C3}" type="datetime1">
               <a:rPr lang="en-US" smtClean="0"/>
-              <a:t>6/3/13</a:t>
+              <a:t>6/4/13</a:t>
             </a:fld>
             <a:endParaRPr lang="en-US"/>
           </a:p>
@@ -6684,6 +6878,10 @@
           <a:bodyPr/>
           <a:lstStyle/>
           <a:p>
+            <a:r>
+              <a:rPr lang="cs-CZ" smtClean="0"/>
+              <a:t>ModTech Company</a:t>
+            </a:r>
             <a:endParaRPr lang="en-US"/>
           </a:p>
         </p:txBody>
@@ -6959,9 +7157,9 @@
           <a:bodyPr/>
           <a:lstStyle/>
           <a:p>
-            <a:fld id="{06EC5996-89EF-CC48-B1A1-5D344D221715}" type="datetimeFigureOut">
+            <a:fld id="{3E643361-C8AA-244A-A001-29B0134DABC3}" type="datetime1">
               <a:rPr lang="en-US" smtClean="0"/>
-              <a:t>6/3/13</a:t>
+              <a:t>6/4/13</a:t>
             </a:fld>
             <a:endParaRPr lang="en-US"/>
           </a:p>
@@ -6982,6 +7180,10 @@
           <a:bodyPr/>
           <a:lstStyle/>
           <a:p>
+            <a:r>
+              <a:rPr lang="cs-CZ" smtClean="0"/>
+              <a:t>ModTech Company</a:t>
+            </a:r>
             <a:endParaRPr lang="en-US"/>
           </a:p>
         </p:txBody>
@@ -7415,9 +7617,9 @@
           <a:bodyPr/>
           <a:lstStyle/>
           <a:p>
-            <a:fld id="{06EC5996-89EF-CC48-B1A1-5D344D221715}" type="datetimeFigureOut">
+            <a:fld id="{8B8A6FDF-7AAD-9F49-80DB-653D7EE11491}" type="datetime1">
               <a:rPr lang="en-US" smtClean="0"/>
-              <a:t>6/3/13</a:t>
+              <a:t>6/4/13</a:t>
             </a:fld>
             <a:endParaRPr lang="en-US"/>
           </a:p>
@@ -7438,6 +7640,10 @@
           <a:bodyPr/>
           <a:lstStyle/>
           <a:p>
+            <a:r>
+              <a:rPr lang="cs-CZ" smtClean="0"/>
+              <a:t>ModTech Company</a:t>
+            </a:r>
             <a:endParaRPr lang="en-US"/>
           </a:p>
         </p:txBody>
@@ -7528,9 +7734,9 @@
           <a:bodyPr/>
           <a:lstStyle/>
           <a:p>
-            <a:fld id="{06EC5996-89EF-CC48-B1A1-5D344D221715}" type="datetimeFigureOut">
+            <a:fld id="{6E5F9D90-0869-264C-9AAF-502050344125}" type="datetime1">
               <a:rPr lang="en-US" smtClean="0"/>
-              <a:t>6/3/13</a:t>
+              <a:t>6/4/13</a:t>
             </a:fld>
             <a:endParaRPr lang="en-US"/>
           </a:p>
@@ -7551,6 +7757,10 @@
           <a:bodyPr/>
           <a:lstStyle/>
           <a:p>
+            <a:r>
+              <a:rPr lang="cs-CZ" smtClean="0"/>
+              <a:t>ModTech Company</a:t>
+            </a:r>
             <a:endParaRPr lang="en-US"/>
           </a:p>
         </p:txBody>
@@ -7618,9 +7828,9 @@
           <a:bodyPr/>
           <a:lstStyle/>
           <a:p>
-            <a:fld id="{06EC5996-89EF-CC48-B1A1-5D344D221715}" type="datetimeFigureOut">
+            <a:fld id="{ADAB6235-43E2-644D-AB8A-C3B255A96C65}" type="datetime1">
               <a:rPr lang="en-US" smtClean="0"/>
-              <a:t>6/3/13</a:t>
+              <a:t>6/4/13</a:t>
             </a:fld>
             <a:endParaRPr lang="en-US"/>
           </a:p>
@@ -7641,6 +7851,10 @@
           <a:bodyPr/>
           <a:lstStyle/>
           <a:p>
+            <a:r>
+              <a:rPr lang="cs-CZ" smtClean="0"/>
+              <a:t>ModTech Company</a:t>
+            </a:r>
             <a:endParaRPr lang="en-US"/>
           </a:p>
         </p:txBody>
@@ -7900,9 +8114,9 @@
           <a:bodyPr/>
           <a:lstStyle/>
           <a:p>
-            <a:fld id="{06EC5996-89EF-CC48-B1A1-5D344D221715}" type="datetimeFigureOut">
+            <a:fld id="{9BE64A1B-F577-8A4C-BEDD-7C382D6A9D37}" type="datetime1">
               <a:rPr lang="en-US" smtClean="0"/>
-              <a:t>6/3/13</a:t>
+              <a:t>6/4/13</a:t>
             </a:fld>
             <a:endParaRPr lang="en-US"/>
           </a:p>
@@ -7923,6 +8137,10 @@
           <a:bodyPr/>
           <a:lstStyle/>
           <a:p>
+            <a:r>
+              <a:rPr lang="cs-CZ" smtClean="0"/>
+              <a:t>ModTech Company</a:t>
+            </a:r>
             <a:endParaRPr lang="en-US"/>
           </a:p>
         </p:txBody>
@@ -8107,9 +8325,9 @@
             </a:lvl1pPr>
           </a:lstStyle>
           <a:p>
-            <a:fld id="{06EC5996-89EF-CC48-B1A1-5D344D221715}" type="datetimeFigureOut">
+            <a:fld id="{02FEBC20-FC22-9A41-88E9-32D7068F3E65}" type="datetime1">
               <a:rPr lang="en-US" smtClean="0"/>
-              <a:t>6/3/13</a:t>
+              <a:t>6/4/13</a:t>
             </a:fld>
             <a:endParaRPr lang="en-US"/>
           </a:p>
@@ -8146,6 +8364,10 @@
             </a:lvl1pPr>
           </a:lstStyle>
           <a:p>
+            <a:r>
+              <a:rPr lang="cs-CZ" smtClean="0"/>
+              <a:t>ModTech Company</a:t>
+            </a:r>
             <a:endParaRPr lang="en-US"/>
           </a:p>
         </p:txBody>
@@ -8185,7 +8407,7 @@
               <a:rPr lang="en-US" smtClean="0"/>
               <a:t>‹#›</a:t>
             </a:fld>
-            <a:endParaRPr lang="en-US"/>
+            <a:endParaRPr lang="en-US" dirty="0"/>
           </a:p>
         </p:txBody>
       </p:sp>
@@ -8193,19 +8415,20 @@
   </p:cSld>
   <p:clrMap bg1="lt1" tx1="dk1" bg2="lt2" tx2="dk2" accent1="accent1" accent2="accent2" accent3="accent3" accent4="accent4" accent5="accent5" accent6="accent6" hlink="hlink" folHlink="folHlink"/>
   <p:sldLayoutIdLst>
-    <p:sldLayoutId id="2147483694" r:id="rId1"/>
-    <p:sldLayoutId id="2147483695" r:id="rId2"/>
-    <p:sldLayoutId id="2147483696" r:id="rId3"/>
-    <p:sldLayoutId id="2147483697" r:id="rId4"/>
-    <p:sldLayoutId id="2147483698" r:id="rId5"/>
-    <p:sldLayoutId id="2147483699" r:id="rId6"/>
-    <p:sldLayoutId id="2147483700" r:id="rId7"/>
-    <p:sldLayoutId id="2147483701" r:id="rId8"/>
-    <p:sldLayoutId id="2147483702" r:id="rId9"/>
-    <p:sldLayoutId id="2147483703" r:id="rId10"/>
-    <p:sldLayoutId id="2147483704" r:id="rId11"/>
-    <p:sldLayoutId id="2147483705" r:id="rId12"/>
+    <p:sldLayoutId id="2147483800" r:id="rId1"/>
+    <p:sldLayoutId id="2147483801" r:id="rId2"/>
+    <p:sldLayoutId id="2147483802" r:id="rId3"/>
+    <p:sldLayoutId id="2147483803" r:id="rId4"/>
+    <p:sldLayoutId id="2147483804" r:id="rId5"/>
+    <p:sldLayoutId id="2147483805" r:id="rId6"/>
+    <p:sldLayoutId id="2147483806" r:id="rId7"/>
+    <p:sldLayoutId id="2147483807" r:id="rId8"/>
+    <p:sldLayoutId id="2147483808" r:id="rId9"/>
+    <p:sldLayoutId id="2147483809" r:id="rId10"/>
+    <p:sldLayoutId id="2147483810" r:id="rId11"/>
+    <p:sldLayoutId id="2147483811" r:id="rId12"/>
   </p:sldLayoutIdLst>
+  <p:hf hdr="0"/>
   <p:txStyles>
     <p:titleStyle>
       <a:lvl1pPr algn="ctr" defTabSz="914400" rtl="0" eaLnBrk="1" latinLnBrk="0" hangingPunct="1">
@@ -8952,6 +9175,75 @@
           </a:p>
         </p:txBody>
       </p:sp>
+      <p:sp>
+        <p:nvSpPr>
+          <p:cNvPr id="5" name="Date Placeholder 4"/>
+          <p:cNvSpPr>
+            <a:spLocks noGrp="1"/>
+          </p:cNvSpPr>
+          <p:nvPr>
+            <p:ph type="dt" sz="half" idx="10"/>
+          </p:nvPr>
+        </p:nvSpPr>
+        <p:spPr/>
+        <p:txBody>
+          <a:bodyPr/>
+          <a:lstStyle/>
+          <a:p>
+            <a:fld id="{96BBFB5C-CF84-DE4A-BA35-03269397E35E}" type="datetime1">
+              <a:rPr lang="en-US" smtClean="0"/>
+              <a:t>6/4/13</a:t>
+            </a:fld>
+            <a:endParaRPr lang="en-US"/>
+          </a:p>
+        </p:txBody>
+      </p:sp>
+      <p:sp>
+        <p:nvSpPr>
+          <p:cNvPr id="6" name="Footer Placeholder 5"/>
+          <p:cNvSpPr>
+            <a:spLocks noGrp="1"/>
+          </p:cNvSpPr>
+          <p:nvPr>
+            <p:ph type="ftr" sz="quarter" idx="11"/>
+          </p:nvPr>
+        </p:nvSpPr>
+        <p:spPr/>
+        <p:txBody>
+          <a:bodyPr/>
+          <a:lstStyle/>
+          <a:p>
+            <a:r>
+              <a:rPr lang="cs-CZ" smtClean="0"/>
+              <a:t>ModTech Company</a:t>
+            </a:r>
+            <a:endParaRPr lang="en-US"/>
+          </a:p>
+        </p:txBody>
+      </p:sp>
+      <p:sp>
+        <p:nvSpPr>
+          <p:cNvPr id="8" name="Slide Number Placeholder 7"/>
+          <p:cNvSpPr>
+            <a:spLocks noGrp="1"/>
+          </p:cNvSpPr>
+          <p:nvPr>
+            <p:ph type="sldNum" sz="quarter" idx="12"/>
+          </p:nvPr>
+        </p:nvSpPr>
+        <p:spPr/>
+        <p:txBody>
+          <a:bodyPr/>
+          <a:lstStyle/>
+          <a:p>
+            <a:fld id="{4A5EB930-CC10-E94C-AB9B-C683D29C7CE9}" type="slidenum">
+              <a:rPr lang="en-US" smtClean="0"/>
+              <a:t>10</a:t>
+            </a:fld>
+            <a:endParaRPr lang="en-US"/>
+          </a:p>
+        </p:txBody>
+      </p:sp>
     </p:spTree>
     <p:extLst>
       <p:ext uri="{BB962C8B-B14F-4D97-AF65-F5344CB8AC3E}">
@@ -9609,6 +9901,75 @@
           </a:fontRef>
         </p:style>
       </p:cxnSp>
+      <p:sp>
+        <p:nvSpPr>
+          <p:cNvPr id="3" name="Date Placeholder 2"/>
+          <p:cNvSpPr>
+            <a:spLocks noGrp="1"/>
+          </p:cNvSpPr>
+          <p:nvPr>
+            <p:ph type="dt" sz="half" idx="10"/>
+          </p:nvPr>
+        </p:nvSpPr>
+        <p:spPr/>
+        <p:txBody>
+          <a:bodyPr/>
+          <a:lstStyle/>
+          <a:p>
+            <a:fld id="{C53CF628-F1A5-F44F-BC48-8C2923BB1960}" type="datetime1">
+              <a:rPr lang="en-US" smtClean="0"/>
+              <a:t>6/4/13</a:t>
+            </a:fld>
+            <a:endParaRPr lang="en-US"/>
+          </a:p>
+        </p:txBody>
+      </p:sp>
+      <p:sp>
+        <p:nvSpPr>
+          <p:cNvPr id="9" name="Footer Placeholder 8"/>
+          <p:cNvSpPr>
+            <a:spLocks noGrp="1"/>
+          </p:cNvSpPr>
+          <p:nvPr>
+            <p:ph type="ftr" sz="quarter" idx="11"/>
+          </p:nvPr>
+        </p:nvSpPr>
+        <p:spPr/>
+        <p:txBody>
+          <a:bodyPr/>
+          <a:lstStyle/>
+          <a:p>
+            <a:r>
+              <a:rPr lang="cs-CZ" smtClean="0"/>
+              <a:t>ModTech Company</a:t>
+            </a:r>
+            <a:endParaRPr lang="en-US"/>
+          </a:p>
+        </p:txBody>
+      </p:sp>
+      <p:sp>
+        <p:nvSpPr>
+          <p:cNvPr id="11" name="Slide Number Placeholder 10"/>
+          <p:cNvSpPr>
+            <a:spLocks noGrp="1"/>
+          </p:cNvSpPr>
+          <p:nvPr>
+            <p:ph type="sldNum" sz="quarter" idx="12"/>
+          </p:nvPr>
+        </p:nvSpPr>
+        <p:spPr/>
+        <p:txBody>
+          <a:bodyPr/>
+          <a:lstStyle/>
+          <a:p>
+            <a:fld id="{4A5EB930-CC10-E94C-AB9B-C683D29C7CE9}" type="slidenum">
+              <a:rPr lang="en-US" smtClean="0"/>
+              <a:t>11</a:t>
+            </a:fld>
+            <a:endParaRPr lang="en-US"/>
+          </a:p>
+        </p:txBody>
+      </p:sp>
     </p:spTree>
     <p:extLst>
       <p:ext uri="{BB962C8B-B14F-4D97-AF65-F5344CB8AC3E}">
@@ -10637,6 +10998,75 @@
           </a:fontRef>
         </p:style>
       </p:cxnSp>
+      <p:sp>
+        <p:nvSpPr>
+          <p:cNvPr id="3" name="Date Placeholder 2"/>
+          <p:cNvSpPr>
+            <a:spLocks noGrp="1"/>
+          </p:cNvSpPr>
+          <p:nvPr>
+            <p:ph type="dt" sz="half" idx="10"/>
+          </p:nvPr>
+        </p:nvSpPr>
+        <p:spPr/>
+        <p:txBody>
+          <a:bodyPr/>
+          <a:lstStyle/>
+          <a:p>
+            <a:fld id="{877C8E80-2E7E-5A42-91AC-74C77F5D39CA}" type="datetime1">
+              <a:rPr lang="en-US" smtClean="0"/>
+              <a:t>6/4/13</a:t>
+            </a:fld>
+            <a:endParaRPr lang="en-US"/>
+          </a:p>
+        </p:txBody>
+      </p:sp>
+      <p:sp>
+        <p:nvSpPr>
+          <p:cNvPr id="8" name="Footer Placeholder 7"/>
+          <p:cNvSpPr>
+            <a:spLocks noGrp="1"/>
+          </p:cNvSpPr>
+          <p:nvPr>
+            <p:ph type="ftr" sz="quarter" idx="11"/>
+          </p:nvPr>
+        </p:nvSpPr>
+        <p:spPr/>
+        <p:txBody>
+          <a:bodyPr/>
+          <a:lstStyle/>
+          <a:p>
+            <a:r>
+              <a:rPr lang="cs-CZ" smtClean="0"/>
+              <a:t>ModTech Company</a:t>
+            </a:r>
+            <a:endParaRPr lang="en-US"/>
+          </a:p>
+        </p:txBody>
+      </p:sp>
+      <p:sp>
+        <p:nvSpPr>
+          <p:cNvPr id="10" name="Slide Number Placeholder 9"/>
+          <p:cNvSpPr>
+            <a:spLocks noGrp="1"/>
+          </p:cNvSpPr>
+          <p:nvPr>
+            <p:ph type="sldNum" sz="quarter" idx="12"/>
+          </p:nvPr>
+        </p:nvSpPr>
+        <p:spPr/>
+        <p:txBody>
+          <a:bodyPr/>
+          <a:lstStyle/>
+          <a:p>
+            <a:fld id="{4A5EB930-CC10-E94C-AB9B-C683D29C7CE9}" type="slidenum">
+              <a:rPr lang="en-US" smtClean="0"/>
+              <a:t>12</a:t>
+            </a:fld>
+            <a:endParaRPr lang="en-US"/>
+          </a:p>
+        </p:txBody>
+      </p:sp>
     </p:spTree>
     <p:extLst>
       <p:ext uri="{BB962C8B-B14F-4D97-AF65-F5344CB8AC3E}">
@@ -11567,6 +11997,75 @@
           </a:graphicData>
         </a:graphic>
       </p:graphicFrame>
+      <p:sp>
+        <p:nvSpPr>
+          <p:cNvPr id="2" name="Date Placeholder 1"/>
+          <p:cNvSpPr>
+            <a:spLocks noGrp="1"/>
+          </p:cNvSpPr>
+          <p:nvPr>
+            <p:ph type="dt" sz="half" idx="10"/>
+          </p:nvPr>
+        </p:nvSpPr>
+        <p:spPr/>
+        <p:txBody>
+          <a:bodyPr/>
+          <a:lstStyle/>
+          <a:p>
+            <a:fld id="{BC7E582E-F4E8-C348-8221-26983218D0BF}" type="datetime1">
+              <a:rPr lang="en-US" smtClean="0"/>
+              <a:t>6/4/13</a:t>
+            </a:fld>
+            <a:endParaRPr lang="en-US"/>
+          </a:p>
+        </p:txBody>
+      </p:sp>
+      <p:sp>
+        <p:nvSpPr>
+          <p:cNvPr id="3" name="Footer Placeholder 2"/>
+          <p:cNvSpPr>
+            <a:spLocks noGrp="1"/>
+          </p:cNvSpPr>
+          <p:nvPr>
+            <p:ph type="ftr" sz="quarter" idx="11"/>
+          </p:nvPr>
+        </p:nvSpPr>
+        <p:spPr/>
+        <p:txBody>
+          <a:bodyPr/>
+          <a:lstStyle/>
+          <a:p>
+            <a:r>
+              <a:rPr lang="cs-CZ" smtClean="0"/>
+              <a:t>ModTech Company</a:t>
+            </a:r>
+            <a:endParaRPr lang="en-US"/>
+          </a:p>
+        </p:txBody>
+      </p:sp>
+      <p:sp>
+        <p:nvSpPr>
+          <p:cNvPr id="7" name="Slide Number Placeholder 6"/>
+          <p:cNvSpPr>
+            <a:spLocks noGrp="1"/>
+          </p:cNvSpPr>
+          <p:nvPr>
+            <p:ph type="sldNum" sz="quarter" idx="12"/>
+          </p:nvPr>
+        </p:nvSpPr>
+        <p:spPr/>
+        <p:txBody>
+          <a:bodyPr/>
+          <a:lstStyle/>
+          <a:p>
+            <a:fld id="{4A5EB930-CC10-E94C-AB9B-C683D29C7CE9}" type="slidenum">
+              <a:rPr lang="en-US" smtClean="0"/>
+              <a:t>13</a:t>
+            </a:fld>
+            <a:endParaRPr lang="en-US"/>
+          </a:p>
+        </p:txBody>
+      </p:sp>
     </p:spTree>
     <p:extLst>
       <p:ext uri="{BB962C8B-B14F-4D97-AF65-F5344CB8AC3E}">
@@ -11946,6 +12445,75 @@
           </a:p>
         </p:txBody>
       </p:sp>
+      <p:sp>
+        <p:nvSpPr>
+          <p:cNvPr id="4" name="Date Placeholder 3"/>
+          <p:cNvSpPr>
+            <a:spLocks noGrp="1"/>
+          </p:cNvSpPr>
+          <p:nvPr>
+            <p:ph type="dt" sz="half" idx="10"/>
+          </p:nvPr>
+        </p:nvSpPr>
+        <p:spPr/>
+        <p:txBody>
+          <a:bodyPr/>
+          <a:lstStyle/>
+          <a:p>
+            <a:fld id="{0DC3615F-CA60-D64A-B243-042E580F5435}" type="datetime1">
+              <a:rPr lang="en-US" smtClean="0"/>
+              <a:t>6/4/13</a:t>
+            </a:fld>
+            <a:endParaRPr lang="en-US" dirty="0"/>
+          </a:p>
+        </p:txBody>
+      </p:sp>
+      <p:sp>
+        <p:nvSpPr>
+          <p:cNvPr id="5" name="Footer Placeholder 4"/>
+          <p:cNvSpPr>
+            <a:spLocks noGrp="1"/>
+          </p:cNvSpPr>
+          <p:nvPr>
+            <p:ph type="ftr" sz="quarter" idx="11"/>
+          </p:nvPr>
+        </p:nvSpPr>
+        <p:spPr/>
+        <p:txBody>
+          <a:bodyPr/>
+          <a:lstStyle/>
+          <a:p>
+            <a:r>
+              <a:rPr lang="cs-CZ" smtClean="0"/>
+              <a:t>ModTech Company</a:t>
+            </a:r>
+            <a:endParaRPr lang="en-US"/>
+          </a:p>
+        </p:txBody>
+      </p:sp>
+      <p:sp>
+        <p:nvSpPr>
+          <p:cNvPr id="6" name="Slide Number Placeholder 5"/>
+          <p:cNvSpPr>
+            <a:spLocks noGrp="1"/>
+          </p:cNvSpPr>
+          <p:nvPr>
+            <p:ph type="sldNum" sz="quarter" idx="12"/>
+          </p:nvPr>
+        </p:nvSpPr>
+        <p:spPr/>
+        <p:txBody>
+          <a:bodyPr/>
+          <a:lstStyle/>
+          <a:p>
+            <a:fld id="{FD16E9ED-9D0B-E240-8F52-DF7E99F07C61}" type="slidenum">
+              <a:rPr lang="en-US" smtClean="0"/>
+              <a:t>14</a:t>
+            </a:fld>
+            <a:endParaRPr lang="en-US" dirty="0"/>
+          </a:p>
+        </p:txBody>
+      </p:sp>
     </p:spTree>
     <p:extLst>
       <p:ext uri="{BB962C8B-B14F-4D97-AF65-F5344CB8AC3E}">
@@ -12121,6 +12689,75 @@
               <a:buFontTx/>
               <a:buChar char="-"/>
             </a:pPr>
+            <a:endParaRPr lang="en-US" dirty="0"/>
+          </a:p>
+        </p:txBody>
+      </p:sp>
+      <p:sp>
+        <p:nvSpPr>
+          <p:cNvPr id="4" name="Date Placeholder 3"/>
+          <p:cNvSpPr>
+            <a:spLocks noGrp="1"/>
+          </p:cNvSpPr>
+          <p:nvPr>
+            <p:ph type="dt" sz="half" idx="10"/>
+          </p:nvPr>
+        </p:nvSpPr>
+        <p:spPr/>
+        <p:txBody>
+          <a:bodyPr/>
+          <a:lstStyle/>
+          <a:p>
+            <a:fld id="{4E79BAB7-4071-8D41-BE4B-9BCD3F7395BB}" type="datetime1">
+              <a:rPr lang="en-US" smtClean="0"/>
+              <a:t>6/4/13</a:t>
+            </a:fld>
+            <a:endParaRPr lang="en-US" dirty="0"/>
+          </a:p>
+        </p:txBody>
+      </p:sp>
+      <p:sp>
+        <p:nvSpPr>
+          <p:cNvPr id="5" name="Footer Placeholder 4"/>
+          <p:cNvSpPr>
+            <a:spLocks noGrp="1"/>
+          </p:cNvSpPr>
+          <p:nvPr>
+            <p:ph type="ftr" sz="quarter" idx="11"/>
+          </p:nvPr>
+        </p:nvSpPr>
+        <p:spPr/>
+        <p:txBody>
+          <a:bodyPr/>
+          <a:lstStyle/>
+          <a:p>
+            <a:r>
+              <a:rPr lang="cs-CZ" smtClean="0"/>
+              <a:t>ModTech Company</a:t>
+            </a:r>
+            <a:endParaRPr lang="en-US"/>
+          </a:p>
+        </p:txBody>
+      </p:sp>
+      <p:sp>
+        <p:nvSpPr>
+          <p:cNvPr id="6" name="Slide Number Placeholder 5"/>
+          <p:cNvSpPr>
+            <a:spLocks noGrp="1"/>
+          </p:cNvSpPr>
+          <p:nvPr>
+            <p:ph type="sldNum" sz="quarter" idx="12"/>
+          </p:nvPr>
+        </p:nvSpPr>
+        <p:spPr/>
+        <p:txBody>
+          <a:bodyPr/>
+          <a:lstStyle/>
+          <a:p>
+            <a:fld id="{FD16E9ED-9D0B-E240-8F52-DF7E99F07C61}" type="slidenum">
+              <a:rPr lang="en-US" smtClean="0"/>
+              <a:t>15</a:t>
+            </a:fld>
             <a:endParaRPr lang="en-US" dirty="0"/>
           </a:p>
         </p:txBody>
@@ -13317,6 +13954,75 @@
           </a:graphicData>
         </a:graphic>
       </p:graphicFrame>
+      <p:sp>
+        <p:nvSpPr>
+          <p:cNvPr id="5" name="Date Placeholder 4"/>
+          <p:cNvSpPr>
+            <a:spLocks noGrp="1"/>
+          </p:cNvSpPr>
+          <p:nvPr>
+            <p:ph type="dt" sz="half" idx="10"/>
+          </p:nvPr>
+        </p:nvSpPr>
+        <p:spPr/>
+        <p:txBody>
+          <a:bodyPr/>
+          <a:lstStyle/>
+          <a:p>
+            <a:fld id="{0B7F0008-B8F1-8C44-A190-F6A79B6919B7}" type="datetime1">
+              <a:rPr lang="en-US" smtClean="0"/>
+              <a:t>6/4/13</a:t>
+            </a:fld>
+            <a:endParaRPr lang="en-US" dirty="0"/>
+          </a:p>
+        </p:txBody>
+      </p:sp>
+      <p:sp>
+        <p:nvSpPr>
+          <p:cNvPr id="6" name="Footer Placeholder 5"/>
+          <p:cNvSpPr>
+            <a:spLocks noGrp="1"/>
+          </p:cNvSpPr>
+          <p:nvPr>
+            <p:ph type="ftr" sz="quarter" idx="11"/>
+          </p:nvPr>
+        </p:nvSpPr>
+        <p:spPr/>
+        <p:txBody>
+          <a:bodyPr/>
+          <a:lstStyle/>
+          <a:p>
+            <a:r>
+              <a:rPr lang="cs-CZ" smtClean="0"/>
+              <a:t>ModTech Company</a:t>
+            </a:r>
+            <a:endParaRPr lang="en-US"/>
+          </a:p>
+        </p:txBody>
+      </p:sp>
+      <p:sp>
+        <p:nvSpPr>
+          <p:cNvPr id="7" name="Slide Number Placeholder 6"/>
+          <p:cNvSpPr>
+            <a:spLocks noGrp="1"/>
+          </p:cNvSpPr>
+          <p:nvPr>
+            <p:ph type="sldNum" sz="quarter" idx="12"/>
+          </p:nvPr>
+        </p:nvSpPr>
+        <p:spPr/>
+        <p:txBody>
+          <a:bodyPr/>
+          <a:lstStyle/>
+          <a:p>
+            <a:fld id="{FD16E9ED-9D0B-E240-8F52-DF7E99F07C61}" type="slidenum">
+              <a:rPr lang="en-US" smtClean="0"/>
+              <a:t>16</a:t>
+            </a:fld>
+            <a:endParaRPr lang="en-US" dirty="0"/>
+          </a:p>
+        </p:txBody>
+      </p:sp>
     </p:spTree>
     <p:extLst>
       <p:ext uri="{BB962C8B-B14F-4D97-AF65-F5344CB8AC3E}">
@@ -14190,6 +14896,75 @@
           </a:graphicData>
         </a:graphic>
       </p:graphicFrame>
+      <p:sp>
+        <p:nvSpPr>
+          <p:cNvPr id="4" name="Date Placeholder 3"/>
+          <p:cNvSpPr>
+            <a:spLocks noGrp="1"/>
+          </p:cNvSpPr>
+          <p:nvPr>
+            <p:ph type="dt" sz="half" idx="10"/>
+          </p:nvPr>
+        </p:nvSpPr>
+        <p:spPr/>
+        <p:txBody>
+          <a:bodyPr/>
+          <a:lstStyle/>
+          <a:p>
+            <a:fld id="{CDABE0DC-60B9-7744-A463-89893AA2FDC3}" type="datetime1">
+              <a:rPr lang="en-US" smtClean="0"/>
+              <a:t>6/4/13</a:t>
+            </a:fld>
+            <a:endParaRPr lang="en-US" dirty="0"/>
+          </a:p>
+        </p:txBody>
+      </p:sp>
+      <p:sp>
+        <p:nvSpPr>
+          <p:cNvPr id="5" name="Footer Placeholder 4"/>
+          <p:cNvSpPr>
+            <a:spLocks noGrp="1"/>
+          </p:cNvSpPr>
+          <p:nvPr>
+            <p:ph type="ftr" sz="quarter" idx="11"/>
+          </p:nvPr>
+        </p:nvSpPr>
+        <p:spPr/>
+        <p:txBody>
+          <a:bodyPr/>
+          <a:lstStyle/>
+          <a:p>
+            <a:r>
+              <a:rPr lang="cs-CZ" smtClean="0"/>
+              <a:t>ModTech Company</a:t>
+            </a:r>
+            <a:endParaRPr lang="en-US"/>
+          </a:p>
+        </p:txBody>
+      </p:sp>
+      <p:sp>
+        <p:nvSpPr>
+          <p:cNvPr id="7" name="Slide Number Placeholder 6"/>
+          <p:cNvSpPr>
+            <a:spLocks noGrp="1"/>
+          </p:cNvSpPr>
+          <p:nvPr>
+            <p:ph type="sldNum" sz="quarter" idx="12"/>
+          </p:nvPr>
+        </p:nvSpPr>
+        <p:spPr/>
+        <p:txBody>
+          <a:bodyPr/>
+          <a:lstStyle/>
+          <a:p>
+            <a:fld id="{FD16E9ED-9D0B-E240-8F52-DF7E99F07C61}" type="slidenum">
+              <a:rPr lang="en-US" smtClean="0"/>
+              <a:t>17</a:t>
+            </a:fld>
+            <a:endParaRPr lang="en-US" dirty="0"/>
+          </a:p>
+        </p:txBody>
+      </p:sp>
     </p:spTree>
     <p:extLst>
       <p:ext uri="{BB962C8B-B14F-4D97-AF65-F5344CB8AC3E}">
@@ -15190,6 +15965,75 @@
           </a:p>
         </p:txBody>
       </p:sp>
+      <p:sp>
+        <p:nvSpPr>
+          <p:cNvPr id="3" name="Date Placeholder 2"/>
+          <p:cNvSpPr>
+            <a:spLocks noGrp="1"/>
+          </p:cNvSpPr>
+          <p:nvPr>
+            <p:ph type="dt" sz="half" idx="10"/>
+          </p:nvPr>
+        </p:nvSpPr>
+        <p:spPr/>
+        <p:txBody>
+          <a:bodyPr/>
+          <a:lstStyle/>
+          <a:p>
+            <a:fld id="{01480BBF-660E-FA4E-81DD-FB6DABB35663}" type="datetime1">
+              <a:rPr lang="en-US" smtClean="0"/>
+              <a:t>6/4/13</a:t>
+            </a:fld>
+            <a:endParaRPr lang="en-US" dirty="0"/>
+          </a:p>
+        </p:txBody>
+      </p:sp>
+      <p:sp>
+        <p:nvSpPr>
+          <p:cNvPr id="7" name="Footer Placeholder 6"/>
+          <p:cNvSpPr>
+            <a:spLocks noGrp="1"/>
+          </p:cNvSpPr>
+          <p:nvPr>
+            <p:ph type="ftr" sz="quarter" idx="11"/>
+          </p:nvPr>
+        </p:nvSpPr>
+        <p:spPr/>
+        <p:txBody>
+          <a:bodyPr/>
+          <a:lstStyle/>
+          <a:p>
+            <a:r>
+              <a:rPr lang="cs-CZ" smtClean="0"/>
+              <a:t>ModTech Company</a:t>
+            </a:r>
+            <a:endParaRPr lang="en-US"/>
+          </a:p>
+        </p:txBody>
+      </p:sp>
+      <p:sp>
+        <p:nvSpPr>
+          <p:cNvPr id="8" name="Slide Number Placeholder 7"/>
+          <p:cNvSpPr>
+            <a:spLocks noGrp="1"/>
+          </p:cNvSpPr>
+          <p:nvPr>
+            <p:ph type="sldNum" sz="quarter" idx="12"/>
+          </p:nvPr>
+        </p:nvSpPr>
+        <p:spPr/>
+        <p:txBody>
+          <a:bodyPr/>
+          <a:lstStyle/>
+          <a:p>
+            <a:fld id="{FD16E9ED-9D0B-E240-8F52-DF7E99F07C61}" type="slidenum">
+              <a:rPr lang="en-US" smtClean="0"/>
+              <a:t>18</a:t>
+            </a:fld>
+            <a:endParaRPr lang="en-US" dirty="0"/>
+          </a:p>
+        </p:txBody>
+      </p:sp>
     </p:spTree>
     <p:extLst>
       <p:ext uri="{BB962C8B-B14F-4D97-AF65-F5344CB8AC3E}">
@@ -15542,9 +16386,75 @@
               </a:rPr>
               <a:t>Deliver PCs for Brazilian government in Q6.</a:t>
             </a:r>
-            <a:endParaRPr lang="en-GB" dirty="0" smtClean="0">
-              <a:sym typeface="Wingdings" pitchFamily="2" charset="2"/>
-            </a:endParaRPr>
+          </a:p>
+        </p:txBody>
+      </p:sp>
+      <p:sp>
+        <p:nvSpPr>
+          <p:cNvPr id="4" name="Date Placeholder 3"/>
+          <p:cNvSpPr>
+            <a:spLocks noGrp="1"/>
+          </p:cNvSpPr>
+          <p:nvPr>
+            <p:ph type="dt" sz="half" idx="10"/>
+          </p:nvPr>
+        </p:nvSpPr>
+        <p:spPr/>
+        <p:txBody>
+          <a:bodyPr/>
+          <a:lstStyle/>
+          <a:p>
+            <a:fld id="{C405A3D7-855E-3047-AF45-9E1B778E5B8A}" type="datetime1">
+              <a:rPr lang="en-US" smtClean="0"/>
+              <a:t>6/4/13</a:t>
+            </a:fld>
+            <a:endParaRPr lang="en-US" dirty="0"/>
+          </a:p>
+        </p:txBody>
+      </p:sp>
+      <p:sp>
+        <p:nvSpPr>
+          <p:cNvPr id="5" name="Footer Placeholder 4"/>
+          <p:cNvSpPr>
+            <a:spLocks noGrp="1"/>
+          </p:cNvSpPr>
+          <p:nvPr>
+            <p:ph type="ftr" sz="quarter" idx="11"/>
+          </p:nvPr>
+        </p:nvSpPr>
+        <p:spPr/>
+        <p:txBody>
+          <a:bodyPr/>
+          <a:lstStyle/>
+          <a:p>
+            <a:r>
+              <a:rPr lang="cs-CZ" smtClean="0"/>
+              <a:t>ModTech Company</a:t>
+            </a:r>
+            <a:endParaRPr lang="en-US"/>
+          </a:p>
+        </p:txBody>
+      </p:sp>
+      <p:sp>
+        <p:nvSpPr>
+          <p:cNvPr id="6" name="Slide Number Placeholder 5"/>
+          <p:cNvSpPr>
+            <a:spLocks noGrp="1"/>
+          </p:cNvSpPr>
+          <p:nvPr>
+            <p:ph type="sldNum" sz="quarter" idx="12"/>
+          </p:nvPr>
+        </p:nvSpPr>
+        <p:spPr/>
+        <p:txBody>
+          <a:bodyPr/>
+          <a:lstStyle/>
+          <a:p>
+            <a:fld id="{FD16E9ED-9D0B-E240-8F52-DF7E99F07C61}" type="slidenum">
+              <a:rPr lang="en-US" smtClean="0"/>
+              <a:t>19</a:t>
+            </a:fld>
+            <a:endParaRPr lang="en-US" dirty="0"/>
           </a:p>
         </p:txBody>
       </p:sp>
@@ -16096,6 +17006,75 @@
           </a:p>
         </p:txBody>
       </p:sp>
+      <p:sp>
+        <p:nvSpPr>
+          <p:cNvPr id="4" name="Date Placeholder 3"/>
+          <p:cNvSpPr>
+            <a:spLocks noGrp="1"/>
+          </p:cNvSpPr>
+          <p:nvPr>
+            <p:ph type="dt" sz="half" idx="10"/>
+          </p:nvPr>
+        </p:nvSpPr>
+        <p:spPr/>
+        <p:txBody>
+          <a:bodyPr/>
+          <a:lstStyle/>
+          <a:p>
+            <a:fld id="{5EC93421-4703-334B-B60C-D44E2560CF79}" type="datetime1">
+              <a:rPr lang="en-US" smtClean="0"/>
+              <a:t>6/4/13</a:t>
+            </a:fld>
+            <a:endParaRPr lang="en-US" dirty="0"/>
+          </a:p>
+        </p:txBody>
+      </p:sp>
+      <p:sp>
+        <p:nvSpPr>
+          <p:cNvPr id="5" name="Footer Placeholder 4"/>
+          <p:cNvSpPr>
+            <a:spLocks noGrp="1"/>
+          </p:cNvSpPr>
+          <p:nvPr>
+            <p:ph type="ftr" sz="quarter" idx="11"/>
+          </p:nvPr>
+        </p:nvSpPr>
+        <p:spPr/>
+        <p:txBody>
+          <a:bodyPr/>
+          <a:lstStyle/>
+          <a:p>
+            <a:r>
+              <a:rPr lang="cs-CZ" smtClean="0"/>
+              <a:t>ModTech Company</a:t>
+            </a:r>
+            <a:endParaRPr lang="en-US"/>
+          </a:p>
+        </p:txBody>
+      </p:sp>
+      <p:sp>
+        <p:nvSpPr>
+          <p:cNvPr id="6" name="Slide Number Placeholder 5"/>
+          <p:cNvSpPr>
+            <a:spLocks noGrp="1"/>
+          </p:cNvSpPr>
+          <p:nvPr>
+            <p:ph type="sldNum" sz="quarter" idx="12"/>
+          </p:nvPr>
+        </p:nvSpPr>
+        <p:spPr/>
+        <p:txBody>
+          <a:bodyPr/>
+          <a:lstStyle/>
+          <a:p>
+            <a:fld id="{FD16E9ED-9D0B-E240-8F52-DF7E99F07C61}" type="slidenum">
+              <a:rPr lang="en-US" smtClean="0"/>
+              <a:t>2</a:t>
+            </a:fld>
+            <a:endParaRPr lang="en-US" dirty="0"/>
+          </a:p>
+        </p:txBody>
+      </p:sp>
     </p:spTree>
     <p:extLst>
       <p:ext uri="{BB962C8B-B14F-4D97-AF65-F5344CB8AC3E}">
@@ -16203,6 +17182,75 @@
             </a:r>
           </a:p>
           <a:p>
+            <a:endParaRPr lang="en-US" dirty="0"/>
+          </a:p>
+        </p:txBody>
+      </p:sp>
+      <p:sp>
+        <p:nvSpPr>
+          <p:cNvPr id="4" name="Date Placeholder 3"/>
+          <p:cNvSpPr>
+            <a:spLocks noGrp="1"/>
+          </p:cNvSpPr>
+          <p:nvPr>
+            <p:ph type="dt" sz="half" idx="10"/>
+          </p:nvPr>
+        </p:nvSpPr>
+        <p:spPr/>
+        <p:txBody>
+          <a:bodyPr/>
+          <a:lstStyle/>
+          <a:p>
+            <a:fld id="{E0FE2654-3BC9-A840-9C59-5B1C9B197E1A}" type="datetime1">
+              <a:rPr lang="en-US" smtClean="0"/>
+              <a:t>6/4/13</a:t>
+            </a:fld>
+            <a:endParaRPr lang="en-US" dirty="0"/>
+          </a:p>
+        </p:txBody>
+      </p:sp>
+      <p:sp>
+        <p:nvSpPr>
+          <p:cNvPr id="5" name="Footer Placeholder 4"/>
+          <p:cNvSpPr>
+            <a:spLocks noGrp="1"/>
+          </p:cNvSpPr>
+          <p:nvPr>
+            <p:ph type="ftr" sz="quarter" idx="11"/>
+          </p:nvPr>
+        </p:nvSpPr>
+        <p:spPr/>
+        <p:txBody>
+          <a:bodyPr/>
+          <a:lstStyle/>
+          <a:p>
+            <a:r>
+              <a:rPr lang="cs-CZ" smtClean="0"/>
+              <a:t>ModTech Company</a:t>
+            </a:r>
+            <a:endParaRPr lang="en-US"/>
+          </a:p>
+        </p:txBody>
+      </p:sp>
+      <p:sp>
+        <p:nvSpPr>
+          <p:cNvPr id="6" name="Slide Number Placeholder 5"/>
+          <p:cNvSpPr>
+            <a:spLocks noGrp="1"/>
+          </p:cNvSpPr>
+          <p:nvPr>
+            <p:ph type="sldNum" sz="quarter" idx="12"/>
+          </p:nvPr>
+        </p:nvSpPr>
+        <p:spPr/>
+        <p:txBody>
+          <a:bodyPr/>
+          <a:lstStyle/>
+          <a:p>
+            <a:fld id="{FD16E9ED-9D0B-E240-8F52-DF7E99F07C61}" type="slidenum">
+              <a:rPr lang="en-US" smtClean="0"/>
+              <a:t>20</a:t>
+            </a:fld>
             <a:endParaRPr lang="en-US" dirty="0"/>
           </a:p>
         </p:txBody>
@@ -16336,6 +17384,75 @@
             <a:endParaRPr lang="en-US" dirty="0" smtClean="0"/>
           </a:p>
           <a:p>
+            <a:endParaRPr lang="en-US" dirty="0"/>
+          </a:p>
+        </p:txBody>
+      </p:sp>
+      <p:sp>
+        <p:nvSpPr>
+          <p:cNvPr id="4" name="Date Placeholder 3"/>
+          <p:cNvSpPr>
+            <a:spLocks noGrp="1"/>
+          </p:cNvSpPr>
+          <p:nvPr>
+            <p:ph type="dt" sz="half" idx="10"/>
+          </p:nvPr>
+        </p:nvSpPr>
+        <p:spPr/>
+        <p:txBody>
+          <a:bodyPr/>
+          <a:lstStyle/>
+          <a:p>
+            <a:fld id="{7F20680A-40ED-494D-B3B1-1DA792F91F3A}" type="datetime1">
+              <a:rPr lang="en-US" smtClean="0"/>
+              <a:t>6/4/13</a:t>
+            </a:fld>
+            <a:endParaRPr lang="en-US" dirty="0"/>
+          </a:p>
+        </p:txBody>
+      </p:sp>
+      <p:sp>
+        <p:nvSpPr>
+          <p:cNvPr id="5" name="Footer Placeholder 4"/>
+          <p:cNvSpPr>
+            <a:spLocks noGrp="1"/>
+          </p:cNvSpPr>
+          <p:nvPr>
+            <p:ph type="ftr" sz="quarter" idx="11"/>
+          </p:nvPr>
+        </p:nvSpPr>
+        <p:spPr/>
+        <p:txBody>
+          <a:bodyPr/>
+          <a:lstStyle/>
+          <a:p>
+            <a:r>
+              <a:rPr lang="cs-CZ" smtClean="0"/>
+              <a:t>ModTech Company</a:t>
+            </a:r>
+            <a:endParaRPr lang="en-US"/>
+          </a:p>
+        </p:txBody>
+      </p:sp>
+      <p:sp>
+        <p:nvSpPr>
+          <p:cNvPr id="6" name="Slide Number Placeholder 5"/>
+          <p:cNvSpPr>
+            <a:spLocks noGrp="1"/>
+          </p:cNvSpPr>
+          <p:nvPr>
+            <p:ph type="sldNum" sz="quarter" idx="12"/>
+          </p:nvPr>
+        </p:nvSpPr>
+        <p:spPr/>
+        <p:txBody>
+          <a:bodyPr/>
+          <a:lstStyle/>
+          <a:p>
+            <a:fld id="{FD16E9ED-9D0B-E240-8F52-DF7E99F07C61}" type="slidenum">
+              <a:rPr lang="en-US" smtClean="0"/>
+              <a:t>21</a:t>
+            </a:fld>
             <a:endParaRPr lang="en-US" dirty="0"/>
           </a:p>
         </p:txBody>
@@ -17107,7 +18224,6 @@
               <a:rPr lang="en-US" dirty="0" smtClean="0"/>
               <a:t>areas</a:t>
             </a:r>
-            <a:endParaRPr lang="en-US" dirty="0" smtClean="0"/>
           </a:p>
           <a:p>
             <a:r>
@@ -17134,6 +18250,75 @@
               <a:rPr lang="en-US" dirty="0" smtClean="0"/>
               <a:t>Invest money in Co. 5 -&gt; PC in Brazil</a:t>
             </a:r>
+          </a:p>
+        </p:txBody>
+      </p:sp>
+      <p:sp>
+        <p:nvSpPr>
+          <p:cNvPr id="4" name="Date Placeholder 3"/>
+          <p:cNvSpPr>
+            <a:spLocks noGrp="1"/>
+          </p:cNvSpPr>
+          <p:nvPr>
+            <p:ph type="dt" sz="half" idx="10"/>
+          </p:nvPr>
+        </p:nvSpPr>
+        <p:spPr/>
+        <p:txBody>
+          <a:bodyPr/>
+          <a:lstStyle/>
+          <a:p>
+            <a:fld id="{322F5D08-845A-C445-B91B-7F6FE694B2F3}" type="datetime1">
+              <a:rPr lang="en-US" smtClean="0"/>
+              <a:t>6/4/13</a:t>
+            </a:fld>
+            <a:endParaRPr lang="en-US" dirty="0"/>
+          </a:p>
+        </p:txBody>
+      </p:sp>
+      <p:sp>
+        <p:nvSpPr>
+          <p:cNvPr id="5" name="Footer Placeholder 4"/>
+          <p:cNvSpPr>
+            <a:spLocks noGrp="1"/>
+          </p:cNvSpPr>
+          <p:nvPr>
+            <p:ph type="ftr" sz="quarter" idx="11"/>
+          </p:nvPr>
+        </p:nvSpPr>
+        <p:spPr/>
+        <p:txBody>
+          <a:bodyPr/>
+          <a:lstStyle/>
+          <a:p>
+            <a:r>
+              <a:rPr lang="cs-CZ" smtClean="0"/>
+              <a:t>ModTech Company</a:t>
+            </a:r>
+            <a:endParaRPr lang="en-US"/>
+          </a:p>
+        </p:txBody>
+      </p:sp>
+      <p:sp>
+        <p:nvSpPr>
+          <p:cNvPr id="6" name="Slide Number Placeholder 5"/>
+          <p:cNvSpPr>
+            <a:spLocks noGrp="1"/>
+          </p:cNvSpPr>
+          <p:nvPr>
+            <p:ph type="sldNum" sz="quarter" idx="12"/>
+          </p:nvPr>
+        </p:nvSpPr>
+        <p:spPr/>
+        <p:txBody>
+          <a:bodyPr/>
+          <a:lstStyle/>
+          <a:p>
+            <a:fld id="{FD16E9ED-9D0B-E240-8F52-DF7E99F07C61}" type="slidenum">
+              <a:rPr lang="en-US" smtClean="0"/>
+              <a:t>22</a:t>
+            </a:fld>
+            <a:endParaRPr lang="en-US" dirty="0"/>
           </a:p>
         </p:txBody>
       </p:sp>
@@ -17705,6 +18890,75 @@
           </a:p>
         </p:txBody>
       </p:sp>
+      <p:sp>
+        <p:nvSpPr>
+          <p:cNvPr id="3" name="Date Placeholder 2"/>
+          <p:cNvSpPr>
+            <a:spLocks noGrp="1"/>
+          </p:cNvSpPr>
+          <p:nvPr>
+            <p:ph type="dt" sz="half" idx="10"/>
+          </p:nvPr>
+        </p:nvSpPr>
+        <p:spPr/>
+        <p:txBody>
+          <a:bodyPr/>
+          <a:lstStyle/>
+          <a:p>
+            <a:fld id="{58857783-52D4-C145-A146-BFF7121CFF1B}" type="datetime1">
+              <a:rPr lang="en-US" smtClean="0"/>
+              <a:t>6/4/13</a:t>
+            </a:fld>
+            <a:endParaRPr lang="en-US" dirty="0"/>
+          </a:p>
+        </p:txBody>
+      </p:sp>
+      <p:sp>
+        <p:nvSpPr>
+          <p:cNvPr id="4" name="Footer Placeholder 3"/>
+          <p:cNvSpPr>
+            <a:spLocks noGrp="1"/>
+          </p:cNvSpPr>
+          <p:nvPr>
+            <p:ph type="ftr" sz="quarter" idx="11"/>
+          </p:nvPr>
+        </p:nvSpPr>
+        <p:spPr/>
+        <p:txBody>
+          <a:bodyPr/>
+          <a:lstStyle/>
+          <a:p>
+            <a:r>
+              <a:rPr lang="cs-CZ" smtClean="0"/>
+              <a:t>ModTech Company</a:t>
+            </a:r>
+            <a:endParaRPr lang="en-US"/>
+          </a:p>
+        </p:txBody>
+      </p:sp>
+      <p:sp>
+        <p:nvSpPr>
+          <p:cNvPr id="5" name="Slide Number Placeholder 4"/>
+          <p:cNvSpPr>
+            <a:spLocks noGrp="1"/>
+          </p:cNvSpPr>
+          <p:nvPr>
+            <p:ph type="sldNum" sz="quarter" idx="12"/>
+          </p:nvPr>
+        </p:nvSpPr>
+        <p:spPr/>
+        <p:txBody>
+          <a:bodyPr/>
+          <a:lstStyle/>
+          <a:p>
+            <a:fld id="{FD16E9ED-9D0B-E240-8F52-DF7E99F07C61}" type="slidenum">
+              <a:rPr lang="en-US" smtClean="0"/>
+              <a:t>23</a:t>
+            </a:fld>
+            <a:endParaRPr lang="en-US" dirty="0"/>
+          </a:p>
+        </p:txBody>
+      </p:sp>
     </p:spTree>
     <p:extLst>
       <p:ext uri="{BB962C8B-B14F-4D97-AF65-F5344CB8AC3E}">
@@ -17787,6 +19041,75 @@
           </a:p>
         </p:txBody>
       </p:sp>
+      <p:sp>
+        <p:nvSpPr>
+          <p:cNvPr id="4" name="Date Placeholder 3"/>
+          <p:cNvSpPr>
+            <a:spLocks noGrp="1"/>
+          </p:cNvSpPr>
+          <p:nvPr>
+            <p:ph type="dt" sz="half" idx="10"/>
+          </p:nvPr>
+        </p:nvSpPr>
+        <p:spPr/>
+        <p:txBody>
+          <a:bodyPr/>
+          <a:lstStyle/>
+          <a:p>
+            <a:fld id="{5B0A0E58-8ED1-FC41-833E-474D160D99E2}" type="datetime1">
+              <a:rPr lang="en-US" smtClean="0"/>
+              <a:t>6/4/13</a:t>
+            </a:fld>
+            <a:endParaRPr lang="en-US" dirty="0"/>
+          </a:p>
+        </p:txBody>
+      </p:sp>
+      <p:sp>
+        <p:nvSpPr>
+          <p:cNvPr id="5" name="Footer Placeholder 4"/>
+          <p:cNvSpPr>
+            <a:spLocks noGrp="1"/>
+          </p:cNvSpPr>
+          <p:nvPr>
+            <p:ph type="ftr" sz="quarter" idx="11"/>
+          </p:nvPr>
+        </p:nvSpPr>
+        <p:spPr/>
+        <p:txBody>
+          <a:bodyPr/>
+          <a:lstStyle/>
+          <a:p>
+            <a:r>
+              <a:rPr lang="cs-CZ" smtClean="0"/>
+              <a:t>ModTech Company</a:t>
+            </a:r>
+            <a:endParaRPr lang="en-US"/>
+          </a:p>
+        </p:txBody>
+      </p:sp>
+      <p:sp>
+        <p:nvSpPr>
+          <p:cNvPr id="6" name="Slide Number Placeholder 5"/>
+          <p:cNvSpPr>
+            <a:spLocks noGrp="1"/>
+          </p:cNvSpPr>
+          <p:nvPr>
+            <p:ph type="sldNum" sz="quarter" idx="12"/>
+          </p:nvPr>
+        </p:nvSpPr>
+        <p:spPr/>
+        <p:txBody>
+          <a:bodyPr/>
+          <a:lstStyle/>
+          <a:p>
+            <a:fld id="{FD16E9ED-9D0B-E240-8F52-DF7E99F07C61}" type="slidenum">
+              <a:rPr lang="en-US" smtClean="0"/>
+              <a:t>24</a:t>
+            </a:fld>
+            <a:endParaRPr lang="en-US" dirty="0"/>
+          </a:p>
+        </p:txBody>
+      </p:sp>
     </p:spTree>
     <p:extLst>
       <p:ext uri="{BB962C8B-B14F-4D97-AF65-F5344CB8AC3E}">
@@ -17859,6 +19182,75 @@
           <a:lstStyle/>
           <a:p>
             <a:endParaRPr lang="en-US"/>
+          </a:p>
+        </p:txBody>
+      </p:sp>
+      <p:sp>
+        <p:nvSpPr>
+          <p:cNvPr id="4" name="Date Placeholder 3"/>
+          <p:cNvSpPr>
+            <a:spLocks noGrp="1"/>
+          </p:cNvSpPr>
+          <p:nvPr>
+            <p:ph type="dt" sz="half" idx="10"/>
+          </p:nvPr>
+        </p:nvSpPr>
+        <p:spPr/>
+        <p:txBody>
+          <a:bodyPr/>
+          <a:lstStyle/>
+          <a:p>
+            <a:fld id="{480F50D2-475B-E546-AA4D-6140B1FFD832}" type="datetime1">
+              <a:rPr lang="en-US" smtClean="0"/>
+              <a:t>6/4/13</a:t>
+            </a:fld>
+            <a:endParaRPr lang="en-US" dirty="0"/>
+          </a:p>
+        </p:txBody>
+      </p:sp>
+      <p:sp>
+        <p:nvSpPr>
+          <p:cNvPr id="5" name="Footer Placeholder 4"/>
+          <p:cNvSpPr>
+            <a:spLocks noGrp="1"/>
+          </p:cNvSpPr>
+          <p:nvPr>
+            <p:ph type="ftr" sz="quarter" idx="11"/>
+          </p:nvPr>
+        </p:nvSpPr>
+        <p:spPr/>
+        <p:txBody>
+          <a:bodyPr/>
+          <a:lstStyle/>
+          <a:p>
+            <a:r>
+              <a:rPr lang="cs-CZ" smtClean="0"/>
+              <a:t>ModTech Company</a:t>
+            </a:r>
+            <a:endParaRPr lang="en-US"/>
+          </a:p>
+        </p:txBody>
+      </p:sp>
+      <p:sp>
+        <p:nvSpPr>
+          <p:cNvPr id="6" name="Slide Number Placeholder 5"/>
+          <p:cNvSpPr>
+            <a:spLocks noGrp="1"/>
+          </p:cNvSpPr>
+          <p:nvPr>
+            <p:ph type="sldNum" sz="quarter" idx="12"/>
+          </p:nvPr>
+        </p:nvSpPr>
+        <p:spPr/>
+        <p:txBody>
+          <a:bodyPr/>
+          <a:lstStyle/>
+          <a:p>
+            <a:fld id="{FD16E9ED-9D0B-E240-8F52-DF7E99F07C61}" type="slidenum">
+              <a:rPr lang="en-US" smtClean="0"/>
+              <a:t>25</a:t>
+            </a:fld>
+            <a:endParaRPr lang="en-US" dirty="0"/>
           </a:p>
         </p:txBody>
       </p:sp>
@@ -17944,6 +19336,75 @@
           </a:p>
         </p:txBody>
       </p:sp>
+      <p:sp>
+        <p:nvSpPr>
+          <p:cNvPr id="4" name="Date Placeholder 3"/>
+          <p:cNvSpPr>
+            <a:spLocks noGrp="1"/>
+          </p:cNvSpPr>
+          <p:nvPr>
+            <p:ph type="dt" sz="half" idx="10"/>
+          </p:nvPr>
+        </p:nvSpPr>
+        <p:spPr/>
+        <p:txBody>
+          <a:bodyPr/>
+          <a:lstStyle/>
+          <a:p>
+            <a:fld id="{41050BA2-6507-7A4A-8CFD-639C6FF7C6E8}" type="datetime1">
+              <a:rPr lang="en-US" smtClean="0"/>
+              <a:t>6/4/13</a:t>
+            </a:fld>
+            <a:endParaRPr lang="en-US" dirty="0"/>
+          </a:p>
+        </p:txBody>
+      </p:sp>
+      <p:sp>
+        <p:nvSpPr>
+          <p:cNvPr id="5" name="Footer Placeholder 4"/>
+          <p:cNvSpPr>
+            <a:spLocks noGrp="1"/>
+          </p:cNvSpPr>
+          <p:nvPr>
+            <p:ph type="ftr" sz="quarter" idx="11"/>
+          </p:nvPr>
+        </p:nvSpPr>
+        <p:spPr/>
+        <p:txBody>
+          <a:bodyPr/>
+          <a:lstStyle/>
+          <a:p>
+            <a:r>
+              <a:rPr lang="cs-CZ" smtClean="0"/>
+              <a:t>ModTech Company</a:t>
+            </a:r>
+            <a:endParaRPr lang="en-US"/>
+          </a:p>
+        </p:txBody>
+      </p:sp>
+      <p:sp>
+        <p:nvSpPr>
+          <p:cNvPr id="6" name="Slide Number Placeholder 5"/>
+          <p:cNvSpPr>
+            <a:spLocks noGrp="1"/>
+          </p:cNvSpPr>
+          <p:nvPr>
+            <p:ph type="sldNum" sz="quarter" idx="12"/>
+          </p:nvPr>
+        </p:nvSpPr>
+        <p:spPr/>
+        <p:txBody>
+          <a:bodyPr/>
+          <a:lstStyle/>
+          <a:p>
+            <a:fld id="{FD16E9ED-9D0B-E240-8F52-DF7E99F07C61}" type="slidenum">
+              <a:rPr lang="en-US" smtClean="0"/>
+              <a:t>26</a:t>
+            </a:fld>
+            <a:endParaRPr lang="en-US" dirty="0"/>
+          </a:p>
+        </p:txBody>
+      </p:sp>
     </p:spTree>
     <p:extLst>
       <p:ext uri="{BB962C8B-B14F-4D97-AF65-F5344CB8AC3E}">
@@ -18025,11 +19486,7 @@
           <a:p>
             <a:r>
               <a:rPr lang="en-US" dirty="0" smtClean="0"/>
-              <a:t>What learned</a:t>
-            </a:r>
-            <a:r>
-              <a:rPr lang="en-US" dirty="0" smtClean="0"/>
-              <a:t>:</a:t>
+              <a:t>What learned:</a:t>
             </a:r>
           </a:p>
           <a:p>
@@ -18052,16 +19509,11 @@
               <a:rPr lang="en-US" dirty="0" smtClean="0"/>
               <a:t>The way INTOPIA runs.</a:t>
             </a:r>
-            <a:endParaRPr lang="en-US" dirty="0" smtClean="0"/>
           </a:p>
           <a:p>
             <a:r>
               <a:rPr lang="en-US" dirty="0" smtClean="0"/>
-              <a:t>What would do differently</a:t>
-            </a:r>
-            <a:r>
-              <a:rPr lang="en-US" dirty="0" smtClean="0"/>
-              <a:t>:</a:t>
+              <a:t>What would do differently:</a:t>
             </a:r>
           </a:p>
           <a:p>
@@ -18082,6 +19534,75 @@
               <a:t>.</a:t>
             </a:r>
             <a:endParaRPr lang="en-US" dirty="0" smtClean="0"/>
+          </a:p>
+        </p:txBody>
+      </p:sp>
+      <p:sp>
+        <p:nvSpPr>
+          <p:cNvPr id="4" name="Date Placeholder 3"/>
+          <p:cNvSpPr>
+            <a:spLocks noGrp="1"/>
+          </p:cNvSpPr>
+          <p:nvPr>
+            <p:ph type="dt" sz="half" idx="10"/>
+          </p:nvPr>
+        </p:nvSpPr>
+        <p:spPr/>
+        <p:txBody>
+          <a:bodyPr/>
+          <a:lstStyle/>
+          <a:p>
+            <a:fld id="{CEE9B4B9-C535-3247-B0C2-667BE7DE64DA}" type="datetime1">
+              <a:rPr lang="en-US" smtClean="0"/>
+              <a:t>6/4/13</a:t>
+            </a:fld>
+            <a:endParaRPr lang="en-US" dirty="0"/>
+          </a:p>
+        </p:txBody>
+      </p:sp>
+      <p:sp>
+        <p:nvSpPr>
+          <p:cNvPr id="5" name="Footer Placeholder 4"/>
+          <p:cNvSpPr>
+            <a:spLocks noGrp="1"/>
+          </p:cNvSpPr>
+          <p:nvPr>
+            <p:ph type="ftr" sz="quarter" idx="11"/>
+          </p:nvPr>
+        </p:nvSpPr>
+        <p:spPr/>
+        <p:txBody>
+          <a:bodyPr/>
+          <a:lstStyle/>
+          <a:p>
+            <a:r>
+              <a:rPr lang="cs-CZ" smtClean="0"/>
+              <a:t>ModTech Company</a:t>
+            </a:r>
+            <a:endParaRPr lang="en-US"/>
+          </a:p>
+        </p:txBody>
+      </p:sp>
+      <p:sp>
+        <p:nvSpPr>
+          <p:cNvPr id="6" name="Slide Number Placeholder 5"/>
+          <p:cNvSpPr>
+            <a:spLocks noGrp="1"/>
+          </p:cNvSpPr>
+          <p:nvPr>
+            <p:ph type="sldNum" sz="quarter" idx="12"/>
+          </p:nvPr>
+        </p:nvSpPr>
+        <p:spPr/>
+        <p:txBody>
+          <a:bodyPr/>
+          <a:lstStyle/>
+          <a:p>
+            <a:fld id="{FD16E9ED-9D0B-E240-8F52-DF7E99F07C61}" type="slidenum">
+              <a:rPr lang="en-US" smtClean="0"/>
+              <a:t>27</a:t>
+            </a:fld>
+            <a:endParaRPr lang="en-US" dirty="0"/>
           </a:p>
         </p:txBody>
       </p:sp>
@@ -18185,6 +19706,75 @@
             </a:r>
           </a:p>
           <a:p>
+            <a:endParaRPr lang="en-US" dirty="0"/>
+          </a:p>
+        </p:txBody>
+      </p:sp>
+      <p:sp>
+        <p:nvSpPr>
+          <p:cNvPr id="4" name="Date Placeholder 3"/>
+          <p:cNvSpPr>
+            <a:spLocks noGrp="1"/>
+          </p:cNvSpPr>
+          <p:nvPr>
+            <p:ph type="dt" sz="half" idx="10"/>
+          </p:nvPr>
+        </p:nvSpPr>
+        <p:spPr/>
+        <p:txBody>
+          <a:bodyPr/>
+          <a:lstStyle/>
+          <a:p>
+            <a:fld id="{B6D3D4BD-A8AA-D948-A077-BDC27D5871D8}" type="datetime1">
+              <a:rPr lang="en-US" smtClean="0"/>
+              <a:t>6/4/13</a:t>
+            </a:fld>
+            <a:endParaRPr lang="en-US" dirty="0"/>
+          </a:p>
+        </p:txBody>
+      </p:sp>
+      <p:sp>
+        <p:nvSpPr>
+          <p:cNvPr id="5" name="Footer Placeholder 4"/>
+          <p:cNvSpPr>
+            <a:spLocks noGrp="1"/>
+          </p:cNvSpPr>
+          <p:nvPr>
+            <p:ph type="ftr" sz="quarter" idx="11"/>
+          </p:nvPr>
+        </p:nvSpPr>
+        <p:spPr/>
+        <p:txBody>
+          <a:bodyPr/>
+          <a:lstStyle/>
+          <a:p>
+            <a:r>
+              <a:rPr lang="cs-CZ" smtClean="0"/>
+              <a:t>ModTech Company</a:t>
+            </a:r>
+            <a:endParaRPr lang="en-US"/>
+          </a:p>
+        </p:txBody>
+      </p:sp>
+      <p:sp>
+        <p:nvSpPr>
+          <p:cNvPr id="6" name="Slide Number Placeholder 5"/>
+          <p:cNvSpPr>
+            <a:spLocks noGrp="1"/>
+          </p:cNvSpPr>
+          <p:nvPr>
+            <p:ph type="sldNum" sz="quarter" idx="12"/>
+          </p:nvPr>
+        </p:nvSpPr>
+        <p:spPr/>
+        <p:txBody>
+          <a:bodyPr/>
+          <a:lstStyle/>
+          <a:p>
+            <a:fld id="{FD16E9ED-9D0B-E240-8F52-DF7E99F07C61}" type="slidenum">
+              <a:rPr lang="en-US" smtClean="0"/>
+              <a:t>3</a:t>
+            </a:fld>
             <a:endParaRPr lang="en-US" dirty="0"/>
           </a:p>
         </p:txBody>
@@ -18320,6 +19910,75 @@
               <a:rPr lang="en-US" dirty="0" smtClean="0"/>
               <a:t> SAHUGUET: CCO</a:t>
             </a:r>
+            <a:endParaRPr lang="en-US" dirty="0"/>
+          </a:p>
+        </p:txBody>
+      </p:sp>
+      <p:sp>
+        <p:nvSpPr>
+          <p:cNvPr id="4" name="Date Placeholder 3"/>
+          <p:cNvSpPr>
+            <a:spLocks noGrp="1"/>
+          </p:cNvSpPr>
+          <p:nvPr>
+            <p:ph type="dt" sz="half" idx="10"/>
+          </p:nvPr>
+        </p:nvSpPr>
+        <p:spPr/>
+        <p:txBody>
+          <a:bodyPr/>
+          <a:lstStyle/>
+          <a:p>
+            <a:fld id="{CF0E07A0-CF87-2F40-872F-8C646891CB3D}" type="datetime1">
+              <a:rPr lang="en-US" smtClean="0"/>
+              <a:t>6/4/13</a:t>
+            </a:fld>
+            <a:endParaRPr lang="en-US" dirty="0"/>
+          </a:p>
+        </p:txBody>
+      </p:sp>
+      <p:sp>
+        <p:nvSpPr>
+          <p:cNvPr id="5" name="Footer Placeholder 4"/>
+          <p:cNvSpPr>
+            <a:spLocks noGrp="1"/>
+          </p:cNvSpPr>
+          <p:nvPr>
+            <p:ph type="ftr" sz="quarter" idx="11"/>
+          </p:nvPr>
+        </p:nvSpPr>
+        <p:spPr/>
+        <p:txBody>
+          <a:bodyPr/>
+          <a:lstStyle/>
+          <a:p>
+            <a:r>
+              <a:rPr lang="cs-CZ" smtClean="0"/>
+              <a:t>ModTech Company</a:t>
+            </a:r>
+            <a:endParaRPr lang="en-US"/>
+          </a:p>
+        </p:txBody>
+      </p:sp>
+      <p:sp>
+        <p:nvSpPr>
+          <p:cNvPr id="6" name="Slide Number Placeholder 5"/>
+          <p:cNvSpPr>
+            <a:spLocks noGrp="1"/>
+          </p:cNvSpPr>
+          <p:nvPr>
+            <p:ph type="sldNum" sz="quarter" idx="12"/>
+          </p:nvPr>
+        </p:nvSpPr>
+        <p:spPr/>
+        <p:txBody>
+          <a:bodyPr/>
+          <a:lstStyle/>
+          <a:p>
+            <a:fld id="{FD16E9ED-9D0B-E240-8F52-DF7E99F07C61}" type="slidenum">
+              <a:rPr lang="en-US" smtClean="0"/>
+              <a:t>4</a:t>
+            </a:fld>
             <a:endParaRPr lang="en-US" dirty="0"/>
           </a:p>
         </p:txBody>
@@ -19025,6 +20684,75 @@
           </a:p>
         </p:txBody>
       </p:sp>
+      <p:sp>
+        <p:nvSpPr>
+          <p:cNvPr id="4" name="Date Placeholder 3"/>
+          <p:cNvSpPr>
+            <a:spLocks noGrp="1"/>
+          </p:cNvSpPr>
+          <p:nvPr>
+            <p:ph type="dt" sz="half" idx="10"/>
+          </p:nvPr>
+        </p:nvSpPr>
+        <p:spPr/>
+        <p:txBody>
+          <a:bodyPr/>
+          <a:lstStyle/>
+          <a:p>
+            <a:fld id="{77BC2098-AE91-CB40-8258-1B9E13A3D640}" type="datetime1">
+              <a:rPr lang="en-US" smtClean="0"/>
+              <a:t>6/4/13</a:t>
+            </a:fld>
+            <a:endParaRPr lang="en-US" dirty="0"/>
+          </a:p>
+        </p:txBody>
+      </p:sp>
+      <p:sp>
+        <p:nvSpPr>
+          <p:cNvPr id="5" name="Footer Placeholder 4"/>
+          <p:cNvSpPr>
+            <a:spLocks noGrp="1"/>
+          </p:cNvSpPr>
+          <p:nvPr>
+            <p:ph type="ftr" sz="quarter" idx="11"/>
+          </p:nvPr>
+        </p:nvSpPr>
+        <p:spPr/>
+        <p:txBody>
+          <a:bodyPr/>
+          <a:lstStyle/>
+          <a:p>
+            <a:r>
+              <a:rPr lang="cs-CZ" smtClean="0"/>
+              <a:t>ModTech Company</a:t>
+            </a:r>
+            <a:endParaRPr lang="en-US"/>
+          </a:p>
+        </p:txBody>
+      </p:sp>
+      <p:sp>
+        <p:nvSpPr>
+          <p:cNvPr id="6" name="Slide Number Placeholder 5"/>
+          <p:cNvSpPr>
+            <a:spLocks noGrp="1"/>
+          </p:cNvSpPr>
+          <p:nvPr>
+            <p:ph type="sldNum" sz="quarter" idx="12"/>
+          </p:nvPr>
+        </p:nvSpPr>
+        <p:spPr/>
+        <p:txBody>
+          <a:bodyPr/>
+          <a:lstStyle/>
+          <a:p>
+            <a:fld id="{FD16E9ED-9D0B-E240-8F52-DF7E99F07C61}" type="slidenum">
+              <a:rPr lang="en-US" smtClean="0"/>
+              <a:t>5</a:t>
+            </a:fld>
+            <a:endParaRPr lang="en-US" dirty="0"/>
+          </a:p>
+        </p:txBody>
+      </p:sp>
     </p:spTree>
     <p:extLst>
       <p:ext uri="{BB962C8B-B14F-4D97-AF65-F5344CB8AC3E}">
@@ -19128,7 +20856,15 @@
           <a:p>
             <a:r>
               <a:rPr lang="en-US" dirty="0"/>
-              <a:t>good partner with other companies and with local governments, </a:t>
+              <a:t>good </a:t>
+            </a:r>
+            <a:r>
+              <a:rPr lang="en-US" dirty="0" smtClean="0"/>
+              <a:t>partnership </a:t>
+            </a:r>
+            <a:r>
+              <a:rPr lang="en-US" dirty="0"/>
+              <a:t>with other companies and with local governments, </a:t>
             </a:r>
             <a:r>
               <a:rPr lang="en-US" dirty="0" smtClean="0"/>
@@ -19139,6 +20875,75 @@
             <a:pPr marL="0" indent="0">
               <a:buNone/>
             </a:pPr>
+            <a:endParaRPr lang="en-US" dirty="0"/>
+          </a:p>
+        </p:txBody>
+      </p:sp>
+      <p:sp>
+        <p:nvSpPr>
+          <p:cNvPr id="4" name="Date Placeholder 3"/>
+          <p:cNvSpPr>
+            <a:spLocks noGrp="1"/>
+          </p:cNvSpPr>
+          <p:nvPr>
+            <p:ph type="dt" sz="half" idx="10"/>
+          </p:nvPr>
+        </p:nvSpPr>
+        <p:spPr/>
+        <p:txBody>
+          <a:bodyPr/>
+          <a:lstStyle/>
+          <a:p>
+            <a:fld id="{734E3D0E-1DD7-F44D-8C55-04EDEB8CD1F8}" type="datetime1">
+              <a:rPr lang="en-US" smtClean="0"/>
+              <a:t>6/4/13</a:t>
+            </a:fld>
+            <a:endParaRPr lang="en-US" dirty="0"/>
+          </a:p>
+        </p:txBody>
+      </p:sp>
+      <p:sp>
+        <p:nvSpPr>
+          <p:cNvPr id="5" name="Footer Placeholder 4"/>
+          <p:cNvSpPr>
+            <a:spLocks noGrp="1"/>
+          </p:cNvSpPr>
+          <p:nvPr>
+            <p:ph type="ftr" sz="quarter" idx="11"/>
+          </p:nvPr>
+        </p:nvSpPr>
+        <p:spPr/>
+        <p:txBody>
+          <a:bodyPr/>
+          <a:lstStyle/>
+          <a:p>
+            <a:r>
+              <a:rPr lang="cs-CZ" smtClean="0"/>
+              <a:t>ModTech Company</a:t>
+            </a:r>
+            <a:endParaRPr lang="en-US"/>
+          </a:p>
+        </p:txBody>
+      </p:sp>
+      <p:sp>
+        <p:nvSpPr>
+          <p:cNvPr id="6" name="Slide Number Placeholder 5"/>
+          <p:cNvSpPr>
+            <a:spLocks noGrp="1"/>
+          </p:cNvSpPr>
+          <p:nvPr>
+            <p:ph type="sldNum" sz="quarter" idx="12"/>
+          </p:nvPr>
+        </p:nvSpPr>
+        <p:spPr/>
+        <p:txBody>
+          <a:bodyPr/>
+          <a:lstStyle/>
+          <a:p>
+            <a:fld id="{FD16E9ED-9D0B-E240-8F52-DF7E99F07C61}" type="slidenum">
+              <a:rPr lang="en-US" smtClean="0"/>
+              <a:t>6</a:t>
+            </a:fld>
             <a:endParaRPr lang="en-US" dirty="0"/>
           </a:p>
         </p:txBody>
@@ -19614,6 +21419,75 @@
           </a:p>
         </p:txBody>
       </p:sp>
+      <p:sp>
+        <p:nvSpPr>
+          <p:cNvPr id="4" name="Date Placeholder 3"/>
+          <p:cNvSpPr>
+            <a:spLocks noGrp="1"/>
+          </p:cNvSpPr>
+          <p:nvPr>
+            <p:ph type="dt" sz="half" idx="10"/>
+          </p:nvPr>
+        </p:nvSpPr>
+        <p:spPr/>
+        <p:txBody>
+          <a:bodyPr/>
+          <a:lstStyle/>
+          <a:p>
+            <a:fld id="{5827CA63-78BB-EF43-A6B7-1E478FF987AB}" type="datetime1">
+              <a:rPr lang="en-US" smtClean="0"/>
+              <a:t>6/4/13</a:t>
+            </a:fld>
+            <a:endParaRPr lang="en-US" dirty="0"/>
+          </a:p>
+        </p:txBody>
+      </p:sp>
+      <p:sp>
+        <p:nvSpPr>
+          <p:cNvPr id="5" name="Footer Placeholder 4"/>
+          <p:cNvSpPr>
+            <a:spLocks noGrp="1"/>
+          </p:cNvSpPr>
+          <p:nvPr>
+            <p:ph type="ftr" sz="quarter" idx="11"/>
+          </p:nvPr>
+        </p:nvSpPr>
+        <p:spPr/>
+        <p:txBody>
+          <a:bodyPr/>
+          <a:lstStyle/>
+          <a:p>
+            <a:r>
+              <a:rPr lang="cs-CZ" smtClean="0"/>
+              <a:t>ModTech Company</a:t>
+            </a:r>
+            <a:endParaRPr lang="en-US"/>
+          </a:p>
+        </p:txBody>
+      </p:sp>
+      <p:sp>
+        <p:nvSpPr>
+          <p:cNvPr id="6" name="Slide Number Placeholder 5"/>
+          <p:cNvSpPr>
+            <a:spLocks noGrp="1"/>
+          </p:cNvSpPr>
+          <p:nvPr>
+            <p:ph type="sldNum" sz="quarter" idx="12"/>
+          </p:nvPr>
+        </p:nvSpPr>
+        <p:spPr/>
+        <p:txBody>
+          <a:bodyPr/>
+          <a:lstStyle/>
+          <a:p>
+            <a:fld id="{FD16E9ED-9D0B-E240-8F52-DF7E99F07C61}" type="slidenum">
+              <a:rPr lang="en-US" smtClean="0"/>
+              <a:t>7</a:t>
+            </a:fld>
+            <a:endParaRPr lang="en-US" dirty="0"/>
+          </a:p>
+        </p:txBody>
+      </p:sp>
     </p:spTree>
     <p:extLst>
       <p:ext uri="{BB962C8B-B14F-4D97-AF65-F5344CB8AC3E}">
@@ -20352,6 +22226,75 @@
               <a:rPr lang="en-US" dirty="0" smtClean="0"/>
               <a:t>Increase the profit</a:t>
             </a:r>
+          </a:p>
+        </p:txBody>
+      </p:sp>
+      <p:sp>
+        <p:nvSpPr>
+          <p:cNvPr id="4" name="Date Placeholder 3"/>
+          <p:cNvSpPr>
+            <a:spLocks noGrp="1"/>
+          </p:cNvSpPr>
+          <p:nvPr>
+            <p:ph type="dt" sz="half" idx="10"/>
+          </p:nvPr>
+        </p:nvSpPr>
+        <p:spPr/>
+        <p:txBody>
+          <a:bodyPr/>
+          <a:lstStyle/>
+          <a:p>
+            <a:fld id="{118044D3-E3BF-8045-A6D8-26149AA9059C}" type="datetime1">
+              <a:rPr lang="en-US" smtClean="0"/>
+              <a:t>6/4/13</a:t>
+            </a:fld>
+            <a:endParaRPr lang="en-US" dirty="0"/>
+          </a:p>
+        </p:txBody>
+      </p:sp>
+      <p:sp>
+        <p:nvSpPr>
+          <p:cNvPr id="5" name="Footer Placeholder 4"/>
+          <p:cNvSpPr>
+            <a:spLocks noGrp="1"/>
+          </p:cNvSpPr>
+          <p:nvPr>
+            <p:ph type="ftr" sz="quarter" idx="11"/>
+          </p:nvPr>
+        </p:nvSpPr>
+        <p:spPr/>
+        <p:txBody>
+          <a:bodyPr/>
+          <a:lstStyle/>
+          <a:p>
+            <a:r>
+              <a:rPr lang="cs-CZ" smtClean="0"/>
+              <a:t>ModTech Company</a:t>
+            </a:r>
+            <a:endParaRPr lang="en-US"/>
+          </a:p>
+        </p:txBody>
+      </p:sp>
+      <p:sp>
+        <p:nvSpPr>
+          <p:cNvPr id="6" name="Slide Number Placeholder 5"/>
+          <p:cNvSpPr>
+            <a:spLocks noGrp="1"/>
+          </p:cNvSpPr>
+          <p:nvPr>
+            <p:ph type="sldNum" sz="quarter" idx="12"/>
+          </p:nvPr>
+        </p:nvSpPr>
+        <p:spPr/>
+        <p:txBody>
+          <a:bodyPr/>
+          <a:lstStyle/>
+          <a:p>
+            <a:fld id="{FD16E9ED-9D0B-E240-8F52-DF7E99F07C61}" type="slidenum">
+              <a:rPr lang="en-US" smtClean="0"/>
+              <a:t>8</a:t>
+            </a:fld>
+            <a:endParaRPr lang="en-US" dirty="0"/>
           </a:p>
         </p:txBody>
       </p:sp>
@@ -20797,6 +22740,75 @@
             </a:r>
           </a:p>
           <a:p>
+            <a:endParaRPr lang="en-US" dirty="0"/>
+          </a:p>
+        </p:txBody>
+      </p:sp>
+      <p:sp>
+        <p:nvSpPr>
+          <p:cNvPr id="4" name="Date Placeholder 3"/>
+          <p:cNvSpPr>
+            <a:spLocks noGrp="1"/>
+          </p:cNvSpPr>
+          <p:nvPr>
+            <p:ph type="dt" sz="half" idx="10"/>
+          </p:nvPr>
+        </p:nvSpPr>
+        <p:spPr/>
+        <p:txBody>
+          <a:bodyPr/>
+          <a:lstStyle/>
+          <a:p>
+            <a:fld id="{02745523-E7D5-8E4F-B248-2E5423EB5132}" type="datetime1">
+              <a:rPr lang="en-US" smtClean="0"/>
+              <a:t>6/4/13</a:t>
+            </a:fld>
+            <a:endParaRPr lang="en-US" dirty="0"/>
+          </a:p>
+        </p:txBody>
+      </p:sp>
+      <p:sp>
+        <p:nvSpPr>
+          <p:cNvPr id="5" name="Footer Placeholder 4"/>
+          <p:cNvSpPr>
+            <a:spLocks noGrp="1"/>
+          </p:cNvSpPr>
+          <p:nvPr>
+            <p:ph type="ftr" sz="quarter" idx="11"/>
+          </p:nvPr>
+        </p:nvSpPr>
+        <p:spPr/>
+        <p:txBody>
+          <a:bodyPr/>
+          <a:lstStyle/>
+          <a:p>
+            <a:r>
+              <a:rPr lang="cs-CZ" smtClean="0"/>
+              <a:t>ModTech Company</a:t>
+            </a:r>
+            <a:endParaRPr lang="en-US"/>
+          </a:p>
+        </p:txBody>
+      </p:sp>
+      <p:sp>
+        <p:nvSpPr>
+          <p:cNvPr id="6" name="Slide Number Placeholder 5"/>
+          <p:cNvSpPr>
+            <a:spLocks noGrp="1"/>
+          </p:cNvSpPr>
+          <p:nvPr>
+            <p:ph type="sldNum" sz="quarter" idx="12"/>
+          </p:nvPr>
+        </p:nvSpPr>
+        <p:spPr/>
+        <p:txBody>
+          <a:bodyPr/>
+          <a:lstStyle/>
+          <a:p>
+            <a:fld id="{FD16E9ED-9D0B-E240-8F52-DF7E99F07C61}" type="slidenum">
+              <a:rPr lang="en-US" smtClean="0"/>
+              <a:t>9</a:t>
+            </a:fld>
             <a:endParaRPr lang="en-US" dirty="0"/>
           </a:p>
         </p:txBody>
@@ -21404,4 +23416,324 @@
   </a:objectDefaults>
   <a:extraClrSchemeLst/>
 </a:theme>
+</file>
+
+<file path=ppt/theme/theme3.xml><?xml version="1.0" encoding="utf-8"?>
+<a:theme xmlns:a="http://schemas.openxmlformats.org/drawingml/2006/main" name="Office Theme">
+  <a:themeElements>
+    <a:clrScheme name="Office">
+      <a:dk1>
+        <a:sysClr val="windowText" lastClr="000000"/>
+      </a:dk1>
+      <a:lt1>
+        <a:sysClr val="window" lastClr="FFFFFF"/>
+      </a:lt1>
+      <a:dk2>
+        <a:srgbClr val="1F497D"/>
+      </a:dk2>
+      <a:lt2>
+        <a:srgbClr val="EEECE1"/>
+      </a:lt2>
+      <a:accent1>
+        <a:srgbClr val="4F81BD"/>
+      </a:accent1>
+      <a:accent2>
+        <a:srgbClr val="C0504D"/>
+      </a:accent2>
+      <a:accent3>
+        <a:srgbClr val="9BBB59"/>
+      </a:accent3>
+      <a:accent4>
+        <a:srgbClr val="8064A2"/>
+      </a:accent4>
+      <a:accent5>
+        <a:srgbClr val="4BACC6"/>
+      </a:accent5>
+      <a:accent6>
+        <a:srgbClr val="F79646"/>
+      </a:accent6>
+      <a:hlink>
+        <a:srgbClr val="0000FF"/>
+      </a:hlink>
+      <a:folHlink>
+        <a:srgbClr val="800080"/>
+      </a:folHlink>
+    </a:clrScheme>
+    <a:fontScheme name="Office">
+      <a:majorFont>
+        <a:latin typeface="Calibri"/>
+        <a:ea typeface=""/>
+        <a:cs typeface=""/>
+        <a:font script="Jpan" typeface="ＭＳ Ｐゴシック"/>
+        <a:font script="Hang" typeface="맑은 고딕"/>
+        <a:font script="Hans" typeface="宋体"/>
+        <a:font script="Hant" typeface="新細明體"/>
+        <a:font script="Arab" typeface="Times New Roman"/>
+        <a:font script="Hebr" typeface="Times New Roman"/>
+        <a:font script="Thai" typeface="Angsana New"/>
+        <a:font script="Ethi" typeface="Nyala"/>
+        <a:font script="Beng" typeface="Vrinda"/>
+        <a:font script="Gujr" typeface="Shruti"/>
+        <a:font script="Khmr" typeface="MoolBoran"/>
+        <a:font script="Knda" typeface="Tunga"/>
+        <a:font script="Guru" typeface="Raavi"/>
+        <a:font script="Cans" typeface="Euphemia"/>
+        <a:font script="Cher" typeface="Plantagenet Cherokee"/>
+        <a:font script="Yiii" typeface="Microsoft Yi Baiti"/>
+        <a:font script="Tibt" typeface="Microsoft Himalaya"/>
+        <a:font script="Thaa" typeface="MV Boli"/>
+        <a:font script="Deva" typeface="Mangal"/>
+        <a:font script="Telu" typeface="Gautami"/>
+        <a:font script="Taml" typeface="Latha"/>
+        <a:font script="Syrc" typeface="Estrangelo Edessa"/>
+        <a:font script="Orya" typeface="Kalinga"/>
+        <a:font script="Mlym" typeface="Kartika"/>
+        <a:font script="Laoo" typeface="DokChampa"/>
+        <a:font script="Sinh" typeface="Iskoola Pota"/>
+        <a:font script="Mong" typeface="Mongolian Baiti"/>
+        <a:font script="Viet" typeface="Times New Roman"/>
+        <a:font script="Uigh" typeface="Microsoft Uighur"/>
+        <a:font script="Geor" typeface="Sylfaen"/>
+      </a:majorFont>
+      <a:minorFont>
+        <a:latin typeface="Calibri"/>
+        <a:ea typeface=""/>
+        <a:cs typeface=""/>
+        <a:font script="Jpan" typeface="ＭＳ Ｐゴシック"/>
+        <a:font script="Hang" typeface="맑은 고딕"/>
+        <a:font script="Hans" typeface="宋体"/>
+        <a:font script="Hant" typeface="新細明體"/>
+        <a:font script="Arab" typeface="Arial"/>
+        <a:font script="Hebr" typeface="Arial"/>
+        <a:font script="Thai" typeface="Cordia New"/>
+        <a:font script="Ethi" typeface="Nyala"/>
+        <a:font script="Beng" typeface="Vrinda"/>
+        <a:font script="Gujr" typeface="Shruti"/>
+        <a:font script="Khmr" typeface="DaunPenh"/>
+        <a:font script="Knda" typeface="Tunga"/>
+        <a:font script="Guru" typeface="Raavi"/>
+        <a:font script="Cans" typeface="Euphemia"/>
+        <a:font script="Cher" typeface="Plantagenet Cherokee"/>
+        <a:font script="Yiii" typeface="Microsoft Yi Baiti"/>
+        <a:font script="Tibt" typeface="Microsoft Himalaya"/>
+        <a:font script="Thaa" typeface="MV Boli"/>
+        <a:font script="Deva" typeface="Mangal"/>
+        <a:font script="Telu" typeface="Gautami"/>
+        <a:font script="Taml" typeface="Latha"/>
+        <a:font script="Syrc" typeface="Estrangelo Edessa"/>
+        <a:font script="Orya" typeface="Kalinga"/>
+        <a:font script="Mlym" typeface="Kartika"/>
+        <a:font script="Laoo" typeface="DokChampa"/>
+        <a:font script="Sinh" typeface="Iskoola Pota"/>
+        <a:font script="Mong" typeface="Mongolian Baiti"/>
+        <a:font script="Viet" typeface="Arial"/>
+        <a:font script="Uigh" typeface="Microsoft Uighur"/>
+        <a:font script="Geor" typeface="Sylfaen"/>
+      </a:minorFont>
+    </a:fontScheme>
+    <a:fmtScheme name="Office">
+      <a:fillStyleLst>
+        <a:solidFill>
+          <a:schemeClr val="phClr"/>
+        </a:solidFill>
+        <a:gradFill rotWithShape="1">
+          <a:gsLst>
+            <a:gs pos="0">
+              <a:schemeClr val="phClr">
+                <a:tint val="50000"/>
+                <a:satMod val="300000"/>
+              </a:schemeClr>
+            </a:gs>
+            <a:gs pos="35000">
+              <a:schemeClr val="phClr">
+                <a:tint val="37000"/>
+                <a:satMod val="300000"/>
+              </a:schemeClr>
+            </a:gs>
+            <a:gs pos="100000">
+              <a:schemeClr val="phClr">
+                <a:tint val="15000"/>
+                <a:satMod val="350000"/>
+              </a:schemeClr>
+            </a:gs>
+          </a:gsLst>
+          <a:lin ang="16200000" scaled="1"/>
+        </a:gradFill>
+        <a:gradFill rotWithShape="1">
+          <a:gsLst>
+            <a:gs pos="0">
+              <a:schemeClr val="phClr">
+                <a:tint val="100000"/>
+                <a:shade val="100000"/>
+                <a:satMod val="130000"/>
+              </a:schemeClr>
+            </a:gs>
+            <a:gs pos="100000">
+              <a:schemeClr val="phClr">
+                <a:tint val="50000"/>
+                <a:shade val="100000"/>
+                <a:satMod val="350000"/>
+              </a:schemeClr>
+            </a:gs>
+          </a:gsLst>
+          <a:lin ang="16200000" scaled="0"/>
+        </a:gradFill>
+      </a:fillStyleLst>
+      <a:lnStyleLst>
+        <a:ln w="9525" cap="flat" cmpd="sng" algn="ctr">
+          <a:solidFill>
+            <a:schemeClr val="phClr">
+              <a:shade val="95000"/>
+              <a:satMod val="105000"/>
+            </a:schemeClr>
+          </a:solidFill>
+          <a:prstDash val="solid"/>
+        </a:ln>
+        <a:ln w="25400" cap="flat" cmpd="sng" algn="ctr">
+          <a:solidFill>
+            <a:schemeClr val="phClr"/>
+          </a:solidFill>
+          <a:prstDash val="solid"/>
+        </a:ln>
+        <a:ln w="38100" cap="flat" cmpd="sng" algn="ctr">
+          <a:solidFill>
+            <a:schemeClr val="phClr"/>
+          </a:solidFill>
+          <a:prstDash val="solid"/>
+        </a:ln>
+      </a:lnStyleLst>
+      <a:effectStyleLst>
+        <a:effectStyle>
+          <a:effectLst>
+            <a:outerShdw blurRad="40000" dist="20000" dir="5400000" rotWithShape="0">
+              <a:srgbClr val="000000">
+                <a:alpha val="38000"/>
+              </a:srgbClr>
+            </a:outerShdw>
+          </a:effectLst>
+        </a:effectStyle>
+        <a:effectStyle>
+          <a:effectLst>
+            <a:outerShdw blurRad="40000" dist="23000" dir="5400000" rotWithShape="0">
+              <a:srgbClr val="000000">
+                <a:alpha val="35000"/>
+              </a:srgbClr>
+            </a:outerShdw>
+          </a:effectLst>
+        </a:effectStyle>
+        <a:effectStyle>
+          <a:effectLst>
+            <a:outerShdw blurRad="40000" dist="23000" dir="5400000" rotWithShape="0">
+              <a:srgbClr val="000000">
+                <a:alpha val="35000"/>
+              </a:srgbClr>
+            </a:outerShdw>
+          </a:effectLst>
+          <a:scene3d>
+            <a:camera prst="orthographicFront">
+              <a:rot lat="0" lon="0" rev="0"/>
+            </a:camera>
+            <a:lightRig rig="threePt" dir="t">
+              <a:rot lat="0" lon="0" rev="1200000"/>
+            </a:lightRig>
+          </a:scene3d>
+          <a:sp3d>
+            <a:bevelT w="63500" h="25400"/>
+          </a:sp3d>
+        </a:effectStyle>
+      </a:effectStyleLst>
+      <a:bgFillStyleLst>
+        <a:solidFill>
+          <a:schemeClr val="phClr"/>
+        </a:solidFill>
+        <a:gradFill rotWithShape="1">
+          <a:gsLst>
+            <a:gs pos="0">
+              <a:schemeClr val="phClr">
+                <a:tint val="40000"/>
+                <a:satMod val="350000"/>
+              </a:schemeClr>
+            </a:gs>
+            <a:gs pos="40000">
+              <a:schemeClr val="phClr">
+                <a:tint val="45000"/>
+                <a:shade val="99000"/>
+                <a:satMod val="350000"/>
+              </a:schemeClr>
+            </a:gs>
+            <a:gs pos="100000">
+              <a:schemeClr val="phClr">
+                <a:shade val="20000"/>
+                <a:satMod val="255000"/>
+              </a:schemeClr>
+            </a:gs>
+          </a:gsLst>
+          <a:path path="circle">
+            <a:fillToRect l="50000" t="-80000" r="50000" b="180000"/>
+          </a:path>
+        </a:gradFill>
+        <a:gradFill rotWithShape="1">
+          <a:gsLst>
+            <a:gs pos="0">
+              <a:schemeClr val="phClr">
+                <a:tint val="80000"/>
+                <a:satMod val="300000"/>
+              </a:schemeClr>
+            </a:gs>
+            <a:gs pos="100000">
+              <a:schemeClr val="phClr">
+                <a:shade val="30000"/>
+                <a:satMod val="200000"/>
+              </a:schemeClr>
+            </a:gs>
+          </a:gsLst>
+          <a:path path="circle">
+            <a:fillToRect l="50000" t="50000" r="50000" b="50000"/>
+          </a:path>
+        </a:gradFill>
+      </a:bgFillStyleLst>
+    </a:fmtScheme>
+  </a:themeElements>
+  <a:objectDefaults>
+    <a:spDef>
+      <a:spPr/>
+      <a:bodyPr/>
+      <a:lstStyle/>
+      <a:style>
+        <a:lnRef idx="1">
+          <a:schemeClr val="accent1"/>
+        </a:lnRef>
+        <a:fillRef idx="3">
+          <a:schemeClr val="accent1"/>
+        </a:fillRef>
+        <a:effectRef idx="2">
+          <a:schemeClr val="accent1"/>
+        </a:effectRef>
+        <a:fontRef idx="minor">
+          <a:schemeClr val="lt1"/>
+        </a:fontRef>
+      </a:style>
+    </a:spDef>
+    <a:lnDef>
+      <a:spPr/>
+      <a:bodyPr/>
+      <a:lstStyle/>
+      <a:style>
+        <a:lnRef idx="2">
+          <a:schemeClr val="accent1"/>
+        </a:lnRef>
+        <a:fillRef idx="0">
+          <a:schemeClr val="accent1"/>
+        </a:fillRef>
+        <a:effectRef idx="1">
+          <a:schemeClr val="accent1"/>
+        </a:effectRef>
+        <a:fontRef idx="minor">
+          <a:schemeClr val="tx1"/>
+        </a:fontRef>
+      </a:style>
+    </a:lnDef>
+  </a:objectDefaults>
+  <a:extraClrSchemeLst/>
+</a:theme>
 </file>